--- a/doc/Reactive Programing 교육자료_20250714_v02.pptx
+++ b/doc/Reactive Programing 교육자료_20250714_v02.pptx
@@ -5,7 +5,7 @@
     <p:sldMasterId id="2147483648" r:id="rId1"/>
   </p:sldMasterIdLst>
   <p:notesMasterIdLst>
-    <p:notesMasterId r:id="rId68"/>
+    <p:notesMasterId r:id="rId69"/>
   </p:notesMasterIdLst>
   <p:sldIdLst>
     <p:sldId id="256" r:id="rId2"/>
@@ -57,23 +57,24 @@
     <p:sldId id="330" r:id="rId48"/>
     <p:sldId id="331" r:id="rId49"/>
     <p:sldId id="332" r:id="rId50"/>
-    <p:sldId id="335" r:id="rId51"/>
-    <p:sldId id="351" r:id="rId52"/>
-    <p:sldId id="337" r:id="rId53"/>
-    <p:sldId id="336" r:id="rId54"/>
-    <p:sldId id="340" r:id="rId55"/>
-    <p:sldId id="341" r:id="rId56"/>
-    <p:sldId id="342" r:id="rId57"/>
-    <p:sldId id="343" r:id="rId58"/>
-    <p:sldId id="344" r:id="rId59"/>
-    <p:sldId id="345" r:id="rId60"/>
-    <p:sldId id="346" r:id="rId61"/>
-    <p:sldId id="347" r:id="rId62"/>
-    <p:sldId id="348" r:id="rId63"/>
-    <p:sldId id="349" r:id="rId64"/>
-    <p:sldId id="350" r:id="rId65"/>
-    <p:sldId id="352" r:id="rId66"/>
-    <p:sldId id="353" r:id="rId67"/>
+    <p:sldId id="351" r:id="rId51"/>
+    <p:sldId id="337" r:id="rId52"/>
+    <p:sldId id="336" r:id="rId53"/>
+    <p:sldId id="340" r:id="rId54"/>
+    <p:sldId id="341" r:id="rId55"/>
+    <p:sldId id="342" r:id="rId56"/>
+    <p:sldId id="343" r:id="rId57"/>
+    <p:sldId id="344" r:id="rId58"/>
+    <p:sldId id="345" r:id="rId59"/>
+    <p:sldId id="346" r:id="rId60"/>
+    <p:sldId id="347" r:id="rId61"/>
+    <p:sldId id="348" r:id="rId62"/>
+    <p:sldId id="350" r:id="rId63"/>
+    <p:sldId id="352" r:id="rId64"/>
+    <p:sldId id="354" r:id="rId65"/>
+    <p:sldId id="356" r:id="rId66"/>
+    <p:sldId id="357" r:id="rId67"/>
+    <p:sldId id="353" r:id="rId68"/>
   </p:sldIdLst>
   <p:sldSz cx="12192000" cy="6858000"/>
   <p:notesSz cx="6858000" cy="9144000"/>
@@ -262,7 +263,7 @@
           <a:p>
             <a:fld id="{E0D52FB7-9995-4EF7-AEB4-CC0BC4C6B609}" type="datetimeFigureOut">
               <a:rPr lang="ko-KR" altLang="en-US" smtClean="0"/>
-              <a:t>2025-07-14</a:t>
+              <a:t>2025-07-21</a:t>
             </a:fld>
             <a:endParaRPr lang="ko-KR" altLang="en-US"/>
           </a:p>
@@ -2923,7 +2924,7 @@
         </p:blipFill>
         <p:spPr>
           <a:xfrm>
-            <a:off x="1335906" y="2252218"/>
+            <a:off x="1416589" y="2557378"/>
             <a:ext cx="4338012" cy="2393058"/>
           </a:xfrm>
           <a:prstGeom prst="rect">
@@ -3161,7 +3162,7 @@
         </p:nvSpPr>
         <p:spPr>
           <a:xfrm>
-            <a:off x="1550894" y="4735070"/>
+            <a:off x="1577214" y="4972859"/>
             <a:ext cx="5087470" cy="584775"/>
           </a:xfrm>
           <a:prstGeom prst="rect">
@@ -7777,7 +7778,7 @@
         </p:nvSpPr>
         <p:spPr>
           <a:xfrm>
-            <a:off x="309693" y="747622"/>
+            <a:off x="174525" y="655024"/>
             <a:ext cx="4782670" cy="1323439"/>
           </a:xfrm>
           <a:prstGeom prst="rect">
@@ -7859,8 +7860,8 @@
         </p:blipFill>
         <p:spPr>
           <a:xfrm>
-            <a:off x="1114274" y="1120588"/>
-            <a:ext cx="6989819" cy="5378171"/>
+            <a:off x="1260636" y="1005933"/>
+            <a:ext cx="7393118" cy="5525226"/>
           </a:xfrm>
           <a:prstGeom prst="rect">
             <a:avLst/>
@@ -8093,8 +8094,8 @@
         </p:blipFill>
         <p:spPr>
           <a:xfrm>
-            <a:off x="653689" y="1369806"/>
-            <a:ext cx="5040000" cy="2528484"/>
+            <a:off x="217842" y="1203410"/>
+            <a:ext cx="5703350" cy="2861276"/>
           </a:xfrm>
           <a:prstGeom prst="rect">
             <a:avLst/>
@@ -8123,8 +8124,8 @@
         </p:blipFill>
         <p:spPr>
           <a:xfrm>
-            <a:off x="6221506" y="1378290"/>
-            <a:ext cx="5316805" cy="2520000"/>
+            <a:off x="6013043" y="1203410"/>
+            <a:ext cx="6018946" cy="2852792"/>
           </a:xfrm>
           <a:prstGeom prst="rect">
             <a:avLst/>
@@ -17554,7 +17555,7 @@
         </p:nvSpPr>
         <p:spPr>
           <a:xfrm>
-            <a:off x="193152" y="3040496"/>
+            <a:off x="193152" y="3234748"/>
             <a:ext cx="11250706" cy="388504"/>
           </a:xfrm>
           <a:prstGeom prst="rect">
@@ -17576,7 +17577,7 @@
             </a:pPr>
             <a:r>
               <a:rPr lang="en-US" altLang="ko-KR" sz="4400" dirty="0"/>
-              <a:t> Q &amp; A</a:t>
+              <a:t>Q &amp; A</a:t>
             </a:r>
             <a:endParaRPr lang="ko-KR" altLang="en-US" sz="4400" dirty="0"/>
           </a:p>
@@ -19388,7 +19389,7 @@
         <p:spPr>
           <a:xfrm>
             <a:off x="309693" y="1565769"/>
-            <a:ext cx="8516471" cy="4601260"/>
+            <a:ext cx="10651532" cy="4662815"/>
           </a:xfrm>
           <a:prstGeom prst="rect">
             <a:avLst/>
@@ -19703,6 +19704,14 @@
             <a:r>
               <a:rPr lang="ko-KR" altLang="en-US" sz="1100" dirty="0"/>
               <a:t>배송완료</a:t>
+            </a:r>
+            <a:r>
+              <a:rPr lang="en-US" altLang="ko-KR" sz="1100" dirty="0"/>
+              <a:t>), CANCELLED(</a:t>
+            </a:r>
+            <a:r>
+              <a:rPr lang="ko-KR" altLang="en-US" sz="1100" dirty="0"/>
+              <a:t>취소</a:t>
             </a:r>
             <a:r>
               <a:rPr lang="en-US" altLang="ko-KR" sz="1100" dirty="0"/>
@@ -21753,8 +21762,8 @@
         </p:nvSpPr>
         <p:spPr>
           <a:xfrm>
-            <a:off x="309693" y="729691"/>
-            <a:ext cx="10824472" cy="5755422"/>
+            <a:off x="1" y="743337"/>
+            <a:ext cx="12191999" cy="5755422"/>
           </a:xfrm>
           <a:prstGeom prst="rect">
             <a:avLst/>
@@ -22299,7 +22308,7 @@
               <a:rPr lang="en-US" altLang="ko-KR" sz="1400" dirty="0" err="1">
                 <a:latin typeface="Arial" panose="020B0604020202020204" pitchFamily="34" charset="0"/>
               </a:rPr>
-              <a:t>chat_app</a:t>
+              <a:t>webflux_example</a:t>
             </a:r>
             <a:r>
               <a:rPr lang="en-US" altLang="ko-KR" sz="1400" dirty="0">
@@ -25791,7 +25800,7 @@
             </a:r>
             <a:r>
               <a:rPr lang="en-US" altLang="ko-KR" dirty="0"/>
-              <a:t>(</a:t>
+              <a:t> : </a:t>
             </a:r>
             <a:r>
               <a:rPr lang="ko-KR" altLang="en-US" dirty="0"/>
@@ -25865,10 +25874,10 @@
       </p:sp>
       <p:pic>
         <p:nvPicPr>
-          <p:cNvPr id="6" name="그림 5">
+          <p:cNvPr id="7" name="그림 6">
             <a:extLst>
               <a:ext uri="{FF2B5EF4-FFF2-40B4-BE49-F238E27FC236}">
-                <a16:creationId xmlns:a16="http://schemas.microsoft.com/office/drawing/2014/main" id="{CC964167-BF95-CF1F-2372-B361C51C1B93}"/>
+                <a16:creationId xmlns:a16="http://schemas.microsoft.com/office/drawing/2014/main" id="{FEDDC08C-2A6D-10F2-E264-BB9D1AF94FC1}"/>
               </a:ext>
             </a:extLst>
           </p:cNvPr>
@@ -25885,8 +25894,8 @@
         </p:blipFill>
         <p:spPr>
           <a:xfrm>
-            <a:off x="634670" y="1117757"/>
-            <a:ext cx="9624842" cy="5345284"/>
+            <a:off x="665254" y="1046626"/>
+            <a:ext cx="10606804" cy="5487546"/>
           </a:xfrm>
           <a:prstGeom prst="rect">
             <a:avLst/>
@@ -27160,7 +27169,7 @@
         <p:spPr>
           <a:xfrm>
             <a:off x="226565" y="636527"/>
-            <a:ext cx="10824472" cy="3077766"/>
+            <a:ext cx="10824472" cy="3293209"/>
           </a:xfrm>
           <a:prstGeom prst="rect">
             <a:avLst/>
@@ -27187,8 +27196,62 @@
             </a:r>
             <a:r>
               <a:rPr lang="ko-KR" altLang="en-US" dirty="0"/>
-              <a:t>예시</a:t>
-            </a:r>
+              <a:t>예시 </a:t>
+            </a:r>
+            <a:r>
+              <a:rPr lang="en-US" altLang="ko-KR" dirty="0"/>
+              <a:t>(</a:t>
+            </a:r>
+            <a:r>
+              <a:rPr lang="en-US" altLang="ko-KR" dirty="0" err="1"/>
+              <a:t>createUser</a:t>
+            </a:r>
+            <a:r>
+              <a:rPr lang="en-US" altLang="ko-KR" dirty="0"/>
+              <a:t> : </a:t>
+            </a:r>
+            <a:r>
+              <a:rPr lang="ko-KR" altLang="en-US" dirty="0"/>
+              <a:t>유저 생성</a:t>
+            </a:r>
+            <a:r>
+              <a:rPr lang="en-US" altLang="ko-KR" dirty="0"/>
+              <a:t>, </a:t>
+            </a:r>
+            <a:r>
+              <a:rPr lang="en-US" altLang="ko-KR" dirty="0" err="1"/>
+              <a:t>getAllUsers</a:t>
+            </a:r>
+            <a:r>
+              <a:rPr lang="en-US" altLang="ko-KR" dirty="0"/>
+              <a:t> : </a:t>
+            </a:r>
+            <a:r>
+              <a:rPr lang="ko-KR" altLang="en-US" dirty="0"/>
+              <a:t>유저 전체 조회</a:t>
+            </a:r>
+            <a:r>
+              <a:rPr lang="en-US" altLang="ko-KR" dirty="0"/>
+              <a:t>, </a:t>
+            </a:r>
+            <a:r>
+              <a:rPr lang="en-US" altLang="ko-KR" dirty="0" err="1"/>
+              <a:t>getUser</a:t>
+            </a:r>
+            <a:r>
+              <a:rPr lang="en-US" altLang="ko-KR" dirty="0"/>
+              <a:t> : </a:t>
+            </a:r>
+            <a:r>
+              <a:rPr lang="ko-KR" altLang="en-US" dirty="0"/>
+              <a:t>유저 조회</a:t>
+            </a:r>
+            <a:r>
+              <a:rPr lang="en-US" altLang="ko-KR" dirty="0"/>
+              <a:t>)</a:t>
+            </a:r>
+          </a:p>
+          <a:p>
             <a:endParaRPr lang="en-US" altLang="ko-KR" sz="1400" dirty="0">
               <a:latin typeface="Arial" panose="020B0604020202020204" pitchFamily="34" charset="0"/>
             </a:endParaRPr>
@@ -29833,7 +29896,7 @@
               <a:rPr lang="en-US" altLang="ko-KR" dirty="0">
                 <a:latin typeface="Arial" panose="020B0604020202020204" pitchFamily="34" charset="0"/>
               </a:rPr>
-              <a:t>※ Hadler</a:t>
+              <a:t>※ Handler</a:t>
             </a:r>
           </a:p>
           <a:p>
@@ -29896,10 +29959,10 @@
       </p:sp>
       <p:pic>
         <p:nvPicPr>
-          <p:cNvPr id="14" name="그림 13">
+          <p:cNvPr id="6" name="그림 5">
             <a:extLst>
               <a:ext uri="{FF2B5EF4-FFF2-40B4-BE49-F238E27FC236}">
-                <a16:creationId xmlns:a16="http://schemas.microsoft.com/office/drawing/2014/main" id="{BD96C6F6-C2A5-D26C-DFE0-A200BC6357B5}"/>
+                <a16:creationId xmlns:a16="http://schemas.microsoft.com/office/drawing/2014/main" id="{816AD212-212E-D73D-B653-FE9005585498}"/>
               </a:ext>
             </a:extLst>
           </p:cNvPr>
@@ -29916,8 +29979,8 @@
         </p:blipFill>
         <p:spPr>
           <a:xfrm>
-            <a:off x="1366707" y="1068861"/>
-            <a:ext cx="9098972" cy="5429898"/>
+            <a:off x="921165" y="1005933"/>
+            <a:ext cx="9076274" cy="5564151"/>
           </a:xfrm>
           <a:prstGeom prst="rect">
             <a:avLst/>
@@ -30593,316 +30656,6 @@
         <p:cNvPr id="1" name="">
           <a:extLst>
             <a:ext uri="{FF2B5EF4-FFF2-40B4-BE49-F238E27FC236}">
-              <a16:creationId xmlns:a16="http://schemas.microsoft.com/office/drawing/2014/main" id="{42FD7DC3-937F-6807-7088-8F76F1D62CAD}"/>
-            </a:ext>
-          </a:extLst>
-        </p:cNvPr>
-        <p:cNvGrpSpPr/>
-        <p:nvPr/>
-      </p:nvGrpSpPr>
-      <p:grpSpPr>
-        <a:xfrm>
-          <a:off x="0" y="0"/>
-          <a:ext cx="0" cy="0"/>
-          <a:chOff x="0" y="0"/>
-          <a:chExt cx="0" cy="0"/>
-        </a:xfrm>
-      </p:grpSpPr>
-      <p:sp>
-        <p:nvSpPr>
-          <p:cNvPr id="2" name="제목 1">
-            <a:extLst>
-              <a:ext uri="{FF2B5EF4-FFF2-40B4-BE49-F238E27FC236}">
-                <a16:creationId xmlns:a16="http://schemas.microsoft.com/office/drawing/2014/main" id="{3FE163AE-7388-F398-E9C5-611677CE5ADA}"/>
-              </a:ext>
-            </a:extLst>
-          </p:cNvPr>
-          <p:cNvSpPr>
-            <a:spLocks noGrp="1"/>
-          </p:cNvSpPr>
-          <p:nvPr>
-            <p:ph type="title"/>
-          </p:nvPr>
-        </p:nvSpPr>
-        <p:spPr>
-          <a:xfrm>
-            <a:off x="309693" y="-319630"/>
-            <a:ext cx="10515600" cy="1325563"/>
-          </a:xfrm>
-        </p:spPr>
-        <p:txBody>
-          <a:bodyPr/>
-          <a:lstStyle/>
-          <a:p>
-            <a:pPr marL="0" marR="0" lvl="0" indent="0" algn="l" defTabSz="914400" rtl="0" eaLnBrk="1" fontAlgn="auto" latinLnBrk="1" hangingPunct="1">
-              <a:lnSpc>
-                <a:spcPct val="90000"/>
-              </a:lnSpc>
-              <a:spcBef>
-                <a:spcPct val="0"/>
-              </a:spcBef>
-              <a:spcAft>
-                <a:spcPts val="0"/>
-              </a:spcAft>
-              <a:buClrTx/>
-              <a:buSzTx/>
-              <a:buFontTx/>
-              <a:buNone/>
-              <a:tabLst/>
-              <a:defRPr/>
-            </a:pPr>
-            <a:r>
-              <a:rPr lang="en-US" altLang="ko-KR" sz="1800" kern="1200" dirty="0">
-                <a:solidFill>
-                  <a:schemeClr val="tx1"/>
-                </a:solidFill>
-                <a:effectLst/>
-                <a:latin typeface="+mj-lt"/>
-                <a:ea typeface="+mj-ea"/>
-                <a:cs typeface="+mj-cs"/>
-              </a:rPr>
-              <a:t>5. </a:t>
-            </a:r>
-            <a:r>
-              <a:rPr lang="ko-KR" altLang="en-US" sz="1800" kern="1200" dirty="0">
-                <a:solidFill>
-                  <a:schemeClr val="tx1"/>
-                </a:solidFill>
-                <a:effectLst/>
-                <a:latin typeface="+mj-lt"/>
-                <a:ea typeface="+mj-ea"/>
-                <a:cs typeface="+mj-cs"/>
-              </a:rPr>
-              <a:t>실 습</a:t>
-            </a:r>
-            <a:endParaRPr lang="ko-KR" altLang="en-US" dirty="0"/>
-          </a:p>
-        </p:txBody>
-      </p:sp>
-      <p:sp>
-        <p:nvSpPr>
-          <p:cNvPr id="4" name="슬라이드 번호 개체 틀 3">
-            <a:extLst>
-              <a:ext uri="{FF2B5EF4-FFF2-40B4-BE49-F238E27FC236}">
-                <a16:creationId xmlns:a16="http://schemas.microsoft.com/office/drawing/2014/main" id="{C63B3C8C-B831-EA38-64C7-08C094CE8367}"/>
-              </a:ext>
-            </a:extLst>
-          </p:cNvPr>
-          <p:cNvSpPr>
-            <a:spLocks noGrp="1"/>
-          </p:cNvSpPr>
-          <p:nvPr>
-            <p:ph type="sldNum" sz="quarter" idx="12"/>
-          </p:nvPr>
-        </p:nvSpPr>
-        <p:spPr/>
-        <p:txBody>
-          <a:bodyPr/>
-          <a:lstStyle/>
-          <a:p>
-            <a:fld id="{0FADAAEE-09CE-42F0-A36D-F63F45285918}" type="slidenum">
-              <a:rPr lang="ko-KR" altLang="en-US" smtClean="0"/>
-              <a:t>50</a:t>
-            </a:fld>
-            <a:endParaRPr lang="ko-KR" altLang="en-US"/>
-          </a:p>
-        </p:txBody>
-      </p:sp>
-      <p:sp>
-        <p:nvSpPr>
-          <p:cNvPr id="3" name="TextBox 2">
-            <a:extLst>
-              <a:ext uri="{FF2B5EF4-FFF2-40B4-BE49-F238E27FC236}">
-                <a16:creationId xmlns:a16="http://schemas.microsoft.com/office/drawing/2014/main" id="{FA6A4F61-4666-8076-21AA-B36828270F04}"/>
-              </a:ext>
-            </a:extLst>
-          </p:cNvPr>
-          <p:cNvSpPr txBox="1"/>
-          <p:nvPr/>
-        </p:nvSpPr>
-        <p:spPr>
-          <a:xfrm>
-            <a:off x="207515" y="649227"/>
-            <a:ext cx="10824472" cy="3077766"/>
-          </a:xfrm>
-          <a:prstGeom prst="rect">
-            <a:avLst/>
-          </a:prstGeom>
-          <a:noFill/>
-        </p:spPr>
-        <p:txBody>
-          <a:bodyPr wrap="square" rtlCol="0">
-            <a:spAutoFit/>
-          </a:bodyPr>
-          <a:lstStyle/>
-          <a:p>
-            <a:endParaRPr lang="en-US" altLang="ko-KR" sz="1400" dirty="0">
-              <a:latin typeface="Arial" panose="020B0604020202020204" pitchFamily="34" charset="0"/>
-            </a:endParaRPr>
-          </a:p>
-          <a:p>
-            <a:r>
-              <a:rPr lang="en-US" altLang="ko-KR" dirty="0">
-                <a:latin typeface="Arial" panose="020B0604020202020204" pitchFamily="34" charset="0"/>
-              </a:rPr>
-              <a:t>※ Router</a:t>
-            </a:r>
-            <a:endParaRPr lang="en-US" altLang="ko-KR" sz="1400" dirty="0">
-              <a:latin typeface="Arial" panose="020B0604020202020204" pitchFamily="34" charset="0"/>
-            </a:endParaRPr>
-          </a:p>
-          <a:p>
-            <a:endParaRPr lang="en-US" altLang="ko-KR" sz="1400" dirty="0">
-              <a:latin typeface="Arial" panose="020B0604020202020204" pitchFamily="34" charset="0"/>
-            </a:endParaRPr>
-          </a:p>
-          <a:p>
-            <a:r>
-              <a:rPr lang="en-US" altLang="ko-KR" sz="1400" dirty="0">
-                <a:latin typeface="Arial" panose="020B0604020202020204" pitchFamily="34" charset="0"/>
-              </a:rPr>
-              <a:t>UPDATE, DELETE </a:t>
-            </a:r>
-            <a:r>
-              <a:rPr lang="ko-KR" altLang="en-US" sz="1400" dirty="0" err="1">
-                <a:latin typeface="Arial" panose="020B0604020202020204" pitchFamily="34" charset="0"/>
-              </a:rPr>
-              <a:t>라우트</a:t>
-            </a:r>
-            <a:r>
-              <a:rPr lang="ko-KR" altLang="en-US" sz="1400" dirty="0">
-                <a:latin typeface="Arial" panose="020B0604020202020204" pitchFamily="34" charset="0"/>
-              </a:rPr>
-              <a:t> 설정을 추가하고 </a:t>
-            </a:r>
-            <a:r>
-              <a:rPr lang="en-US" altLang="ko-KR" sz="1400" dirty="0">
-                <a:latin typeface="Arial" panose="020B0604020202020204" pitchFamily="34" charset="0"/>
-              </a:rPr>
-              <a:t>404 </a:t>
-            </a:r>
-            <a:r>
-              <a:rPr lang="ko-KR" altLang="en-US" sz="1400" dirty="0">
-                <a:latin typeface="Arial" panose="020B0604020202020204" pitchFamily="34" charset="0"/>
-              </a:rPr>
-              <a:t>응답 처리를 위한 </a:t>
-            </a:r>
-            <a:r>
-              <a:rPr lang="en-US" altLang="ko-KR" sz="1400" dirty="0" err="1">
-                <a:latin typeface="Arial" panose="020B0604020202020204" pitchFamily="34" charset="0"/>
-              </a:rPr>
-              <a:t>fallbackRouter</a:t>
-            </a:r>
-            <a:r>
-              <a:rPr lang="en-US" altLang="ko-KR" sz="1400" dirty="0">
-                <a:latin typeface="Arial" panose="020B0604020202020204" pitchFamily="34" charset="0"/>
-              </a:rPr>
-              <a:t> </a:t>
-            </a:r>
-            <a:r>
-              <a:rPr lang="ko-KR" altLang="en-US" sz="1400" dirty="0">
-                <a:latin typeface="Arial" panose="020B0604020202020204" pitchFamily="34" charset="0"/>
-              </a:rPr>
-              <a:t>추가</a:t>
-            </a:r>
-            <a:endParaRPr lang="en-US" altLang="ko-KR" sz="1400" dirty="0">
-              <a:latin typeface="Arial" panose="020B0604020202020204" pitchFamily="34" charset="0"/>
-            </a:endParaRPr>
-          </a:p>
-          <a:p>
-            <a:endParaRPr lang="en-US" altLang="ko-KR" sz="1400" dirty="0">
-              <a:latin typeface="Arial" panose="020B0604020202020204" pitchFamily="34" charset="0"/>
-            </a:endParaRPr>
-          </a:p>
-          <a:p>
-            <a:endParaRPr lang="en-US" altLang="ko-KR" sz="1400" dirty="0">
-              <a:latin typeface="Arial" panose="020B0604020202020204" pitchFamily="34" charset="0"/>
-            </a:endParaRPr>
-          </a:p>
-          <a:p>
-            <a:endParaRPr lang="en-US" altLang="ko-KR" sz="1400" dirty="0">
-              <a:latin typeface="Arial" panose="020B0604020202020204" pitchFamily="34" charset="0"/>
-            </a:endParaRPr>
-          </a:p>
-          <a:p>
-            <a:endParaRPr lang="en-US" altLang="ko-KR" sz="1400" dirty="0">
-              <a:latin typeface="Arial" panose="020B0604020202020204" pitchFamily="34" charset="0"/>
-            </a:endParaRPr>
-          </a:p>
-          <a:p>
-            <a:endParaRPr lang="en-US" altLang="ko-KR" sz="1400" dirty="0">
-              <a:latin typeface="Arial" panose="020B0604020202020204" pitchFamily="34" charset="0"/>
-            </a:endParaRPr>
-          </a:p>
-          <a:p>
-            <a:endParaRPr lang="en-US" altLang="ko-KR" sz="1400" dirty="0">
-              <a:latin typeface="Arial" panose="020B0604020202020204" pitchFamily="34" charset="0"/>
-            </a:endParaRPr>
-          </a:p>
-          <a:p>
-            <a:endParaRPr lang="en-US" altLang="ko-KR" sz="1400" dirty="0">
-              <a:latin typeface="Arial" panose="020B0604020202020204" pitchFamily="34" charset="0"/>
-            </a:endParaRPr>
-          </a:p>
-          <a:p>
-            <a:endParaRPr lang="en-US" altLang="ko-KR" dirty="0"/>
-          </a:p>
-          <a:p>
-            <a:endParaRPr lang="en-US" altLang="ko-KR" dirty="0"/>
-          </a:p>
-        </p:txBody>
-      </p:sp>
-      <p:pic>
-        <p:nvPicPr>
-          <p:cNvPr id="6" name="그림 5">
-            <a:extLst>
-              <a:ext uri="{FF2B5EF4-FFF2-40B4-BE49-F238E27FC236}">
-                <a16:creationId xmlns:a16="http://schemas.microsoft.com/office/drawing/2014/main" id="{8CE08969-F8D1-F8F6-F2E9-99D84E33AD2E}"/>
-              </a:ext>
-            </a:extLst>
-          </p:cNvPr>
-          <p:cNvPicPr>
-            <a:picLocks noChangeAspect="1"/>
-          </p:cNvPicPr>
-          <p:nvPr/>
-        </p:nvPicPr>
-        <p:blipFill>
-          <a:blip r:embed="rId2"/>
-          <a:stretch>
-            <a:fillRect/>
-          </a:stretch>
-        </p:blipFill>
-        <p:spPr>
-          <a:xfrm>
-            <a:off x="150801" y="1962090"/>
-            <a:ext cx="11890398" cy="4521200"/>
-          </a:xfrm>
-          <a:prstGeom prst="rect">
-            <a:avLst/>
-          </a:prstGeom>
-        </p:spPr>
-      </p:pic>
-    </p:spTree>
-    <p:extLst>
-      <p:ext uri="{BB962C8B-B14F-4D97-AF65-F5344CB8AC3E}">
-        <p14:creationId xmlns:p14="http://schemas.microsoft.com/office/powerpoint/2010/main" val="3868344709"/>
-      </p:ext>
-    </p:extLst>
-  </p:cSld>
-  <p:clrMapOvr>
-    <a:masterClrMapping/>
-  </p:clrMapOvr>
-</p:sld>
-</file>
-
-<file path=ppt/slides/slide51.xml><?xml version="1.0" encoding="utf-8"?>
-<p:sld xmlns:a="http://schemas.openxmlformats.org/drawingml/2006/main" xmlns:r="http://schemas.openxmlformats.org/officeDocument/2006/relationships" xmlns:p="http://schemas.openxmlformats.org/presentationml/2006/main">
-  <p:cSld>
-    <p:spTree>
-      <p:nvGrpSpPr>
-        <p:cNvPr id="1" name="">
-          <a:extLst>
-            <a:ext uri="{FF2B5EF4-FFF2-40B4-BE49-F238E27FC236}">
               <a16:creationId xmlns:a16="http://schemas.microsoft.com/office/drawing/2014/main" id="{1372D2E4-EC85-1B23-65D1-44562FA55D50}"/>
             </a:ext>
           </a:extLst>
@@ -31012,7 +30765,7 @@
           <a:p>
             <a:fld id="{0FADAAEE-09CE-42F0-A36D-F63F45285918}" type="slidenum">
               <a:rPr lang="ko-KR" altLang="en-US" smtClean="0"/>
-              <a:t>51</a:t>
+              <a:t>50</a:t>
             </a:fld>
             <a:endParaRPr lang="ko-KR" altLang="en-US"/>
           </a:p>
@@ -31128,7 +30881,7 @@
 </p:sld>
 </file>
 
-<file path=ppt/slides/slide52.xml><?xml version="1.0" encoding="utf-8"?>
+<file path=ppt/slides/slide51.xml><?xml version="1.0" encoding="utf-8"?>
 <p:sld xmlns:a="http://schemas.openxmlformats.org/drawingml/2006/main" xmlns:r="http://schemas.openxmlformats.org/officeDocument/2006/relationships" xmlns:p="http://schemas.openxmlformats.org/presentationml/2006/main">
   <p:cSld>
     <p:spTree>
@@ -31245,7 +30998,7 @@
           <a:p>
             <a:fld id="{0FADAAEE-09CE-42F0-A36D-F63F45285918}" type="slidenum">
               <a:rPr lang="ko-KR" altLang="en-US" smtClean="0"/>
-              <a:t>52</a:t>
+              <a:t>51</a:t>
             </a:fld>
             <a:endParaRPr lang="ko-KR" altLang="en-US"/>
           </a:p>
@@ -31265,8 +31018,8 @@
         </p:nvSpPr>
         <p:spPr>
           <a:xfrm>
-            <a:off x="683764" y="2567406"/>
-            <a:ext cx="11197086" cy="3170099"/>
+            <a:off x="1587080" y="2228852"/>
+            <a:ext cx="11197086" cy="3046988"/>
           </a:xfrm>
           <a:prstGeom prst="rect">
             <a:avLst/>
@@ -31291,53 +31044,56 @@
               <a:t>※ </a:t>
             </a:r>
             <a:r>
-              <a:rPr lang="ko-KR" altLang="en-US" sz="4000" dirty="0">
+              <a:rPr lang="ko-KR" altLang="en-US" sz="3200" dirty="0">
                 <a:latin typeface="Arial" panose="020B0604020202020204" pitchFamily="34" charset="0"/>
               </a:rPr>
               <a:t>실습한 내용 바탕으로 주문 생성 </a:t>
             </a:r>
             <a:r>
-              <a:rPr lang="en-US" altLang="ko-KR" sz="4000" dirty="0">
+              <a:rPr lang="en-US" altLang="ko-KR" sz="3200" dirty="0">
                 <a:latin typeface="Arial" panose="020B0604020202020204" pitchFamily="34" charset="0"/>
               </a:rPr>
               <a:t>Api </a:t>
             </a:r>
             <a:r>
-              <a:rPr lang="ko-KR" altLang="en-US" sz="4000" dirty="0">
+              <a:rPr lang="ko-KR" altLang="en-US" sz="3200" dirty="0">
                 <a:latin typeface="Arial" panose="020B0604020202020204" pitchFamily="34" charset="0"/>
               </a:rPr>
               <a:t>작성</a:t>
             </a:r>
-            <a:endParaRPr lang="en-US" altLang="ko-KR" sz="4000" dirty="0">
-              <a:latin typeface="Arial" panose="020B0604020202020204" pitchFamily="34" charset="0"/>
-            </a:endParaRPr>
-          </a:p>
-          <a:p>
-            <a:r>
-              <a:rPr lang="en-US" altLang="ko-KR" sz="4000" dirty="0">
-                <a:latin typeface="Arial" panose="020B0604020202020204" pitchFamily="34" charset="0"/>
-              </a:rPr>
-              <a:t>     &amp;</a:t>
-            </a:r>
-            <a:r>
-              <a:rPr lang="ko-KR" altLang="en-US" sz="4000" dirty="0">
+            <a:r>
+              <a:rPr lang="en-US" altLang="ko-KR" sz="3200" dirty="0">
                 <a:latin typeface="Arial" panose="020B0604020202020204" pitchFamily="34" charset="0"/>
               </a:rPr>
               <a:t> </a:t>
             </a:r>
-            <a:r>
-              <a:rPr lang="en-US" altLang="ko-KR" sz="4000" dirty="0">
-                <a:latin typeface="Arial" panose="020B0604020202020204" pitchFamily="34" charset="0"/>
-              </a:rPr>
-              <a:t>API </a:t>
-            </a:r>
-            <a:r>
-              <a:rPr lang="ko-KR" altLang="en-US" sz="4000" dirty="0">
+          </a:p>
+          <a:p>
+            <a:r>
+              <a:rPr lang="en-US" altLang="ko-KR" sz="3200" dirty="0">
+                <a:latin typeface="Arial" panose="020B0604020202020204" pitchFamily="34" charset="0"/>
+              </a:rPr>
+              <a:t>      &amp;</a:t>
+            </a:r>
+            <a:r>
+              <a:rPr lang="ko-KR" altLang="en-US" sz="3200" dirty="0">
+                <a:latin typeface="Arial" panose="020B0604020202020204" pitchFamily="34" charset="0"/>
+              </a:rPr>
+              <a:t> </a:t>
+            </a:r>
+            <a:r>
+              <a:rPr lang="en-US" altLang="ko-KR" sz="3200" dirty="0">
+                <a:latin typeface="Arial" panose="020B0604020202020204" pitchFamily="34" charset="0"/>
+              </a:rPr>
+              <a:t> API </a:t>
+            </a:r>
+            <a:r>
+              <a:rPr lang="ko-KR" altLang="en-US" sz="3200" dirty="0">
                 <a:latin typeface="Arial" panose="020B0604020202020204" pitchFamily="34" charset="0"/>
               </a:rPr>
               <a:t>테스트</a:t>
             </a:r>
-            <a:endParaRPr lang="en-US" altLang="ko-KR" sz="4000" dirty="0">
+            <a:endParaRPr lang="en-US" altLang="ko-KR" sz="3200" dirty="0">
               <a:latin typeface="Arial" panose="020B0604020202020204" pitchFamily="34" charset="0"/>
             </a:endParaRPr>
           </a:p>
@@ -31387,7 +31143,7 @@
 </p:sld>
 </file>
 
-<file path=ppt/slides/slide53.xml><?xml version="1.0" encoding="utf-8"?>
+<file path=ppt/slides/slide52.xml><?xml version="1.0" encoding="utf-8"?>
 <p:sld xmlns:a="http://schemas.openxmlformats.org/drawingml/2006/main" xmlns:r="http://schemas.openxmlformats.org/officeDocument/2006/relationships" xmlns:p="http://schemas.openxmlformats.org/presentationml/2006/main">
   <p:cSld>
     <p:spTree>
@@ -31504,7 +31260,7 @@
           <a:p>
             <a:fld id="{0FADAAEE-09CE-42F0-A36D-F63F45285918}" type="slidenum">
               <a:rPr lang="ko-KR" altLang="en-US" smtClean="0"/>
-              <a:t>53</a:t>
+              <a:t>52</a:t>
             </a:fld>
             <a:endParaRPr lang="ko-KR" altLang="en-US"/>
           </a:p>
@@ -32297,7 +32053,7 @@
 </p:sld>
 </file>
 
-<file path=ppt/slides/slide54.xml><?xml version="1.0" encoding="utf-8"?>
+<file path=ppt/slides/slide53.xml><?xml version="1.0" encoding="utf-8"?>
 <p:sld xmlns:a="http://schemas.openxmlformats.org/drawingml/2006/main" xmlns:r="http://schemas.openxmlformats.org/officeDocument/2006/relationships" xmlns:p="http://schemas.openxmlformats.org/presentationml/2006/main">
   <p:cSld>
     <p:spTree>
@@ -32414,7 +32170,7 @@
           <a:p>
             <a:fld id="{0FADAAEE-09CE-42F0-A36D-F63F45285918}" type="slidenum">
               <a:rPr lang="ko-KR" altLang="en-US" smtClean="0"/>
-              <a:t>54</a:t>
+              <a:t>53</a:t>
             </a:fld>
             <a:endParaRPr lang="ko-KR" altLang="en-US"/>
           </a:p>
@@ -32457,13 +32213,19 @@
               <a:rPr lang="en-US" altLang="ko-KR" dirty="0">
                 <a:latin typeface="Arial" panose="020B0604020202020204" pitchFamily="34" charset="0"/>
               </a:rPr>
-              <a:t>※ Repository </a:t>
+              <a:t>※ </a:t>
+            </a:r>
+            <a:r>
+              <a:rPr lang="en-US" altLang="ko-KR" dirty="0" err="1">
+                <a:latin typeface="Arial" panose="020B0604020202020204" pitchFamily="34" charset="0"/>
+              </a:rPr>
+              <a:t>OrdersRepository</a:t>
             </a:r>
             <a:r>
               <a:rPr lang="ko-KR" altLang="en-US" dirty="0">
                 <a:latin typeface="Arial" panose="020B0604020202020204" pitchFamily="34" charset="0"/>
               </a:rPr>
-              <a:t>메서드 추가 및 </a:t>
+              <a:t>에 메서드 추가 및 </a:t>
             </a:r>
             <a:r>
               <a:rPr lang="en-US" altLang="ko-KR" dirty="0">
@@ -32502,7 +32264,7 @@
               <a:rPr lang="en-US" altLang="ko-KR" sz="1400" dirty="0">
                 <a:latin typeface="Arial" panose="020B0604020202020204" pitchFamily="34" charset="0"/>
               </a:rPr>
-              <a:t>public interface </a:t>
+              <a:t>Public interface </a:t>
             </a:r>
             <a:r>
               <a:rPr lang="en-US" altLang="ko-KR" sz="1400" dirty="0" err="1">
@@ -32550,7 +32312,7 @@
                 </a:solidFill>
                 <a:latin typeface="Arial" panose="020B0604020202020204" pitchFamily="34" charset="0"/>
               </a:rPr>
-              <a:t>@Query("SELECT o.id           as </a:t>
+              <a:t>@Query(＂SELECT o.id           as </a:t>
             </a:r>
             <a:r>
               <a:rPr lang="en-US" altLang="ko-KR" sz="1400" dirty="0" err="1">
@@ -32572,7 +32334,7 @@
                 </a:solidFill>
                 <a:latin typeface="Arial" panose="020B0604020202020204" pitchFamily="34" charset="0"/>
               </a:rPr>
-              <a:t>, " +</a:t>
+              <a:t>, ＂ +</a:t>
             </a:r>
           </a:p>
           <a:p>
@@ -32585,7 +32347,7 @@
                 </a:solidFill>
                 <a:latin typeface="Arial" panose="020B0604020202020204" pitchFamily="34" charset="0"/>
               </a:rPr>
-              <a:t>           "       </a:t>
+              <a:t>           ＂       </a:t>
             </a:r>
             <a:r>
               <a:rPr lang="en-US" altLang="ko-KR" sz="1400" dirty="0" err="1">
@@ -32607,7 +32369,7 @@
                 </a:solidFill>
                 <a:latin typeface="Arial" panose="020B0604020202020204" pitchFamily="34" charset="0"/>
               </a:rPr>
-              <a:t>, " +</a:t>
+              <a:t>, ＂ +</a:t>
             </a:r>
           </a:p>
           <a:p>
@@ -32620,7 +32382,7 @@
                 </a:solidFill>
                 <a:latin typeface="Arial" panose="020B0604020202020204" pitchFamily="34" charset="0"/>
               </a:rPr>
-              <a:t>           "       </a:t>
+              <a:t>           ＂       </a:t>
             </a:r>
             <a:r>
               <a:rPr lang="en-US" altLang="ko-KR" sz="1400" dirty="0" err="1">
@@ -32642,7 +32404,7 @@
                 </a:solidFill>
                 <a:latin typeface="Arial" panose="020B0604020202020204" pitchFamily="34" charset="0"/>
               </a:rPr>
-              <a:t>, " +</a:t>
+              <a:t>, ＂ + </a:t>
             </a:r>
           </a:p>
           <a:p>
@@ -33366,7 +33128,7 @@
 </p:sld>
 </file>
 
-<file path=ppt/slides/slide55.xml><?xml version="1.0" encoding="utf-8"?>
+<file path=ppt/slides/slide54.xml><?xml version="1.0" encoding="utf-8"?>
 <p:sld xmlns:a="http://schemas.openxmlformats.org/drawingml/2006/main" xmlns:r="http://schemas.openxmlformats.org/officeDocument/2006/relationships" xmlns:p="http://schemas.openxmlformats.org/presentationml/2006/main">
   <p:cSld>
     <p:spTree>
@@ -33483,7 +33245,7 @@
           <a:p>
             <a:fld id="{0FADAAEE-09CE-42F0-A36D-F63F45285918}" type="slidenum">
               <a:rPr lang="ko-KR" altLang="en-US" smtClean="0"/>
-              <a:t>55</a:t>
+              <a:t>54</a:t>
             </a:fld>
             <a:endParaRPr lang="ko-KR" altLang="en-US"/>
           </a:p>
@@ -33692,8 +33454,8 @@
         </p:blipFill>
         <p:spPr>
           <a:xfrm>
-            <a:off x="1952326" y="1588738"/>
-            <a:ext cx="4286848" cy="962159"/>
+            <a:off x="1729740" y="1401480"/>
+            <a:ext cx="4720936" cy="1059586"/>
           </a:xfrm>
           <a:prstGeom prst="rect">
             <a:avLst/>
@@ -33702,10 +33464,10 @@
       </p:pic>
       <p:pic>
         <p:nvPicPr>
-          <p:cNvPr id="14" name="그림 13">
+          <p:cNvPr id="8" name="그림 7">
             <a:extLst>
               <a:ext uri="{FF2B5EF4-FFF2-40B4-BE49-F238E27FC236}">
-                <a16:creationId xmlns:a16="http://schemas.microsoft.com/office/drawing/2014/main" id="{84E23B68-84D2-7AFF-8BAA-8B2909034B42}"/>
+                <a16:creationId xmlns:a16="http://schemas.microsoft.com/office/drawing/2014/main" id="{73394ABF-59A2-EE1F-86ED-7FD9069267FB}"/>
               </a:ext>
             </a:extLst>
           </p:cNvPr>
@@ -33722,8 +33484,8 @@
         </p:blipFill>
         <p:spPr>
           <a:xfrm>
-            <a:off x="448235" y="3419437"/>
-            <a:ext cx="10583752" cy="2591162"/>
+            <a:off x="432811" y="3235064"/>
+            <a:ext cx="9820102" cy="2692194"/>
           </a:xfrm>
           <a:prstGeom prst="rect">
             <a:avLst/>
@@ -33743,7 +33505,7 @@
 </p:sld>
 </file>
 
-<file path=ppt/slides/slide56.xml><?xml version="1.0" encoding="utf-8"?>
+<file path=ppt/slides/slide55.xml><?xml version="1.0" encoding="utf-8"?>
 <p:sld xmlns:a="http://schemas.openxmlformats.org/drawingml/2006/main" xmlns:r="http://schemas.openxmlformats.org/officeDocument/2006/relationships" xmlns:p="http://schemas.openxmlformats.org/presentationml/2006/main">
   <p:cSld>
     <p:spTree>
@@ -33860,7 +33622,7 @@
           <a:p>
             <a:fld id="{0FADAAEE-09CE-42F0-A36D-F63F45285918}" type="slidenum">
               <a:rPr lang="ko-KR" altLang="en-US" smtClean="0"/>
-              <a:t>56</a:t>
+              <a:t>55</a:t>
             </a:fld>
             <a:endParaRPr lang="ko-KR" altLang="en-US"/>
           </a:p>
@@ -33881,7 +33643,7 @@
         <p:spPr>
           <a:xfrm>
             <a:off x="207514" y="649227"/>
-            <a:ext cx="12105135" cy="7786747"/>
+            <a:ext cx="12105135" cy="7232749"/>
           </a:xfrm>
           <a:prstGeom prst="rect">
             <a:avLst/>
@@ -33939,7 +33701,7 @@
               <a:rPr lang="en-US" altLang="ko-KR" sz="2000" dirty="0">
                 <a:latin typeface="Arial" panose="020B0604020202020204" pitchFamily="34" charset="0"/>
               </a:rPr>
-              <a:t>SSE</a:t>
+              <a:t>SSE(Server-Sent Events)</a:t>
             </a:r>
             <a:r>
               <a:rPr lang="ko-KR" altLang="en-US" sz="2000" dirty="0">
@@ -33952,36 +33714,6 @@
                 <a:latin typeface="Arial" panose="020B0604020202020204" pitchFamily="34" charset="0"/>
               </a:rPr>
               <a:t>?</a:t>
-            </a:r>
-          </a:p>
-          <a:p>
-            <a:endParaRPr lang="en-US" altLang="ko-KR" sz="1400" dirty="0">
-              <a:latin typeface="Arial" panose="020B0604020202020204" pitchFamily="34" charset="0"/>
-            </a:endParaRPr>
-          </a:p>
-          <a:p>
-            <a:endParaRPr lang="en-US" altLang="ko-KR" dirty="0">
-              <a:latin typeface="Arial" panose="020B0604020202020204" pitchFamily="34" charset="0"/>
-            </a:endParaRPr>
-          </a:p>
-          <a:p>
-            <a:r>
-              <a:rPr lang="en-US" altLang="ko-KR" dirty="0">
-                <a:latin typeface="Arial" panose="020B0604020202020204" pitchFamily="34" charset="0"/>
-              </a:rPr>
-              <a:t>	Server-Sent Events (</a:t>
-            </a:r>
-            <a:r>
-              <a:rPr lang="ko-KR" altLang="en-US" dirty="0">
-                <a:latin typeface="Arial" panose="020B0604020202020204" pitchFamily="34" charset="0"/>
-              </a:rPr>
-              <a:t>서버 전송 이벤트</a:t>
-            </a:r>
-            <a:r>
-              <a:rPr lang="en-US" altLang="ko-KR" dirty="0">
-                <a:latin typeface="Arial" panose="020B0604020202020204" pitchFamily="34" charset="0"/>
-              </a:rPr>
-              <a:t>)</a:t>
             </a:r>
           </a:p>
           <a:p>
@@ -34197,7 +33929,7 @@
 </p:sld>
 </file>
 
-<file path=ppt/slides/slide57.xml><?xml version="1.0" encoding="utf-8"?>
+<file path=ppt/slides/slide56.xml><?xml version="1.0" encoding="utf-8"?>
 <p:sld xmlns:a="http://schemas.openxmlformats.org/drawingml/2006/main" xmlns:r="http://schemas.openxmlformats.org/officeDocument/2006/relationships" xmlns:p="http://schemas.openxmlformats.org/presentationml/2006/main">
   <p:cSld>
     <p:spTree>
@@ -34314,7 +34046,7 @@
           <a:p>
             <a:fld id="{0FADAAEE-09CE-42F0-A36D-F63F45285918}" type="slidenum">
               <a:rPr lang="ko-KR" altLang="en-US" smtClean="0"/>
-              <a:t>57</a:t>
+              <a:t>56</a:t>
             </a:fld>
             <a:endParaRPr lang="ko-KR" altLang="en-US"/>
           </a:p>
@@ -35290,7 +35022,7 @@
 </p:sld>
 </file>
 
-<file path=ppt/slides/slide58.xml><?xml version="1.0" encoding="utf-8"?>
+<file path=ppt/slides/slide57.xml><?xml version="1.0" encoding="utf-8"?>
 <p:sld xmlns:a="http://schemas.openxmlformats.org/drawingml/2006/main" xmlns:r="http://schemas.openxmlformats.org/officeDocument/2006/relationships" xmlns:p="http://schemas.openxmlformats.org/presentationml/2006/main">
   <p:cSld>
     <p:spTree>
@@ -35407,7 +35139,7 @@
           <a:p>
             <a:fld id="{0FADAAEE-09CE-42F0-A36D-F63F45285918}" type="slidenum">
               <a:rPr lang="ko-KR" altLang="en-US" smtClean="0"/>
-              <a:t>58</a:t>
+              <a:t>57</a:t>
             </a:fld>
             <a:endParaRPr lang="ko-KR" altLang="en-US"/>
           </a:p>
@@ -35895,7 +35627,7 @@
 </p:sld>
 </file>
 
-<file path=ppt/slides/slide59.xml><?xml version="1.0" encoding="utf-8"?>
+<file path=ppt/slides/slide58.xml><?xml version="1.0" encoding="utf-8"?>
 <p:sld xmlns:a="http://schemas.openxmlformats.org/drawingml/2006/main" xmlns:r="http://schemas.openxmlformats.org/officeDocument/2006/relationships" xmlns:p="http://schemas.openxmlformats.org/presentationml/2006/main">
   <p:cSld>
     <p:spTree>
@@ -36012,7 +35744,7 @@
           <a:p>
             <a:fld id="{0FADAAEE-09CE-42F0-A36D-F63F45285918}" type="slidenum">
               <a:rPr lang="ko-KR" altLang="en-US" smtClean="0"/>
-              <a:t>59</a:t>
+              <a:t>58</a:t>
             </a:fld>
             <a:endParaRPr lang="ko-KR" altLang="en-US"/>
           </a:p>
@@ -36162,8 +35894,8 @@
         </p:nvSpPr>
         <p:spPr>
           <a:xfrm>
-            <a:off x="309693" y="1233676"/>
-            <a:ext cx="10686759" cy="5447645"/>
+            <a:off x="389401" y="1296412"/>
+            <a:ext cx="10322934" cy="5262979"/>
           </a:xfrm>
           <a:prstGeom prst="rect">
             <a:avLst/>
@@ -36815,11 +36547,6 @@
             </a:r>
           </a:p>
           <a:p>
-            <a:endParaRPr lang="en-US" altLang="ko-KR" sz="1200" dirty="0">
-              <a:latin typeface="Arial" panose="020B0604020202020204" pitchFamily="34" charset="0"/>
-            </a:endParaRPr>
-          </a:p>
-          <a:p>
             <a:r>
               <a:rPr lang="en-US" altLang="ko-KR" sz="1200" dirty="0">
                 <a:latin typeface="Arial" panose="020B0604020202020204" pitchFamily="34" charset="0"/>
@@ -36841,6 +36568,515 @@
     <p:extLst>
       <p:ext uri="{BB962C8B-B14F-4D97-AF65-F5344CB8AC3E}">
         <p14:creationId xmlns:p14="http://schemas.microsoft.com/office/powerpoint/2010/main" val="1648168990"/>
+      </p:ext>
+    </p:extLst>
+  </p:cSld>
+  <p:clrMapOvr>
+    <a:masterClrMapping/>
+  </p:clrMapOvr>
+</p:sld>
+</file>
+
+<file path=ppt/slides/slide59.xml><?xml version="1.0" encoding="utf-8"?>
+<p:sld xmlns:a="http://schemas.openxmlformats.org/drawingml/2006/main" xmlns:r="http://schemas.openxmlformats.org/officeDocument/2006/relationships" xmlns:p="http://schemas.openxmlformats.org/presentationml/2006/main">
+  <p:cSld>
+    <p:spTree>
+      <p:nvGrpSpPr>
+        <p:cNvPr id="1" name="">
+          <a:extLst>
+            <a:ext uri="{FF2B5EF4-FFF2-40B4-BE49-F238E27FC236}">
+              <a16:creationId xmlns:a16="http://schemas.microsoft.com/office/drawing/2014/main" id="{CB2BD6D0-CD51-3206-CFDB-2C21BBF94C85}"/>
+            </a:ext>
+          </a:extLst>
+        </p:cNvPr>
+        <p:cNvGrpSpPr/>
+        <p:nvPr/>
+      </p:nvGrpSpPr>
+      <p:grpSpPr>
+        <a:xfrm>
+          <a:off x="0" y="0"/>
+          <a:ext cx="0" cy="0"/>
+          <a:chOff x="0" y="0"/>
+          <a:chExt cx="0" cy="0"/>
+        </a:xfrm>
+      </p:grpSpPr>
+      <p:sp>
+        <p:nvSpPr>
+          <p:cNvPr id="2" name="제목 1">
+            <a:extLst>
+              <a:ext uri="{FF2B5EF4-FFF2-40B4-BE49-F238E27FC236}">
+                <a16:creationId xmlns:a16="http://schemas.microsoft.com/office/drawing/2014/main" id="{56290F89-1587-F1A8-6102-74896949C26B}"/>
+              </a:ext>
+            </a:extLst>
+          </p:cNvPr>
+          <p:cNvSpPr>
+            <a:spLocks noGrp="1"/>
+          </p:cNvSpPr>
+          <p:nvPr>
+            <p:ph type="title"/>
+          </p:nvPr>
+        </p:nvSpPr>
+        <p:spPr>
+          <a:xfrm>
+            <a:off x="309693" y="-319630"/>
+            <a:ext cx="10515600" cy="1325563"/>
+          </a:xfrm>
+        </p:spPr>
+        <p:txBody>
+          <a:bodyPr/>
+          <a:lstStyle/>
+          <a:p>
+            <a:pPr marL="0" marR="0" lvl="0" indent="0" algn="l" defTabSz="914400" rtl="0" eaLnBrk="1" fontAlgn="auto" latinLnBrk="1" hangingPunct="1">
+              <a:lnSpc>
+                <a:spcPct val="90000"/>
+              </a:lnSpc>
+              <a:spcBef>
+                <a:spcPct val="0"/>
+              </a:spcBef>
+              <a:spcAft>
+                <a:spcPts val="0"/>
+              </a:spcAft>
+              <a:buClrTx/>
+              <a:buSzTx/>
+              <a:buFontTx/>
+              <a:buNone/>
+              <a:tabLst/>
+              <a:defRPr/>
+            </a:pPr>
+            <a:r>
+              <a:rPr lang="en-US" altLang="ko-KR" sz="1800" kern="1200" dirty="0">
+                <a:solidFill>
+                  <a:schemeClr val="tx1"/>
+                </a:solidFill>
+                <a:effectLst/>
+                <a:latin typeface="+mj-lt"/>
+                <a:ea typeface="+mj-ea"/>
+                <a:cs typeface="+mj-cs"/>
+              </a:rPr>
+              <a:t>5. </a:t>
+            </a:r>
+            <a:r>
+              <a:rPr lang="ko-KR" altLang="en-US" sz="1800" kern="1200" dirty="0">
+                <a:solidFill>
+                  <a:schemeClr val="tx1"/>
+                </a:solidFill>
+                <a:effectLst/>
+                <a:latin typeface="+mj-lt"/>
+                <a:ea typeface="+mj-ea"/>
+                <a:cs typeface="+mj-cs"/>
+              </a:rPr>
+              <a:t>실 습</a:t>
+            </a:r>
+            <a:endParaRPr lang="ko-KR" altLang="en-US" dirty="0"/>
+          </a:p>
+        </p:txBody>
+      </p:sp>
+      <p:sp>
+        <p:nvSpPr>
+          <p:cNvPr id="4" name="슬라이드 번호 개체 틀 3">
+            <a:extLst>
+              <a:ext uri="{FF2B5EF4-FFF2-40B4-BE49-F238E27FC236}">
+                <a16:creationId xmlns:a16="http://schemas.microsoft.com/office/drawing/2014/main" id="{13A9CA7B-2CCE-A479-3795-919A3F2C4B64}"/>
+              </a:ext>
+            </a:extLst>
+          </p:cNvPr>
+          <p:cNvSpPr>
+            <a:spLocks noGrp="1"/>
+          </p:cNvSpPr>
+          <p:nvPr>
+            <p:ph type="sldNum" sz="quarter" idx="12"/>
+          </p:nvPr>
+        </p:nvSpPr>
+        <p:spPr/>
+        <p:txBody>
+          <a:bodyPr/>
+          <a:lstStyle/>
+          <a:p>
+            <a:fld id="{0FADAAEE-09CE-42F0-A36D-F63F45285918}" type="slidenum">
+              <a:rPr lang="ko-KR" altLang="en-US" smtClean="0"/>
+              <a:t>59</a:t>
+            </a:fld>
+            <a:endParaRPr lang="ko-KR" altLang="en-US"/>
+          </a:p>
+        </p:txBody>
+      </p:sp>
+      <p:sp>
+        <p:nvSpPr>
+          <p:cNvPr id="3" name="TextBox 2">
+            <a:extLst>
+              <a:ext uri="{FF2B5EF4-FFF2-40B4-BE49-F238E27FC236}">
+                <a16:creationId xmlns:a16="http://schemas.microsoft.com/office/drawing/2014/main" id="{9EEF6E1C-8F72-8D67-BD10-8464AB4D4BFC}"/>
+              </a:ext>
+            </a:extLst>
+          </p:cNvPr>
+          <p:cNvSpPr txBox="1"/>
+          <p:nvPr/>
+        </p:nvSpPr>
+        <p:spPr>
+          <a:xfrm>
+            <a:off x="207515" y="630177"/>
+            <a:ext cx="4516886" cy="4431983"/>
+          </a:xfrm>
+          <a:prstGeom prst="rect">
+            <a:avLst/>
+          </a:prstGeom>
+          <a:noFill/>
+        </p:spPr>
+        <p:txBody>
+          <a:bodyPr wrap="square" rtlCol="0">
+            <a:spAutoFit/>
+          </a:bodyPr>
+          <a:lstStyle/>
+          <a:p>
+            <a:endParaRPr lang="en-US" altLang="ko-KR" sz="1400" dirty="0">
+              <a:latin typeface="Arial" panose="020B0604020202020204" pitchFamily="34" charset="0"/>
+            </a:endParaRPr>
+          </a:p>
+          <a:p>
+            <a:r>
+              <a:rPr lang="en-US" altLang="ko-KR" dirty="0">
+                <a:latin typeface="Arial" panose="020B0604020202020204" pitchFamily="34" charset="0"/>
+              </a:rPr>
+              <a:t> SSE</a:t>
+            </a:r>
+            <a:r>
+              <a:rPr lang="ko-KR" altLang="en-US" dirty="0">
+                <a:latin typeface="Arial" panose="020B0604020202020204" pitchFamily="34" charset="0"/>
+              </a:rPr>
+              <a:t> 연결 엔드 포인트 구현</a:t>
+            </a:r>
+            <a:endParaRPr lang="en-US" altLang="ko-KR" dirty="0">
+              <a:latin typeface="Arial" panose="020B0604020202020204" pitchFamily="34" charset="0"/>
+            </a:endParaRPr>
+          </a:p>
+          <a:p>
+            <a:endParaRPr lang="en-US" altLang="ko-KR" sz="1400" dirty="0">
+              <a:latin typeface="Arial" panose="020B0604020202020204" pitchFamily="34" charset="0"/>
+            </a:endParaRPr>
+          </a:p>
+          <a:p>
+            <a:endParaRPr lang="en-US" altLang="ko-KR" sz="1400" dirty="0">
+              <a:latin typeface="Arial" panose="020B0604020202020204" pitchFamily="34" charset="0"/>
+            </a:endParaRPr>
+          </a:p>
+          <a:p>
+            <a:r>
+              <a:rPr lang="en-US" altLang="ko-KR" dirty="0">
+                <a:latin typeface="Arial" panose="020B0604020202020204" pitchFamily="34" charset="0"/>
+              </a:rPr>
+              <a:t> ※  Router </a:t>
+            </a:r>
+            <a:r>
+              <a:rPr lang="ko-KR" altLang="en-US" dirty="0">
+                <a:latin typeface="Arial" panose="020B0604020202020204" pitchFamily="34" charset="0"/>
+              </a:rPr>
+              <a:t>작성</a:t>
+            </a:r>
+            <a:endParaRPr lang="en-US" altLang="ko-KR" dirty="0">
+              <a:latin typeface="Arial" panose="020B0604020202020204" pitchFamily="34" charset="0"/>
+            </a:endParaRPr>
+          </a:p>
+          <a:p>
+            <a:endParaRPr lang="en-US" altLang="ko-KR" sz="1400" dirty="0">
+              <a:latin typeface="Arial" panose="020B0604020202020204" pitchFamily="34" charset="0"/>
+            </a:endParaRPr>
+          </a:p>
+          <a:p>
+            <a:endParaRPr lang="en-US" altLang="ko-KR" sz="1400" dirty="0">
+              <a:latin typeface="Arial" panose="020B0604020202020204" pitchFamily="34" charset="0"/>
+            </a:endParaRPr>
+          </a:p>
+          <a:p>
+            <a:endParaRPr lang="en-US" altLang="ko-KR" sz="1400" dirty="0">
+              <a:latin typeface="Arial" panose="020B0604020202020204" pitchFamily="34" charset="0"/>
+            </a:endParaRPr>
+          </a:p>
+          <a:p>
+            <a:r>
+              <a:rPr lang="en-US" altLang="ko-KR" sz="1400" dirty="0">
+                <a:latin typeface="Arial" panose="020B0604020202020204" pitchFamily="34" charset="0"/>
+              </a:rPr>
+              <a:t>    </a:t>
+            </a:r>
+          </a:p>
+          <a:p>
+            <a:endParaRPr lang="en-US" altLang="ko-KR" sz="1400" dirty="0">
+              <a:latin typeface="Arial" panose="020B0604020202020204" pitchFamily="34" charset="0"/>
+            </a:endParaRPr>
+          </a:p>
+          <a:p>
+            <a:endParaRPr lang="en-US" altLang="ko-KR" sz="1400" dirty="0">
+              <a:latin typeface="Arial" panose="020B0604020202020204" pitchFamily="34" charset="0"/>
+            </a:endParaRPr>
+          </a:p>
+          <a:p>
+            <a:endParaRPr lang="en-US" altLang="ko-KR" sz="1400" dirty="0">
+              <a:latin typeface="Arial" panose="020B0604020202020204" pitchFamily="34" charset="0"/>
+            </a:endParaRPr>
+          </a:p>
+          <a:p>
+            <a:endParaRPr lang="en-US" altLang="ko-KR" sz="1400" dirty="0">
+              <a:latin typeface="Arial" panose="020B0604020202020204" pitchFamily="34" charset="0"/>
+            </a:endParaRPr>
+          </a:p>
+          <a:p>
+            <a:endParaRPr lang="en-US" altLang="ko-KR" sz="1400" dirty="0">
+              <a:latin typeface="Arial" panose="020B0604020202020204" pitchFamily="34" charset="0"/>
+            </a:endParaRPr>
+          </a:p>
+          <a:p>
+            <a:endParaRPr lang="en-US" altLang="ko-KR" sz="1400" dirty="0">
+              <a:latin typeface="Arial" panose="020B0604020202020204" pitchFamily="34" charset="0"/>
+            </a:endParaRPr>
+          </a:p>
+          <a:p>
+            <a:endParaRPr lang="en-US" altLang="ko-KR" sz="1400" dirty="0">
+              <a:latin typeface="Arial" panose="020B0604020202020204" pitchFamily="34" charset="0"/>
+            </a:endParaRPr>
+          </a:p>
+          <a:p>
+            <a:endParaRPr lang="en-US" altLang="ko-KR" sz="1400" dirty="0">
+              <a:latin typeface="Arial" panose="020B0604020202020204" pitchFamily="34" charset="0"/>
+            </a:endParaRPr>
+          </a:p>
+          <a:p>
+            <a:endParaRPr lang="en-US" altLang="ko-KR" dirty="0"/>
+          </a:p>
+          <a:p>
+            <a:endParaRPr lang="en-US" altLang="ko-KR" dirty="0"/>
+          </a:p>
+        </p:txBody>
+      </p:sp>
+      <p:sp>
+        <p:nvSpPr>
+          <p:cNvPr id="5" name="TextBox 4">
+            <a:extLst>
+              <a:ext uri="{FF2B5EF4-FFF2-40B4-BE49-F238E27FC236}">
+                <a16:creationId xmlns:a16="http://schemas.microsoft.com/office/drawing/2014/main" id="{1998537E-03BA-2E4B-FD7A-1E3B60984593}"/>
+              </a:ext>
+            </a:extLst>
+          </p:cNvPr>
+          <p:cNvSpPr txBox="1"/>
+          <p:nvPr/>
+        </p:nvSpPr>
+        <p:spPr>
+          <a:xfrm>
+            <a:off x="413041" y="2057304"/>
+            <a:ext cx="11571444" cy="1200329"/>
+          </a:xfrm>
+          <a:prstGeom prst="rect">
+            <a:avLst/>
+          </a:prstGeom>
+          <a:noFill/>
+          <a:ln>
+            <a:solidFill>
+              <a:schemeClr val="accent2"/>
+            </a:solidFill>
+          </a:ln>
+        </p:spPr>
+        <p:txBody>
+          <a:bodyPr wrap="square" rtlCol="0">
+            <a:spAutoFit/>
+          </a:bodyPr>
+          <a:lstStyle/>
+          <a:p>
+            <a:r>
+              <a:rPr lang="en-US" altLang="ko-KR" sz="1200" dirty="0">
+                <a:latin typeface="Arial" panose="020B0604020202020204" pitchFamily="34" charset="0"/>
+              </a:rPr>
+              <a:t>@Bean</a:t>
+            </a:r>
+          </a:p>
+          <a:p>
+            <a:r>
+              <a:rPr lang="en-US" altLang="ko-KR" sz="1200" dirty="0">
+                <a:latin typeface="Arial" panose="020B0604020202020204" pitchFamily="34" charset="0"/>
+              </a:rPr>
+              <a:t>    public </a:t>
+            </a:r>
+            <a:r>
+              <a:rPr lang="en-US" altLang="ko-KR" sz="1200" dirty="0" err="1">
+                <a:latin typeface="Arial" panose="020B0604020202020204" pitchFamily="34" charset="0"/>
+              </a:rPr>
+              <a:t>RouterFunction</a:t>
+            </a:r>
+            <a:r>
+              <a:rPr lang="en-US" altLang="ko-KR" sz="1200" dirty="0">
+                <a:latin typeface="Arial" panose="020B0604020202020204" pitchFamily="34" charset="0"/>
+              </a:rPr>
+              <a:t>&lt;</a:t>
+            </a:r>
+            <a:r>
+              <a:rPr lang="en-US" altLang="ko-KR" sz="1200" dirty="0" err="1">
+                <a:latin typeface="Arial" panose="020B0604020202020204" pitchFamily="34" charset="0"/>
+              </a:rPr>
+              <a:t>ServerResponse</a:t>
+            </a:r>
+            <a:r>
+              <a:rPr lang="en-US" altLang="ko-KR" sz="1200" dirty="0">
+                <a:latin typeface="Arial" panose="020B0604020202020204" pitchFamily="34" charset="0"/>
+              </a:rPr>
+              <a:t>&gt; </a:t>
+            </a:r>
+            <a:r>
+              <a:rPr lang="en-US" altLang="ko-KR" sz="1200" dirty="0" err="1">
+                <a:latin typeface="Arial" panose="020B0604020202020204" pitchFamily="34" charset="0"/>
+              </a:rPr>
+              <a:t>sseRoutes</a:t>
+            </a:r>
+            <a:r>
+              <a:rPr lang="en-US" altLang="ko-KR" sz="1200" dirty="0">
+                <a:latin typeface="Arial" panose="020B0604020202020204" pitchFamily="34" charset="0"/>
+              </a:rPr>
+              <a:t>(</a:t>
+            </a:r>
+            <a:r>
+              <a:rPr lang="en-US" altLang="ko-KR" sz="1200" dirty="0" err="1">
+                <a:latin typeface="Arial" panose="020B0604020202020204" pitchFamily="34" charset="0"/>
+              </a:rPr>
+              <a:t>SSEHandler</a:t>
+            </a:r>
+            <a:r>
+              <a:rPr lang="en-US" altLang="ko-KR" sz="1200" dirty="0">
+                <a:latin typeface="Arial" panose="020B0604020202020204" pitchFamily="34" charset="0"/>
+              </a:rPr>
+              <a:t> </a:t>
+            </a:r>
+            <a:r>
+              <a:rPr lang="en-US" altLang="ko-KR" sz="1200" dirty="0" err="1">
+                <a:latin typeface="Arial" panose="020B0604020202020204" pitchFamily="34" charset="0"/>
+              </a:rPr>
+              <a:t>sseHandler</a:t>
+            </a:r>
+            <a:r>
+              <a:rPr lang="en-US" altLang="ko-KR" sz="1200" dirty="0">
+                <a:latin typeface="Arial" panose="020B0604020202020204" pitchFamily="34" charset="0"/>
+              </a:rPr>
+              <a:t>) {</a:t>
+            </a:r>
+          </a:p>
+          <a:p>
+            <a:r>
+              <a:rPr lang="en-US" altLang="ko-KR" sz="1200" dirty="0">
+                <a:latin typeface="Arial" panose="020B0604020202020204" pitchFamily="34" charset="0"/>
+              </a:rPr>
+              <a:t>        return </a:t>
+            </a:r>
+            <a:r>
+              <a:rPr lang="en-US" altLang="ko-KR" sz="1200" dirty="0" err="1">
+                <a:latin typeface="Arial" panose="020B0604020202020204" pitchFamily="34" charset="0"/>
+              </a:rPr>
+              <a:t>RouterFunctions.route</a:t>
+            </a:r>
+            <a:r>
+              <a:rPr lang="en-US" altLang="ko-KR" sz="1200" dirty="0">
+                <a:latin typeface="Arial" panose="020B0604020202020204" pitchFamily="34" charset="0"/>
+              </a:rPr>
+              <a:t>(</a:t>
+            </a:r>
+          </a:p>
+          <a:p>
+            <a:r>
+              <a:rPr lang="en-US" altLang="ko-KR" sz="1200" dirty="0">
+                <a:latin typeface="Arial" panose="020B0604020202020204" pitchFamily="34" charset="0"/>
+              </a:rPr>
+              <a:t>	</a:t>
+            </a:r>
+            <a:r>
+              <a:rPr lang="en-US" altLang="ko-KR" sz="1200" dirty="0" err="1">
+                <a:latin typeface="Arial" panose="020B0604020202020204" pitchFamily="34" charset="0"/>
+              </a:rPr>
+              <a:t>RequestPredicates.GET</a:t>
+            </a:r>
+            <a:r>
+              <a:rPr lang="en-US" altLang="ko-KR" sz="1200" dirty="0">
+                <a:latin typeface="Arial" panose="020B0604020202020204" pitchFamily="34" charset="0"/>
+              </a:rPr>
+              <a:t>("/</a:t>
+            </a:r>
+            <a:r>
+              <a:rPr lang="en-US" altLang="ko-KR" sz="1200" dirty="0" err="1">
+                <a:latin typeface="Arial" panose="020B0604020202020204" pitchFamily="34" charset="0"/>
+              </a:rPr>
+              <a:t>sse</a:t>
+            </a:r>
+            <a:r>
+              <a:rPr lang="en-US" altLang="ko-KR" sz="1200" dirty="0">
+                <a:latin typeface="Arial" panose="020B0604020202020204" pitchFamily="34" charset="0"/>
+              </a:rPr>
+              <a:t>/{</a:t>
+            </a:r>
+            <a:r>
+              <a:rPr lang="en-US" altLang="ko-KR" sz="1200" dirty="0" err="1">
+                <a:latin typeface="Arial" panose="020B0604020202020204" pitchFamily="34" charset="0"/>
+              </a:rPr>
+              <a:t>userId</a:t>
+            </a:r>
+            <a:r>
+              <a:rPr lang="en-US" altLang="ko-KR" sz="1200" dirty="0">
+                <a:latin typeface="Arial" panose="020B0604020202020204" pitchFamily="34" charset="0"/>
+              </a:rPr>
+              <a:t>}").and(</a:t>
+            </a:r>
+            <a:r>
+              <a:rPr lang="en-US" altLang="ko-KR" sz="1200" dirty="0" err="1">
+                <a:latin typeface="Arial" panose="020B0604020202020204" pitchFamily="34" charset="0"/>
+              </a:rPr>
+              <a:t>RequestPredicates.accept</a:t>
+            </a:r>
+            <a:r>
+              <a:rPr lang="en-US" altLang="ko-KR" sz="1200" dirty="0">
+                <a:latin typeface="Arial" panose="020B0604020202020204" pitchFamily="34" charset="0"/>
+              </a:rPr>
+              <a:t>(</a:t>
+            </a:r>
+            <a:r>
+              <a:rPr lang="en-US" altLang="ko-KR" sz="1200" dirty="0" err="1">
+                <a:latin typeface="Arial" panose="020B0604020202020204" pitchFamily="34" charset="0"/>
+              </a:rPr>
+              <a:t>MediaType.TEXT_EVENT_STREAM</a:t>
+            </a:r>
+            <a:r>
+              <a:rPr lang="en-US" altLang="ko-KR" sz="1200" dirty="0">
+                <a:latin typeface="Arial" panose="020B0604020202020204" pitchFamily="34" charset="0"/>
+              </a:rPr>
+              <a:t>)),</a:t>
+            </a:r>
+            <a:r>
+              <a:rPr lang="en-US" altLang="ko-KR" sz="1200" dirty="0" err="1">
+                <a:latin typeface="Arial" panose="020B0604020202020204" pitchFamily="34" charset="0"/>
+              </a:rPr>
+              <a:t>sseHandler</a:t>
+            </a:r>
+            <a:r>
+              <a:rPr lang="en-US" altLang="ko-KR" sz="1200" dirty="0">
+                <a:latin typeface="Arial" panose="020B0604020202020204" pitchFamily="34" charset="0"/>
+              </a:rPr>
+              <a:t>::stream</a:t>
+            </a:r>
+          </a:p>
+          <a:p>
+            <a:r>
+              <a:rPr lang="en-US" altLang="ko-KR" sz="1200" dirty="0">
+                <a:latin typeface="Arial" panose="020B0604020202020204" pitchFamily="34" charset="0"/>
+              </a:rPr>
+              <a:t>                  );</a:t>
+            </a:r>
+          </a:p>
+          <a:p>
+            <a:r>
+              <a:rPr lang="en-US" altLang="ko-KR" sz="1200" dirty="0">
+                <a:latin typeface="Arial" panose="020B0604020202020204" pitchFamily="34" charset="0"/>
+              </a:rPr>
+              <a:t>    }</a:t>
+            </a:r>
+          </a:p>
+        </p:txBody>
+      </p:sp>
+    </p:spTree>
+    <p:extLst>
+      <p:ext uri="{BB962C8B-B14F-4D97-AF65-F5344CB8AC3E}">
+        <p14:creationId xmlns:p14="http://schemas.microsoft.com/office/powerpoint/2010/main" val="1544573820"/>
       </p:ext>
     </p:extLst>
   </p:cSld>
@@ -37148,515 +37384,6 @@
         <p:cNvPr id="1" name="">
           <a:extLst>
             <a:ext uri="{FF2B5EF4-FFF2-40B4-BE49-F238E27FC236}">
-              <a16:creationId xmlns:a16="http://schemas.microsoft.com/office/drawing/2014/main" id="{CB2BD6D0-CD51-3206-CFDB-2C21BBF94C85}"/>
-            </a:ext>
-          </a:extLst>
-        </p:cNvPr>
-        <p:cNvGrpSpPr/>
-        <p:nvPr/>
-      </p:nvGrpSpPr>
-      <p:grpSpPr>
-        <a:xfrm>
-          <a:off x="0" y="0"/>
-          <a:ext cx="0" cy="0"/>
-          <a:chOff x="0" y="0"/>
-          <a:chExt cx="0" cy="0"/>
-        </a:xfrm>
-      </p:grpSpPr>
-      <p:sp>
-        <p:nvSpPr>
-          <p:cNvPr id="2" name="제목 1">
-            <a:extLst>
-              <a:ext uri="{FF2B5EF4-FFF2-40B4-BE49-F238E27FC236}">
-                <a16:creationId xmlns:a16="http://schemas.microsoft.com/office/drawing/2014/main" id="{56290F89-1587-F1A8-6102-74896949C26B}"/>
-              </a:ext>
-            </a:extLst>
-          </p:cNvPr>
-          <p:cNvSpPr>
-            <a:spLocks noGrp="1"/>
-          </p:cNvSpPr>
-          <p:nvPr>
-            <p:ph type="title"/>
-          </p:nvPr>
-        </p:nvSpPr>
-        <p:spPr>
-          <a:xfrm>
-            <a:off x="309693" y="-319630"/>
-            <a:ext cx="10515600" cy="1325563"/>
-          </a:xfrm>
-        </p:spPr>
-        <p:txBody>
-          <a:bodyPr/>
-          <a:lstStyle/>
-          <a:p>
-            <a:pPr marL="0" marR="0" lvl="0" indent="0" algn="l" defTabSz="914400" rtl="0" eaLnBrk="1" fontAlgn="auto" latinLnBrk="1" hangingPunct="1">
-              <a:lnSpc>
-                <a:spcPct val="90000"/>
-              </a:lnSpc>
-              <a:spcBef>
-                <a:spcPct val="0"/>
-              </a:spcBef>
-              <a:spcAft>
-                <a:spcPts val="0"/>
-              </a:spcAft>
-              <a:buClrTx/>
-              <a:buSzTx/>
-              <a:buFontTx/>
-              <a:buNone/>
-              <a:tabLst/>
-              <a:defRPr/>
-            </a:pPr>
-            <a:r>
-              <a:rPr lang="en-US" altLang="ko-KR" sz="1800" kern="1200" dirty="0">
-                <a:solidFill>
-                  <a:schemeClr val="tx1"/>
-                </a:solidFill>
-                <a:effectLst/>
-                <a:latin typeface="+mj-lt"/>
-                <a:ea typeface="+mj-ea"/>
-                <a:cs typeface="+mj-cs"/>
-              </a:rPr>
-              <a:t>5. </a:t>
-            </a:r>
-            <a:r>
-              <a:rPr lang="ko-KR" altLang="en-US" sz="1800" kern="1200" dirty="0">
-                <a:solidFill>
-                  <a:schemeClr val="tx1"/>
-                </a:solidFill>
-                <a:effectLst/>
-                <a:latin typeface="+mj-lt"/>
-                <a:ea typeface="+mj-ea"/>
-                <a:cs typeface="+mj-cs"/>
-              </a:rPr>
-              <a:t>실 습</a:t>
-            </a:r>
-            <a:endParaRPr lang="ko-KR" altLang="en-US" dirty="0"/>
-          </a:p>
-        </p:txBody>
-      </p:sp>
-      <p:sp>
-        <p:nvSpPr>
-          <p:cNvPr id="4" name="슬라이드 번호 개체 틀 3">
-            <a:extLst>
-              <a:ext uri="{FF2B5EF4-FFF2-40B4-BE49-F238E27FC236}">
-                <a16:creationId xmlns:a16="http://schemas.microsoft.com/office/drawing/2014/main" id="{13A9CA7B-2CCE-A479-3795-919A3F2C4B64}"/>
-              </a:ext>
-            </a:extLst>
-          </p:cNvPr>
-          <p:cNvSpPr>
-            <a:spLocks noGrp="1"/>
-          </p:cNvSpPr>
-          <p:nvPr>
-            <p:ph type="sldNum" sz="quarter" idx="12"/>
-          </p:nvPr>
-        </p:nvSpPr>
-        <p:spPr/>
-        <p:txBody>
-          <a:bodyPr/>
-          <a:lstStyle/>
-          <a:p>
-            <a:fld id="{0FADAAEE-09CE-42F0-A36D-F63F45285918}" type="slidenum">
-              <a:rPr lang="ko-KR" altLang="en-US" smtClean="0"/>
-              <a:t>60</a:t>
-            </a:fld>
-            <a:endParaRPr lang="ko-KR" altLang="en-US"/>
-          </a:p>
-        </p:txBody>
-      </p:sp>
-      <p:sp>
-        <p:nvSpPr>
-          <p:cNvPr id="3" name="TextBox 2">
-            <a:extLst>
-              <a:ext uri="{FF2B5EF4-FFF2-40B4-BE49-F238E27FC236}">
-                <a16:creationId xmlns:a16="http://schemas.microsoft.com/office/drawing/2014/main" id="{9EEF6E1C-8F72-8D67-BD10-8464AB4D4BFC}"/>
-              </a:ext>
-            </a:extLst>
-          </p:cNvPr>
-          <p:cNvSpPr txBox="1"/>
-          <p:nvPr/>
-        </p:nvSpPr>
-        <p:spPr>
-          <a:xfrm>
-            <a:off x="207515" y="630177"/>
-            <a:ext cx="4516886" cy="4431983"/>
-          </a:xfrm>
-          <a:prstGeom prst="rect">
-            <a:avLst/>
-          </a:prstGeom>
-          <a:noFill/>
-        </p:spPr>
-        <p:txBody>
-          <a:bodyPr wrap="square" rtlCol="0">
-            <a:spAutoFit/>
-          </a:bodyPr>
-          <a:lstStyle/>
-          <a:p>
-            <a:endParaRPr lang="en-US" altLang="ko-KR" sz="1400" dirty="0">
-              <a:latin typeface="Arial" panose="020B0604020202020204" pitchFamily="34" charset="0"/>
-            </a:endParaRPr>
-          </a:p>
-          <a:p>
-            <a:r>
-              <a:rPr lang="en-US" altLang="ko-KR" dirty="0">
-                <a:latin typeface="Arial" panose="020B0604020202020204" pitchFamily="34" charset="0"/>
-              </a:rPr>
-              <a:t> SSE</a:t>
-            </a:r>
-            <a:r>
-              <a:rPr lang="ko-KR" altLang="en-US" dirty="0">
-                <a:latin typeface="Arial" panose="020B0604020202020204" pitchFamily="34" charset="0"/>
-              </a:rPr>
-              <a:t> 연결 엔드 포인트 구현</a:t>
-            </a:r>
-            <a:endParaRPr lang="en-US" altLang="ko-KR" dirty="0">
-              <a:latin typeface="Arial" panose="020B0604020202020204" pitchFamily="34" charset="0"/>
-            </a:endParaRPr>
-          </a:p>
-          <a:p>
-            <a:endParaRPr lang="en-US" altLang="ko-KR" sz="1400" dirty="0">
-              <a:latin typeface="Arial" panose="020B0604020202020204" pitchFamily="34" charset="0"/>
-            </a:endParaRPr>
-          </a:p>
-          <a:p>
-            <a:endParaRPr lang="en-US" altLang="ko-KR" sz="1400" dirty="0">
-              <a:latin typeface="Arial" panose="020B0604020202020204" pitchFamily="34" charset="0"/>
-            </a:endParaRPr>
-          </a:p>
-          <a:p>
-            <a:r>
-              <a:rPr lang="en-US" altLang="ko-KR" dirty="0">
-                <a:latin typeface="Arial" panose="020B0604020202020204" pitchFamily="34" charset="0"/>
-              </a:rPr>
-              <a:t> ※  Router </a:t>
-            </a:r>
-            <a:r>
-              <a:rPr lang="ko-KR" altLang="en-US" dirty="0">
-                <a:latin typeface="Arial" panose="020B0604020202020204" pitchFamily="34" charset="0"/>
-              </a:rPr>
-              <a:t>작성</a:t>
-            </a:r>
-            <a:endParaRPr lang="en-US" altLang="ko-KR" dirty="0">
-              <a:latin typeface="Arial" panose="020B0604020202020204" pitchFamily="34" charset="0"/>
-            </a:endParaRPr>
-          </a:p>
-          <a:p>
-            <a:endParaRPr lang="en-US" altLang="ko-KR" sz="1400" dirty="0">
-              <a:latin typeface="Arial" panose="020B0604020202020204" pitchFamily="34" charset="0"/>
-            </a:endParaRPr>
-          </a:p>
-          <a:p>
-            <a:endParaRPr lang="en-US" altLang="ko-KR" sz="1400" dirty="0">
-              <a:latin typeface="Arial" panose="020B0604020202020204" pitchFamily="34" charset="0"/>
-            </a:endParaRPr>
-          </a:p>
-          <a:p>
-            <a:endParaRPr lang="en-US" altLang="ko-KR" sz="1400" dirty="0">
-              <a:latin typeface="Arial" panose="020B0604020202020204" pitchFamily="34" charset="0"/>
-            </a:endParaRPr>
-          </a:p>
-          <a:p>
-            <a:r>
-              <a:rPr lang="en-US" altLang="ko-KR" sz="1400" dirty="0">
-                <a:latin typeface="Arial" panose="020B0604020202020204" pitchFamily="34" charset="0"/>
-              </a:rPr>
-              <a:t>    </a:t>
-            </a:r>
-          </a:p>
-          <a:p>
-            <a:endParaRPr lang="en-US" altLang="ko-KR" sz="1400" dirty="0">
-              <a:latin typeface="Arial" panose="020B0604020202020204" pitchFamily="34" charset="0"/>
-            </a:endParaRPr>
-          </a:p>
-          <a:p>
-            <a:endParaRPr lang="en-US" altLang="ko-KR" sz="1400" dirty="0">
-              <a:latin typeface="Arial" panose="020B0604020202020204" pitchFamily="34" charset="0"/>
-            </a:endParaRPr>
-          </a:p>
-          <a:p>
-            <a:endParaRPr lang="en-US" altLang="ko-KR" sz="1400" dirty="0">
-              <a:latin typeface="Arial" panose="020B0604020202020204" pitchFamily="34" charset="0"/>
-            </a:endParaRPr>
-          </a:p>
-          <a:p>
-            <a:endParaRPr lang="en-US" altLang="ko-KR" sz="1400" dirty="0">
-              <a:latin typeface="Arial" panose="020B0604020202020204" pitchFamily="34" charset="0"/>
-            </a:endParaRPr>
-          </a:p>
-          <a:p>
-            <a:endParaRPr lang="en-US" altLang="ko-KR" sz="1400" dirty="0">
-              <a:latin typeface="Arial" panose="020B0604020202020204" pitchFamily="34" charset="0"/>
-            </a:endParaRPr>
-          </a:p>
-          <a:p>
-            <a:endParaRPr lang="en-US" altLang="ko-KR" sz="1400" dirty="0">
-              <a:latin typeface="Arial" panose="020B0604020202020204" pitchFamily="34" charset="0"/>
-            </a:endParaRPr>
-          </a:p>
-          <a:p>
-            <a:endParaRPr lang="en-US" altLang="ko-KR" sz="1400" dirty="0">
-              <a:latin typeface="Arial" panose="020B0604020202020204" pitchFamily="34" charset="0"/>
-            </a:endParaRPr>
-          </a:p>
-          <a:p>
-            <a:endParaRPr lang="en-US" altLang="ko-KR" sz="1400" dirty="0">
-              <a:latin typeface="Arial" panose="020B0604020202020204" pitchFamily="34" charset="0"/>
-            </a:endParaRPr>
-          </a:p>
-          <a:p>
-            <a:endParaRPr lang="en-US" altLang="ko-KR" dirty="0"/>
-          </a:p>
-          <a:p>
-            <a:endParaRPr lang="en-US" altLang="ko-KR" dirty="0"/>
-          </a:p>
-        </p:txBody>
-      </p:sp>
-      <p:sp>
-        <p:nvSpPr>
-          <p:cNvPr id="5" name="TextBox 4">
-            <a:extLst>
-              <a:ext uri="{FF2B5EF4-FFF2-40B4-BE49-F238E27FC236}">
-                <a16:creationId xmlns:a16="http://schemas.microsoft.com/office/drawing/2014/main" id="{1998537E-03BA-2E4B-FD7A-1E3B60984593}"/>
-              </a:ext>
-            </a:extLst>
-          </p:cNvPr>
-          <p:cNvSpPr txBox="1"/>
-          <p:nvPr/>
-        </p:nvSpPr>
-        <p:spPr>
-          <a:xfrm>
-            <a:off x="413041" y="2057304"/>
-            <a:ext cx="11571444" cy="1200329"/>
-          </a:xfrm>
-          <a:prstGeom prst="rect">
-            <a:avLst/>
-          </a:prstGeom>
-          <a:noFill/>
-          <a:ln>
-            <a:solidFill>
-              <a:schemeClr val="accent2"/>
-            </a:solidFill>
-          </a:ln>
-        </p:spPr>
-        <p:txBody>
-          <a:bodyPr wrap="square" rtlCol="0">
-            <a:spAutoFit/>
-          </a:bodyPr>
-          <a:lstStyle/>
-          <a:p>
-            <a:r>
-              <a:rPr lang="en-US" altLang="ko-KR" sz="1200" dirty="0">
-                <a:latin typeface="Arial" panose="020B0604020202020204" pitchFamily="34" charset="0"/>
-              </a:rPr>
-              <a:t>@Bean</a:t>
-            </a:r>
-          </a:p>
-          <a:p>
-            <a:r>
-              <a:rPr lang="en-US" altLang="ko-KR" sz="1200" dirty="0">
-                <a:latin typeface="Arial" panose="020B0604020202020204" pitchFamily="34" charset="0"/>
-              </a:rPr>
-              <a:t>    public </a:t>
-            </a:r>
-            <a:r>
-              <a:rPr lang="en-US" altLang="ko-KR" sz="1200" dirty="0" err="1">
-                <a:latin typeface="Arial" panose="020B0604020202020204" pitchFamily="34" charset="0"/>
-              </a:rPr>
-              <a:t>RouterFunction</a:t>
-            </a:r>
-            <a:r>
-              <a:rPr lang="en-US" altLang="ko-KR" sz="1200" dirty="0">
-                <a:latin typeface="Arial" panose="020B0604020202020204" pitchFamily="34" charset="0"/>
-              </a:rPr>
-              <a:t>&lt;</a:t>
-            </a:r>
-            <a:r>
-              <a:rPr lang="en-US" altLang="ko-KR" sz="1200" dirty="0" err="1">
-                <a:latin typeface="Arial" panose="020B0604020202020204" pitchFamily="34" charset="0"/>
-              </a:rPr>
-              <a:t>ServerResponse</a:t>
-            </a:r>
-            <a:r>
-              <a:rPr lang="en-US" altLang="ko-KR" sz="1200" dirty="0">
-                <a:latin typeface="Arial" panose="020B0604020202020204" pitchFamily="34" charset="0"/>
-              </a:rPr>
-              <a:t>&gt; </a:t>
-            </a:r>
-            <a:r>
-              <a:rPr lang="en-US" altLang="ko-KR" sz="1200" dirty="0" err="1">
-                <a:latin typeface="Arial" panose="020B0604020202020204" pitchFamily="34" charset="0"/>
-              </a:rPr>
-              <a:t>sseRoutes</a:t>
-            </a:r>
-            <a:r>
-              <a:rPr lang="en-US" altLang="ko-KR" sz="1200" dirty="0">
-                <a:latin typeface="Arial" panose="020B0604020202020204" pitchFamily="34" charset="0"/>
-              </a:rPr>
-              <a:t>(</a:t>
-            </a:r>
-            <a:r>
-              <a:rPr lang="en-US" altLang="ko-KR" sz="1200" dirty="0" err="1">
-                <a:latin typeface="Arial" panose="020B0604020202020204" pitchFamily="34" charset="0"/>
-              </a:rPr>
-              <a:t>SSEHandler</a:t>
-            </a:r>
-            <a:r>
-              <a:rPr lang="en-US" altLang="ko-KR" sz="1200" dirty="0">
-                <a:latin typeface="Arial" panose="020B0604020202020204" pitchFamily="34" charset="0"/>
-              </a:rPr>
-              <a:t> </a:t>
-            </a:r>
-            <a:r>
-              <a:rPr lang="en-US" altLang="ko-KR" sz="1200" dirty="0" err="1">
-                <a:latin typeface="Arial" panose="020B0604020202020204" pitchFamily="34" charset="0"/>
-              </a:rPr>
-              <a:t>sseHandler</a:t>
-            </a:r>
-            <a:r>
-              <a:rPr lang="en-US" altLang="ko-KR" sz="1200" dirty="0">
-                <a:latin typeface="Arial" panose="020B0604020202020204" pitchFamily="34" charset="0"/>
-              </a:rPr>
-              <a:t>) {</a:t>
-            </a:r>
-          </a:p>
-          <a:p>
-            <a:r>
-              <a:rPr lang="en-US" altLang="ko-KR" sz="1200" dirty="0">
-                <a:latin typeface="Arial" panose="020B0604020202020204" pitchFamily="34" charset="0"/>
-              </a:rPr>
-              <a:t>        return </a:t>
-            </a:r>
-            <a:r>
-              <a:rPr lang="en-US" altLang="ko-KR" sz="1200" dirty="0" err="1">
-                <a:latin typeface="Arial" panose="020B0604020202020204" pitchFamily="34" charset="0"/>
-              </a:rPr>
-              <a:t>RouterFunctions.route</a:t>
-            </a:r>
-            <a:r>
-              <a:rPr lang="en-US" altLang="ko-KR" sz="1200" dirty="0">
-                <a:latin typeface="Arial" panose="020B0604020202020204" pitchFamily="34" charset="0"/>
-              </a:rPr>
-              <a:t>(</a:t>
-            </a:r>
-          </a:p>
-          <a:p>
-            <a:r>
-              <a:rPr lang="en-US" altLang="ko-KR" sz="1200" dirty="0">
-                <a:latin typeface="Arial" panose="020B0604020202020204" pitchFamily="34" charset="0"/>
-              </a:rPr>
-              <a:t>	</a:t>
-            </a:r>
-            <a:r>
-              <a:rPr lang="en-US" altLang="ko-KR" sz="1200" dirty="0" err="1">
-                <a:latin typeface="Arial" panose="020B0604020202020204" pitchFamily="34" charset="0"/>
-              </a:rPr>
-              <a:t>RequestPredicates.GET</a:t>
-            </a:r>
-            <a:r>
-              <a:rPr lang="en-US" altLang="ko-KR" sz="1200" dirty="0">
-                <a:latin typeface="Arial" panose="020B0604020202020204" pitchFamily="34" charset="0"/>
-              </a:rPr>
-              <a:t>("/</a:t>
-            </a:r>
-            <a:r>
-              <a:rPr lang="en-US" altLang="ko-KR" sz="1200" dirty="0" err="1">
-                <a:latin typeface="Arial" panose="020B0604020202020204" pitchFamily="34" charset="0"/>
-              </a:rPr>
-              <a:t>sse</a:t>
-            </a:r>
-            <a:r>
-              <a:rPr lang="en-US" altLang="ko-KR" sz="1200" dirty="0">
-                <a:latin typeface="Arial" panose="020B0604020202020204" pitchFamily="34" charset="0"/>
-              </a:rPr>
-              <a:t>/{</a:t>
-            </a:r>
-            <a:r>
-              <a:rPr lang="en-US" altLang="ko-KR" sz="1200" dirty="0" err="1">
-                <a:latin typeface="Arial" panose="020B0604020202020204" pitchFamily="34" charset="0"/>
-              </a:rPr>
-              <a:t>userId</a:t>
-            </a:r>
-            <a:r>
-              <a:rPr lang="en-US" altLang="ko-KR" sz="1200" dirty="0">
-                <a:latin typeface="Arial" panose="020B0604020202020204" pitchFamily="34" charset="0"/>
-              </a:rPr>
-              <a:t>}").and(</a:t>
-            </a:r>
-            <a:r>
-              <a:rPr lang="en-US" altLang="ko-KR" sz="1200" dirty="0" err="1">
-                <a:latin typeface="Arial" panose="020B0604020202020204" pitchFamily="34" charset="0"/>
-              </a:rPr>
-              <a:t>RequestPredicates.accept</a:t>
-            </a:r>
-            <a:r>
-              <a:rPr lang="en-US" altLang="ko-KR" sz="1200" dirty="0">
-                <a:latin typeface="Arial" panose="020B0604020202020204" pitchFamily="34" charset="0"/>
-              </a:rPr>
-              <a:t>(</a:t>
-            </a:r>
-            <a:r>
-              <a:rPr lang="en-US" altLang="ko-KR" sz="1200" dirty="0" err="1">
-                <a:latin typeface="Arial" panose="020B0604020202020204" pitchFamily="34" charset="0"/>
-              </a:rPr>
-              <a:t>MediaType.TEXT_EVENT_STREAM</a:t>
-            </a:r>
-            <a:r>
-              <a:rPr lang="en-US" altLang="ko-KR" sz="1200" dirty="0">
-                <a:latin typeface="Arial" panose="020B0604020202020204" pitchFamily="34" charset="0"/>
-              </a:rPr>
-              <a:t>)),</a:t>
-            </a:r>
-            <a:r>
-              <a:rPr lang="en-US" altLang="ko-KR" sz="1200" dirty="0" err="1">
-                <a:latin typeface="Arial" panose="020B0604020202020204" pitchFamily="34" charset="0"/>
-              </a:rPr>
-              <a:t>sseHandler</a:t>
-            </a:r>
-            <a:r>
-              <a:rPr lang="en-US" altLang="ko-KR" sz="1200" dirty="0">
-                <a:latin typeface="Arial" panose="020B0604020202020204" pitchFamily="34" charset="0"/>
-              </a:rPr>
-              <a:t>::stream</a:t>
-            </a:r>
-          </a:p>
-          <a:p>
-            <a:r>
-              <a:rPr lang="en-US" altLang="ko-KR" sz="1200" dirty="0">
-                <a:latin typeface="Arial" panose="020B0604020202020204" pitchFamily="34" charset="0"/>
-              </a:rPr>
-              <a:t>                  );</a:t>
-            </a:r>
-          </a:p>
-          <a:p>
-            <a:r>
-              <a:rPr lang="en-US" altLang="ko-KR" sz="1200" dirty="0">
-                <a:latin typeface="Arial" panose="020B0604020202020204" pitchFamily="34" charset="0"/>
-              </a:rPr>
-              <a:t>    }</a:t>
-            </a:r>
-          </a:p>
-        </p:txBody>
-      </p:sp>
-    </p:spTree>
-    <p:extLst>
-      <p:ext uri="{BB962C8B-B14F-4D97-AF65-F5344CB8AC3E}">
-        <p14:creationId xmlns:p14="http://schemas.microsoft.com/office/powerpoint/2010/main" val="1544573820"/>
-      </p:ext>
-    </p:extLst>
-  </p:cSld>
-  <p:clrMapOvr>
-    <a:masterClrMapping/>
-  </p:clrMapOvr>
-</p:sld>
-</file>
-
-<file path=ppt/slides/slide61.xml><?xml version="1.0" encoding="utf-8"?>
-<p:sld xmlns:a="http://schemas.openxmlformats.org/drawingml/2006/main" xmlns:r="http://schemas.openxmlformats.org/officeDocument/2006/relationships" xmlns:p="http://schemas.openxmlformats.org/presentationml/2006/main">
-  <p:cSld>
-    <p:spTree>
-      <p:nvGrpSpPr>
-        <p:cNvPr id="1" name="">
-          <a:extLst>
-            <a:ext uri="{FF2B5EF4-FFF2-40B4-BE49-F238E27FC236}">
               <a16:creationId xmlns:a16="http://schemas.microsoft.com/office/drawing/2014/main" id="{1FE89D83-7680-FB57-DD61-3E7AC1F99A36}"/>
             </a:ext>
           </a:extLst>
@@ -37766,7 +37493,7 @@
           <a:p>
             <a:fld id="{0FADAAEE-09CE-42F0-A36D-F63F45285918}" type="slidenum">
               <a:rPr lang="ko-KR" altLang="en-US" smtClean="0"/>
-              <a:t>61</a:t>
+              <a:t>60</a:t>
             </a:fld>
             <a:endParaRPr lang="ko-KR" altLang="en-US"/>
           </a:p>
@@ -37987,7 +37714,7 @@
 </p:sld>
 </file>
 
-<file path=ppt/slides/slide62.xml><?xml version="1.0" encoding="utf-8"?>
+<file path=ppt/slides/slide61.xml><?xml version="1.0" encoding="utf-8"?>
 <p:sld xmlns:a="http://schemas.openxmlformats.org/drawingml/2006/main" xmlns:r="http://schemas.openxmlformats.org/officeDocument/2006/relationships" xmlns:p="http://schemas.openxmlformats.org/presentationml/2006/main">
   <p:cSld>
     <p:spTree>
@@ -38104,7 +37831,7 @@
           <a:p>
             <a:fld id="{0FADAAEE-09CE-42F0-A36D-F63F45285918}" type="slidenum">
               <a:rPr lang="ko-KR" altLang="en-US" smtClean="0"/>
-              <a:t>62</a:t>
+              <a:t>61</a:t>
             </a:fld>
             <a:endParaRPr lang="ko-KR" altLang="en-US"/>
           </a:p>
@@ -38239,7 +37966,7 @@
         </p:nvSpPr>
         <p:spPr>
           <a:xfrm>
-            <a:off x="1198693" y="1235780"/>
+            <a:off x="882941" y="1235780"/>
             <a:ext cx="8148507" cy="5262979"/>
           </a:xfrm>
           <a:prstGeom prst="rect">
@@ -38937,959 +38664,7 @@
 </p:sld>
 </file>
 
-<file path=ppt/slides/slide63.xml><?xml version="1.0" encoding="utf-8"?>
-<p:sld xmlns:a="http://schemas.openxmlformats.org/drawingml/2006/main" xmlns:r="http://schemas.openxmlformats.org/officeDocument/2006/relationships" xmlns:p="http://schemas.openxmlformats.org/presentationml/2006/main">
-  <p:cSld>
-    <p:spTree>
-      <p:nvGrpSpPr>
-        <p:cNvPr id="1" name="">
-          <a:extLst>
-            <a:ext uri="{FF2B5EF4-FFF2-40B4-BE49-F238E27FC236}">
-              <a16:creationId xmlns:a16="http://schemas.microsoft.com/office/drawing/2014/main" id="{B4A31A6E-A5E5-8F6F-1163-A50C5C337643}"/>
-            </a:ext>
-          </a:extLst>
-        </p:cNvPr>
-        <p:cNvGrpSpPr/>
-        <p:nvPr/>
-      </p:nvGrpSpPr>
-      <p:grpSpPr>
-        <a:xfrm>
-          <a:off x="0" y="0"/>
-          <a:ext cx="0" cy="0"/>
-          <a:chOff x="0" y="0"/>
-          <a:chExt cx="0" cy="0"/>
-        </a:xfrm>
-      </p:grpSpPr>
-      <p:sp>
-        <p:nvSpPr>
-          <p:cNvPr id="2" name="제목 1">
-            <a:extLst>
-              <a:ext uri="{FF2B5EF4-FFF2-40B4-BE49-F238E27FC236}">
-                <a16:creationId xmlns:a16="http://schemas.microsoft.com/office/drawing/2014/main" id="{2887501A-8C4E-94D4-9F47-991130B053EE}"/>
-              </a:ext>
-            </a:extLst>
-          </p:cNvPr>
-          <p:cNvSpPr>
-            <a:spLocks noGrp="1"/>
-          </p:cNvSpPr>
-          <p:nvPr>
-            <p:ph type="title"/>
-          </p:nvPr>
-        </p:nvSpPr>
-        <p:spPr>
-          <a:xfrm>
-            <a:off x="309693" y="-319630"/>
-            <a:ext cx="10515600" cy="1325563"/>
-          </a:xfrm>
-        </p:spPr>
-        <p:txBody>
-          <a:bodyPr/>
-          <a:lstStyle/>
-          <a:p>
-            <a:pPr marL="0" marR="0" lvl="0" indent="0" algn="l" defTabSz="914400" rtl="0" eaLnBrk="1" fontAlgn="auto" latinLnBrk="1" hangingPunct="1">
-              <a:lnSpc>
-                <a:spcPct val="90000"/>
-              </a:lnSpc>
-              <a:spcBef>
-                <a:spcPct val="0"/>
-              </a:spcBef>
-              <a:spcAft>
-                <a:spcPts val="0"/>
-              </a:spcAft>
-              <a:buClrTx/>
-              <a:buSzTx/>
-              <a:buFontTx/>
-              <a:buNone/>
-              <a:tabLst/>
-              <a:defRPr/>
-            </a:pPr>
-            <a:r>
-              <a:rPr lang="en-US" altLang="ko-KR" sz="1800" kern="1200" dirty="0">
-                <a:solidFill>
-                  <a:schemeClr val="tx1"/>
-                </a:solidFill>
-                <a:effectLst/>
-                <a:latin typeface="+mj-lt"/>
-                <a:ea typeface="+mj-ea"/>
-                <a:cs typeface="+mj-cs"/>
-              </a:rPr>
-              <a:t>5. </a:t>
-            </a:r>
-            <a:r>
-              <a:rPr lang="ko-KR" altLang="en-US" sz="1800" kern="1200" dirty="0">
-                <a:solidFill>
-                  <a:schemeClr val="tx1"/>
-                </a:solidFill>
-                <a:effectLst/>
-                <a:latin typeface="+mj-lt"/>
-                <a:ea typeface="+mj-ea"/>
-                <a:cs typeface="+mj-cs"/>
-              </a:rPr>
-              <a:t>실 습</a:t>
-            </a:r>
-            <a:endParaRPr lang="ko-KR" altLang="en-US" dirty="0"/>
-          </a:p>
-        </p:txBody>
-      </p:sp>
-      <p:sp>
-        <p:nvSpPr>
-          <p:cNvPr id="4" name="슬라이드 번호 개체 틀 3">
-            <a:extLst>
-              <a:ext uri="{FF2B5EF4-FFF2-40B4-BE49-F238E27FC236}">
-                <a16:creationId xmlns:a16="http://schemas.microsoft.com/office/drawing/2014/main" id="{A29B8A0D-D82B-720E-646E-E241EBDE15A8}"/>
-              </a:ext>
-            </a:extLst>
-          </p:cNvPr>
-          <p:cNvSpPr>
-            <a:spLocks noGrp="1"/>
-          </p:cNvSpPr>
-          <p:nvPr>
-            <p:ph type="sldNum" sz="quarter" idx="12"/>
-          </p:nvPr>
-        </p:nvSpPr>
-        <p:spPr/>
-        <p:txBody>
-          <a:bodyPr/>
-          <a:lstStyle/>
-          <a:p>
-            <a:fld id="{0FADAAEE-09CE-42F0-A36D-F63F45285918}" type="slidenum">
-              <a:rPr lang="ko-KR" altLang="en-US" smtClean="0"/>
-              <a:t>63</a:t>
-            </a:fld>
-            <a:endParaRPr lang="ko-KR" altLang="en-US"/>
-          </a:p>
-        </p:txBody>
-      </p:sp>
-      <p:sp>
-        <p:nvSpPr>
-          <p:cNvPr id="3" name="TextBox 2">
-            <a:extLst>
-              <a:ext uri="{FF2B5EF4-FFF2-40B4-BE49-F238E27FC236}">
-                <a16:creationId xmlns:a16="http://schemas.microsoft.com/office/drawing/2014/main" id="{11E06764-F50E-B774-2DAF-5D5EAF14824B}"/>
-              </a:ext>
-            </a:extLst>
-          </p:cNvPr>
-          <p:cNvSpPr txBox="1"/>
-          <p:nvPr/>
-        </p:nvSpPr>
-        <p:spPr>
-          <a:xfrm>
-            <a:off x="188464" y="620167"/>
-            <a:ext cx="12003536" cy="7386638"/>
-          </a:xfrm>
-          <a:prstGeom prst="rect">
-            <a:avLst/>
-          </a:prstGeom>
-          <a:noFill/>
-        </p:spPr>
-        <p:txBody>
-          <a:bodyPr wrap="square" rtlCol="0">
-            <a:spAutoFit/>
-          </a:bodyPr>
-          <a:lstStyle/>
-          <a:p>
-            <a:endParaRPr lang="en-US" altLang="ko-KR" sz="1400" dirty="0">
-              <a:latin typeface="Arial" panose="020B0604020202020204" pitchFamily="34" charset="0"/>
-            </a:endParaRPr>
-          </a:p>
-          <a:p>
-            <a:r>
-              <a:rPr lang="en-US" altLang="ko-KR" dirty="0">
-                <a:latin typeface="Arial" panose="020B0604020202020204" pitchFamily="34" charset="0"/>
-              </a:rPr>
-              <a:t>※ Handler</a:t>
-            </a:r>
-            <a:r>
-              <a:rPr lang="ko-KR" altLang="en-US" dirty="0">
-                <a:latin typeface="Arial" panose="020B0604020202020204" pitchFamily="34" charset="0"/>
-              </a:rPr>
-              <a:t> 작성</a:t>
-            </a:r>
-            <a:endParaRPr lang="en-US" altLang="ko-KR" dirty="0">
-              <a:latin typeface="Arial" panose="020B0604020202020204" pitchFamily="34" charset="0"/>
-            </a:endParaRPr>
-          </a:p>
-          <a:p>
-            <a:endParaRPr lang="en-US" altLang="ko-KR" dirty="0">
-              <a:latin typeface="Arial" panose="020B0604020202020204" pitchFamily="34" charset="0"/>
-            </a:endParaRPr>
-          </a:p>
-          <a:p>
-            <a:endParaRPr lang="en-US" altLang="ko-KR" dirty="0">
-              <a:latin typeface="Arial" panose="020B0604020202020204" pitchFamily="34" charset="0"/>
-            </a:endParaRPr>
-          </a:p>
-          <a:p>
-            <a:endParaRPr lang="en-US" altLang="ko-KR" dirty="0">
-              <a:latin typeface="Arial" panose="020B0604020202020204" pitchFamily="34" charset="0"/>
-            </a:endParaRPr>
-          </a:p>
-          <a:p>
-            <a:endParaRPr lang="en-US" altLang="ko-KR" dirty="0">
-              <a:latin typeface="Arial" panose="020B0604020202020204" pitchFamily="34" charset="0"/>
-            </a:endParaRPr>
-          </a:p>
-          <a:p>
-            <a:endParaRPr lang="en-US" altLang="ko-KR" dirty="0">
-              <a:latin typeface="Arial" panose="020B0604020202020204" pitchFamily="34" charset="0"/>
-            </a:endParaRPr>
-          </a:p>
-          <a:p>
-            <a:endParaRPr lang="en-US" altLang="ko-KR" dirty="0">
-              <a:latin typeface="Arial" panose="020B0604020202020204" pitchFamily="34" charset="0"/>
-            </a:endParaRPr>
-          </a:p>
-          <a:p>
-            <a:endParaRPr lang="en-US" altLang="ko-KR" dirty="0">
-              <a:latin typeface="Arial" panose="020B0604020202020204" pitchFamily="34" charset="0"/>
-            </a:endParaRPr>
-          </a:p>
-          <a:p>
-            <a:endParaRPr lang="en-US" altLang="ko-KR" dirty="0">
-              <a:latin typeface="Arial" panose="020B0604020202020204" pitchFamily="34" charset="0"/>
-            </a:endParaRPr>
-          </a:p>
-          <a:p>
-            <a:endParaRPr lang="en-US" altLang="ko-KR" dirty="0">
-              <a:latin typeface="Arial" panose="020B0604020202020204" pitchFamily="34" charset="0"/>
-            </a:endParaRPr>
-          </a:p>
-          <a:p>
-            <a:endParaRPr lang="en-US" altLang="ko-KR" dirty="0">
-              <a:latin typeface="Arial" panose="020B0604020202020204" pitchFamily="34" charset="0"/>
-            </a:endParaRPr>
-          </a:p>
-          <a:p>
-            <a:endParaRPr lang="en-US" altLang="ko-KR" dirty="0">
-              <a:latin typeface="Arial" panose="020B0604020202020204" pitchFamily="34" charset="0"/>
-            </a:endParaRPr>
-          </a:p>
-          <a:p>
-            <a:endParaRPr lang="en-US" altLang="ko-KR" dirty="0">
-              <a:latin typeface="Arial" panose="020B0604020202020204" pitchFamily="34" charset="0"/>
-            </a:endParaRPr>
-          </a:p>
-          <a:p>
-            <a:r>
-              <a:rPr lang="en-US" altLang="ko-KR" dirty="0">
-                <a:latin typeface="Arial" panose="020B0604020202020204" pitchFamily="34" charset="0"/>
-              </a:rPr>
-              <a:t>※ Router</a:t>
-            </a:r>
-            <a:r>
-              <a:rPr lang="ko-KR" altLang="en-US" dirty="0">
-                <a:latin typeface="Arial" panose="020B0604020202020204" pitchFamily="34" charset="0"/>
-              </a:rPr>
-              <a:t> 추가</a:t>
-            </a:r>
-            <a:endParaRPr lang="en-US" altLang="ko-KR" dirty="0">
-              <a:latin typeface="Arial" panose="020B0604020202020204" pitchFamily="34" charset="0"/>
-            </a:endParaRPr>
-          </a:p>
-          <a:p>
-            <a:endParaRPr lang="en-US" altLang="ko-KR" sz="1400" dirty="0">
-              <a:latin typeface="Arial" panose="020B0604020202020204" pitchFamily="34" charset="0"/>
-            </a:endParaRPr>
-          </a:p>
-          <a:p>
-            <a:endParaRPr lang="en-US" altLang="ko-KR" sz="1400" dirty="0">
-              <a:latin typeface="Arial" panose="020B0604020202020204" pitchFamily="34" charset="0"/>
-            </a:endParaRPr>
-          </a:p>
-          <a:p>
-            <a:r>
-              <a:rPr lang="en-US" altLang="ko-KR" sz="1400" dirty="0">
-                <a:latin typeface="Arial" panose="020B0604020202020204" pitchFamily="34" charset="0"/>
-              </a:rPr>
-              <a:t>    </a:t>
-            </a:r>
-          </a:p>
-          <a:p>
-            <a:endParaRPr lang="en-US" altLang="ko-KR" sz="1400" dirty="0">
-              <a:latin typeface="Arial" panose="020B0604020202020204" pitchFamily="34" charset="0"/>
-            </a:endParaRPr>
-          </a:p>
-          <a:p>
-            <a:endParaRPr lang="en-US" altLang="ko-KR" sz="1400" dirty="0">
-              <a:latin typeface="Arial" panose="020B0604020202020204" pitchFamily="34" charset="0"/>
-            </a:endParaRPr>
-          </a:p>
-          <a:p>
-            <a:endParaRPr lang="en-US" altLang="ko-KR" sz="1400" dirty="0">
-              <a:latin typeface="Arial" panose="020B0604020202020204" pitchFamily="34" charset="0"/>
-            </a:endParaRPr>
-          </a:p>
-          <a:p>
-            <a:endParaRPr lang="en-US" altLang="ko-KR" sz="1400" dirty="0">
-              <a:latin typeface="Arial" panose="020B0604020202020204" pitchFamily="34" charset="0"/>
-            </a:endParaRPr>
-          </a:p>
-          <a:p>
-            <a:endParaRPr lang="en-US" altLang="ko-KR" sz="1400" dirty="0">
-              <a:latin typeface="Arial" panose="020B0604020202020204" pitchFamily="34" charset="0"/>
-            </a:endParaRPr>
-          </a:p>
-          <a:p>
-            <a:endParaRPr lang="en-US" altLang="ko-KR" sz="1400" dirty="0">
-              <a:latin typeface="Arial" panose="020B0604020202020204" pitchFamily="34" charset="0"/>
-            </a:endParaRPr>
-          </a:p>
-          <a:p>
-            <a:endParaRPr lang="en-US" altLang="ko-KR" sz="1400" dirty="0">
-              <a:latin typeface="Arial" panose="020B0604020202020204" pitchFamily="34" charset="0"/>
-            </a:endParaRPr>
-          </a:p>
-          <a:p>
-            <a:endParaRPr lang="en-US" altLang="ko-KR" sz="1400" dirty="0">
-              <a:latin typeface="Arial" panose="020B0604020202020204" pitchFamily="34" charset="0"/>
-            </a:endParaRPr>
-          </a:p>
-          <a:p>
-            <a:endParaRPr lang="en-US" altLang="ko-KR" dirty="0"/>
-          </a:p>
-          <a:p>
-            <a:endParaRPr lang="en-US" altLang="ko-KR" dirty="0"/>
-          </a:p>
-        </p:txBody>
-      </p:sp>
-      <p:sp>
-        <p:nvSpPr>
-          <p:cNvPr id="6" name="TextBox 5">
-            <a:extLst>
-              <a:ext uri="{FF2B5EF4-FFF2-40B4-BE49-F238E27FC236}">
-                <a16:creationId xmlns:a16="http://schemas.microsoft.com/office/drawing/2014/main" id="{632C2B95-FA42-2C96-773A-F2FB5884037C}"/>
-              </a:ext>
-            </a:extLst>
-          </p:cNvPr>
-          <p:cNvSpPr txBox="1"/>
-          <p:nvPr/>
-        </p:nvSpPr>
-        <p:spPr>
-          <a:xfrm>
-            <a:off x="690693" y="1320881"/>
-            <a:ext cx="10428157" cy="2492990"/>
-          </a:xfrm>
-          <a:prstGeom prst="rect">
-            <a:avLst/>
-          </a:prstGeom>
-          <a:noFill/>
-          <a:ln>
-            <a:solidFill>
-              <a:schemeClr val="accent2"/>
-            </a:solidFill>
-          </a:ln>
-        </p:spPr>
-        <p:txBody>
-          <a:bodyPr wrap="square" rtlCol="0">
-            <a:spAutoFit/>
-          </a:bodyPr>
-          <a:lstStyle/>
-          <a:p>
-            <a:r>
-              <a:rPr lang="en-US" altLang="ko-KR" sz="1200" dirty="0">
-                <a:latin typeface="Arial" panose="020B0604020202020204" pitchFamily="34" charset="0"/>
-              </a:rPr>
-              <a:t>// </a:t>
-            </a:r>
-            <a:r>
-              <a:rPr lang="ko-KR" altLang="en-US" sz="1200" dirty="0">
-                <a:latin typeface="Arial" panose="020B0604020202020204" pitchFamily="34" charset="0"/>
-              </a:rPr>
-              <a:t>주문 상태 변경</a:t>
-            </a:r>
-          </a:p>
-          <a:p>
-            <a:r>
-              <a:rPr lang="ko-KR" altLang="en-US" sz="1200" dirty="0">
-                <a:latin typeface="Arial" panose="020B0604020202020204" pitchFamily="34" charset="0"/>
-              </a:rPr>
-              <a:t>    </a:t>
-            </a:r>
-            <a:r>
-              <a:rPr lang="en-US" altLang="ko-KR" sz="1200" dirty="0">
-                <a:latin typeface="Arial" panose="020B0604020202020204" pitchFamily="34" charset="0"/>
-              </a:rPr>
-              <a:t>public Mono&lt;</a:t>
-            </a:r>
-            <a:r>
-              <a:rPr lang="en-US" altLang="ko-KR" sz="1200" dirty="0" err="1">
-                <a:latin typeface="Arial" panose="020B0604020202020204" pitchFamily="34" charset="0"/>
-              </a:rPr>
-              <a:t>ServerResponse</a:t>
-            </a:r>
-            <a:r>
-              <a:rPr lang="en-US" altLang="ko-KR" sz="1200" dirty="0">
-                <a:latin typeface="Arial" panose="020B0604020202020204" pitchFamily="34" charset="0"/>
-              </a:rPr>
-              <a:t>&gt; </a:t>
-            </a:r>
-            <a:r>
-              <a:rPr lang="en-US" altLang="ko-KR" sz="1200" dirty="0" err="1">
-                <a:latin typeface="Arial" panose="020B0604020202020204" pitchFamily="34" charset="0"/>
-              </a:rPr>
-              <a:t>updateOrder</a:t>
-            </a:r>
-            <a:r>
-              <a:rPr lang="en-US" altLang="ko-KR" sz="1200" dirty="0">
-                <a:latin typeface="Arial" panose="020B0604020202020204" pitchFamily="34" charset="0"/>
-              </a:rPr>
-              <a:t>(</a:t>
-            </a:r>
-            <a:r>
-              <a:rPr lang="en-US" altLang="ko-KR" sz="1200" dirty="0" err="1">
-                <a:latin typeface="Arial" panose="020B0604020202020204" pitchFamily="34" charset="0"/>
-              </a:rPr>
-              <a:t>ServerRequest</a:t>
-            </a:r>
-            <a:r>
-              <a:rPr lang="en-US" altLang="ko-KR" sz="1200" dirty="0">
-                <a:latin typeface="Arial" panose="020B0604020202020204" pitchFamily="34" charset="0"/>
-              </a:rPr>
-              <a:t> request) {</a:t>
-            </a:r>
-          </a:p>
-          <a:p>
-            <a:r>
-              <a:rPr lang="en-US" altLang="ko-KR" sz="1200" dirty="0">
-                <a:latin typeface="Arial" panose="020B0604020202020204" pitchFamily="34" charset="0"/>
-              </a:rPr>
-              <a:t>        try {</a:t>
-            </a:r>
-          </a:p>
-          <a:p>
-            <a:r>
-              <a:rPr lang="en-US" altLang="ko-KR" sz="1200" dirty="0">
-                <a:latin typeface="Arial" panose="020B0604020202020204" pitchFamily="34" charset="0"/>
-              </a:rPr>
-              <a:t>            int </a:t>
-            </a:r>
-            <a:r>
-              <a:rPr lang="en-US" altLang="ko-KR" sz="1200" dirty="0" err="1">
-                <a:latin typeface="Arial" panose="020B0604020202020204" pitchFamily="34" charset="0"/>
-              </a:rPr>
-              <a:t>orderId</a:t>
-            </a:r>
-            <a:r>
-              <a:rPr lang="en-US" altLang="ko-KR" sz="1200" dirty="0">
-                <a:latin typeface="Arial" panose="020B0604020202020204" pitchFamily="34" charset="0"/>
-              </a:rPr>
-              <a:t> = </a:t>
-            </a:r>
-            <a:r>
-              <a:rPr lang="en-US" altLang="ko-KR" sz="1200" dirty="0" err="1">
-                <a:latin typeface="Arial" panose="020B0604020202020204" pitchFamily="34" charset="0"/>
-              </a:rPr>
-              <a:t>Integer.parseInt</a:t>
-            </a:r>
-            <a:r>
-              <a:rPr lang="en-US" altLang="ko-KR" sz="1200" dirty="0">
-                <a:latin typeface="Arial" panose="020B0604020202020204" pitchFamily="34" charset="0"/>
-              </a:rPr>
-              <a:t>(</a:t>
-            </a:r>
-            <a:r>
-              <a:rPr lang="en-US" altLang="ko-KR" sz="1200" dirty="0" err="1">
-                <a:latin typeface="Arial" panose="020B0604020202020204" pitchFamily="34" charset="0"/>
-              </a:rPr>
-              <a:t>request.pathVariable</a:t>
-            </a:r>
-            <a:r>
-              <a:rPr lang="en-US" altLang="ko-KR" sz="1200" dirty="0">
-                <a:latin typeface="Arial" panose="020B0604020202020204" pitchFamily="34" charset="0"/>
-              </a:rPr>
-              <a:t>("</a:t>
-            </a:r>
-            <a:r>
-              <a:rPr lang="en-US" altLang="ko-KR" sz="1200" dirty="0" err="1">
-                <a:latin typeface="Arial" panose="020B0604020202020204" pitchFamily="34" charset="0"/>
-              </a:rPr>
-              <a:t>orderId</a:t>
-            </a:r>
-            <a:r>
-              <a:rPr lang="en-US" altLang="ko-KR" sz="1200" dirty="0">
-                <a:latin typeface="Arial" panose="020B0604020202020204" pitchFamily="34" charset="0"/>
-              </a:rPr>
-              <a:t>"));</a:t>
-            </a:r>
-          </a:p>
-          <a:p>
-            <a:r>
-              <a:rPr lang="en-US" altLang="ko-KR" sz="1200" dirty="0">
-                <a:latin typeface="Arial" panose="020B0604020202020204" pitchFamily="34" charset="0"/>
-              </a:rPr>
-              <a:t>            return </a:t>
-            </a:r>
-            <a:r>
-              <a:rPr lang="en-US" altLang="ko-KR" sz="1200" dirty="0" err="1">
-                <a:latin typeface="Arial" panose="020B0604020202020204" pitchFamily="34" charset="0"/>
-              </a:rPr>
-              <a:t>request.bodyToMono</a:t>
-            </a:r>
-            <a:r>
-              <a:rPr lang="en-US" altLang="ko-KR" sz="1200" dirty="0">
-                <a:latin typeface="Arial" panose="020B0604020202020204" pitchFamily="34" charset="0"/>
-              </a:rPr>
-              <a:t>(</a:t>
-            </a:r>
-            <a:r>
-              <a:rPr lang="en-US" altLang="ko-KR" sz="1200" dirty="0" err="1">
-                <a:latin typeface="Arial" panose="020B0604020202020204" pitchFamily="34" charset="0"/>
-              </a:rPr>
-              <a:t>Order.class</a:t>
-            </a:r>
-            <a:r>
-              <a:rPr lang="en-US" altLang="ko-KR" sz="1200" dirty="0">
-                <a:latin typeface="Arial" panose="020B0604020202020204" pitchFamily="34" charset="0"/>
-              </a:rPr>
-              <a:t>)</a:t>
-            </a:r>
-          </a:p>
-          <a:p>
-            <a:r>
-              <a:rPr lang="en-US" altLang="ko-KR" sz="1200" dirty="0">
-                <a:latin typeface="Arial" panose="020B0604020202020204" pitchFamily="34" charset="0"/>
-              </a:rPr>
-              <a:t>                    .</a:t>
-            </a:r>
-            <a:r>
-              <a:rPr lang="en-US" altLang="ko-KR" sz="1200" dirty="0" err="1">
-                <a:latin typeface="Arial" panose="020B0604020202020204" pitchFamily="34" charset="0"/>
-              </a:rPr>
-              <a:t>switchIfEmpty</a:t>
-            </a:r>
-            <a:r>
-              <a:rPr lang="en-US" altLang="ko-KR" sz="1200" dirty="0">
-                <a:latin typeface="Arial" panose="020B0604020202020204" pitchFamily="34" charset="0"/>
-              </a:rPr>
-              <a:t>(</a:t>
-            </a:r>
-            <a:r>
-              <a:rPr lang="en-US" altLang="ko-KR" sz="1200" dirty="0" err="1">
-                <a:latin typeface="Arial" panose="020B0604020202020204" pitchFamily="34" charset="0"/>
-              </a:rPr>
-              <a:t>Mono.error</a:t>
-            </a:r>
-            <a:r>
-              <a:rPr lang="en-US" altLang="ko-KR" sz="1200" dirty="0">
-                <a:latin typeface="Arial" panose="020B0604020202020204" pitchFamily="34" charset="0"/>
-              </a:rPr>
-              <a:t>(new Exception("Order is null")))</a:t>
-            </a:r>
-          </a:p>
-          <a:p>
-            <a:r>
-              <a:rPr lang="en-US" altLang="ko-KR" sz="1200" dirty="0">
-                <a:latin typeface="Arial" panose="020B0604020202020204" pitchFamily="34" charset="0"/>
-              </a:rPr>
-              <a:t>                    .</a:t>
-            </a:r>
-            <a:r>
-              <a:rPr lang="en-US" altLang="ko-KR" sz="1200" dirty="0" err="1">
-                <a:latin typeface="Arial" panose="020B0604020202020204" pitchFamily="34" charset="0"/>
-              </a:rPr>
-              <a:t>flatMap</a:t>
-            </a:r>
-            <a:r>
-              <a:rPr lang="en-US" altLang="ko-KR" sz="1200" dirty="0">
-                <a:latin typeface="Arial" panose="020B0604020202020204" pitchFamily="34" charset="0"/>
-              </a:rPr>
-              <a:t>(order -&gt; </a:t>
-            </a:r>
-            <a:r>
-              <a:rPr lang="en-US" altLang="ko-KR" sz="1200" dirty="0" err="1">
-                <a:latin typeface="Arial" panose="020B0604020202020204" pitchFamily="34" charset="0"/>
-              </a:rPr>
-              <a:t>apiService.updateOrder</a:t>
-            </a:r>
-            <a:r>
-              <a:rPr lang="en-US" altLang="ko-KR" sz="1200" dirty="0">
-                <a:latin typeface="Arial" panose="020B0604020202020204" pitchFamily="34" charset="0"/>
-              </a:rPr>
-              <a:t>(</a:t>
-            </a:r>
-            <a:r>
-              <a:rPr lang="en-US" altLang="ko-KR" sz="1200" dirty="0" err="1">
-                <a:latin typeface="Arial" panose="020B0604020202020204" pitchFamily="34" charset="0"/>
-              </a:rPr>
-              <a:t>orderId</a:t>
-            </a:r>
-            <a:r>
-              <a:rPr lang="en-US" altLang="ko-KR" sz="1200" dirty="0">
-                <a:latin typeface="Arial" panose="020B0604020202020204" pitchFamily="34" charset="0"/>
-              </a:rPr>
-              <a:t>, order))</a:t>
-            </a:r>
-          </a:p>
-          <a:p>
-            <a:r>
-              <a:rPr lang="en-US" altLang="ko-KR" sz="1200" dirty="0">
-                <a:latin typeface="Arial" panose="020B0604020202020204" pitchFamily="34" charset="0"/>
-              </a:rPr>
-              <a:t>                    .</a:t>
-            </a:r>
-            <a:r>
-              <a:rPr lang="en-US" altLang="ko-KR" sz="1200" dirty="0" err="1">
-                <a:latin typeface="Arial" panose="020B0604020202020204" pitchFamily="34" charset="0"/>
-              </a:rPr>
-              <a:t>flatMap</a:t>
-            </a:r>
-            <a:r>
-              <a:rPr lang="en-US" altLang="ko-KR" sz="1200" dirty="0">
-                <a:latin typeface="Arial" panose="020B0604020202020204" pitchFamily="34" charset="0"/>
-              </a:rPr>
-              <a:t>(order -&gt; </a:t>
-            </a:r>
-            <a:r>
-              <a:rPr lang="en-US" altLang="ko-KR" sz="1200" dirty="0" err="1">
-                <a:latin typeface="Arial" panose="020B0604020202020204" pitchFamily="34" charset="0"/>
-              </a:rPr>
-              <a:t>ServerResponse.ok</a:t>
-            </a:r>
-            <a:r>
-              <a:rPr lang="en-US" altLang="ko-KR" sz="1200" dirty="0">
-                <a:latin typeface="Arial" panose="020B0604020202020204" pitchFamily="34" charset="0"/>
-              </a:rPr>
-              <a:t>().</a:t>
-            </a:r>
-            <a:r>
-              <a:rPr lang="en-US" altLang="ko-KR" sz="1200" dirty="0" err="1">
-                <a:latin typeface="Arial" panose="020B0604020202020204" pitchFamily="34" charset="0"/>
-              </a:rPr>
-              <a:t>bodyValue</a:t>
-            </a:r>
-            <a:r>
-              <a:rPr lang="en-US" altLang="ko-KR" sz="1200" dirty="0">
-                <a:latin typeface="Arial" panose="020B0604020202020204" pitchFamily="34" charset="0"/>
-              </a:rPr>
-              <a:t>(order))</a:t>
-            </a:r>
-          </a:p>
-          <a:p>
-            <a:r>
-              <a:rPr lang="en-US" altLang="ko-KR" sz="1200" dirty="0">
-                <a:latin typeface="Arial" panose="020B0604020202020204" pitchFamily="34" charset="0"/>
-              </a:rPr>
-              <a:t>                    .</a:t>
-            </a:r>
-            <a:r>
-              <a:rPr lang="en-US" altLang="ko-KR" sz="1200" dirty="0" err="1">
-                <a:latin typeface="Arial" panose="020B0604020202020204" pitchFamily="34" charset="0"/>
-              </a:rPr>
-              <a:t>onErrorResume</a:t>
-            </a:r>
-            <a:r>
-              <a:rPr lang="en-US" altLang="ko-KR" sz="1200" dirty="0">
-                <a:latin typeface="Arial" panose="020B0604020202020204" pitchFamily="34" charset="0"/>
-              </a:rPr>
-              <a:t>(e -&gt; </a:t>
-            </a:r>
-            <a:r>
-              <a:rPr lang="en-US" altLang="ko-KR" sz="1200" dirty="0" err="1">
-                <a:latin typeface="Arial" panose="020B0604020202020204" pitchFamily="34" charset="0"/>
-              </a:rPr>
-              <a:t>ServerResponse.badRequest</a:t>
-            </a:r>
-            <a:r>
-              <a:rPr lang="en-US" altLang="ko-KR" sz="1200" dirty="0">
-                <a:latin typeface="Arial" panose="020B0604020202020204" pitchFamily="34" charset="0"/>
-              </a:rPr>
-              <a:t>().</a:t>
-            </a:r>
-            <a:r>
-              <a:rPr lang="en-US" altLang="ko-KR" sz="1200" dirty="0" err="1">
-                <a:latin typeface="Arial" panose="020B0604020202020204" pitchFamily="34" charset="0"/>
-              </a:rPr>
-              <a:t>bodyValue</a:t>
-            </a:r>
-            <a:r>
-              <a:rPr lang="en-US" altLang="ko-KR" sz="1200" dirty="0">
-                <a:latin typeface="Arial" panose="020B0604020202020204" pitchFamily="34" charset="0"/>
-              </a:rPr>
-              <a:t>("</a:t>
-            </a:r>
-            <a:r>
-              <a:rPr lang="ko-KR" altLang="en-US" sz="1200" dirty="0" err="1">
-                <a:latin typeface="Arial" panose="020B0604020202020204" pitchFamily="34" charset="0"/>
-              </a:rPr>
-              <a:t>처리중</a:t>
-            </a:r>
-            <a:r>
-              <a:rPr lang="ko-KR" altLang="en-US" sz="1200" dirty="0">
-                <a:latin typeface="Arial" panose="020B0604020202020204" pitchFamily="34" charset="0"/>
-              </a:rPr>
-              <a:t> 오류가 발생하였습니다</a:t>
-            </a:r>
-            <a:r>
-              <a:rPr lang="en-US" altLang="ko-KR" sz="1200" dirty="0">
-                <a:latin typeface="Arial" panose="020B0604020202020204" pitchFamily="34" charset="0"/>
-              </a:rPr>
-              <a:t>. [" + </a:t>
-            </a:r>
-            <a:r>
-              <a:rPr lang="en-US" altLang="ko-KR" sz="1200" dirty="0" err="1">
-                <a:latin typeface="Arial" panose="020B0604020202020204" pitchFamily="34" charset="0"/>
-              </a:rPr>
-              <a:t>e.getMessage</a:t>
-            </a:r>
-            <a:r>
-              <a:rPr lang="en-US" altLang="ko-KR" sz="1200" dirty="0">
-                <a:latin typeface="Arial" panose="020B0604020202020204" pitchFamily="34" charset="0"/>
-              </a:rPr>
-              <a:t>() + "]"));</a:t>
-            </a:r>
-          </a:p>
-          <a:p>
-            <a:r>
-              <a:rPr lang="en-US" altLang="ko-KR" sz="1200" dirty="0">
-                <a:latin typeface="Arial" panose="020B0604020202020204" pitchFamily="34" charset="0"/>
-              </a:rPr>
-              <a:t>        } catch (</a:t>
-            </a:r>
-            <a:r>
-              <a:rPr lang="en-US" altLang="ko-KR" sz="1200" dirty="0" err="1">
-                <a:latin typeface="Arial" panose="020B0604020202020204" pitchFamily="34" charset="0"/>
-              </a:rPr>
-              <a:t>NumberFormatException</a:t>
-            </a:r>
-            <a:r>
-              <a:rPr lang="en-US" altLang="ko-KR" sz="1200" dirty="0">
-                <a:latin typeface="Arial" panose="020B0604020202020204" pitchFamily="34" charset="0"/>
-              </a:rPr>
-              <a:t> e) {</a:t>
-            </a:r>
-          </a:p>
-          <a:p>
-            <a:r>
-              <a:rPr lang="en-US" altLang="ko-KR" sz="1200" dirty="0">
-                <a:latin typeface="Arial" panose="020B0604020202020204" pitchFamily="34" charset="0"/>
-              </a:rPr>
-              <a:t>            return </a:t>
-            </a:r>
-            <a:r>
-              <a:rPr lang="en-US" altLang="ko-KR" sz="1200" dirty="0" err="1">
-                <a:latin typeface="Arial" panose="020B0604020202020204" pitchFamily="34" charset="0"/>
-              </a:rPr>
-              <a:t>ServerResponse.badRequest</a:t>
-            </a:r>
-            <a:r>
-              <a:rPr lang="en-US" altLang="ko-KR" sz="1200" dirty="0">
-                <a:latin typeface="Arial" panose="020B0604020202020204" pitchFamily="34" charset="0"/>
-              </a:rPr>
-              <a:t>().</a:t>
-            </a:r>
-            <a:r>
-              <a:rPr lang="en-US" altLang="ko-KR" sz="1200" dirty="0" err="1">
-                <a:latin typeface="Arial" panose="020B0604020202020204" pitchFamily="34" charset="0"/>
-              </a:rPr>
-              <a:t>bodyValue</a:t>
-            </a:r>
-            <a:r>
-              <a:rPr lang="en-US" altLang="ko-KR" sz="1200" dirty="0">
-                <a:latin typeface="Arial" panose="020B0604020202020204" pitchFamily="34" charset="0"/>
-              </a:rPr>
-              <a:t>("</a:t>
-            </a:r>
-            <a:r>
-              <a:rPr lang="ko-KR" altLang="en-US" sz="1200" dirty="0">
-                <a:latin typeface="Arial" panose="020B0604020202020204" pitchFamily="34" charset="0"/>
-              </a:rPr>
-              <a:t>잘못된 </a:t>
-            </a:r>
-            <a:r>
-              <a:rPr lang="en-US" altLang="ko-KR" sz="1200" dirty="0" err="1">
-                <a:latin typeface="Arial" panose="020B0604020202020204" pitchFamily="34" charset="0"/>
-              </a:rPr>
-              <a:t>orderId</a:t>
-            </a:r>
-            <a:r>
-              <a:rPr lang="en-US" altLang="ko-KR" sz="1200" dirty="0">
-                <a:latin typeface="Arial" panose="020B0604020202020204" pitchFamily="34" charset="0"/>
-              </a:rPr>
-              <a:t> </a:t>
-            </a:r>
-            <a:r>
-              <a:rPr lang="ko-KR" altLang="en-US" sz="1200" dirty="0">
-                <a:latin typeface="Arial" panose="020B0604020202020204" pitchFamily="34" charset="0"/>
-              </a:rPr>
-              <a:t>형식입니다</a:t>
-            </a:r>
-            <a:r>
-              <a:rPr lang="en-US" altLang="ko-KR" sz="1200" dirty="0">
-                <a:latin typeface="Arial" panose="020B0604020202020204" pitchFamily="34" charset="0"/>
-              </a:rPr>
-              <a:t>.");</a:t>
-            </a:r>
-          </a:p>
-          <a:p>
-            <a:r>
-              <a:rPr lang="en-US" altLang="ko-KR" sz="1200" dirty="0">
-                <a:latin typeface="Arial" panose="020B0604020202020204" pitchFamily="34" charset="0"/>
-              </a:rPr>
-              <a:t>        }</a:t>
-            </a:r>
-          </a:p>
-          <a:p>
-            <a:r>
-              <a:rPr lang="en-US" altLang="ko-KR" sz="1200" dirty="0">
-                <a:latin typeface="Arial" panose="020B0604020202020204" pitchFamily="34" charset="0"/>
-              </a:rPr>
-              <a:t>    }</a:t>
-            </a:r>
-          </a:p>
-        </p:txBody>
-      </p:sp>
-      <p:sp>
-        <p:nvSpPr>
-          <p:cNvPr id="7" name="TextBox 6">
-            <a:extLst>
-              <a:ext uri="{FF2B5EF4-FFF2-40B4-BE49-F238E27FC236}">
-                <a16:creationId xmlns:a16="http://schemas.microsoft.com/office/drawing/2014/main" id="{F3953554-E8DB-F9EE-18C3-43764687A9A9}"/>
-              </a:ext>
-            </a:extLst>
-          </p:cNvPr>
-          <p:cNvSpPr txBox="1"/>
-          <p:nvPr/>
-        </p:nvSpPr>
-        <p:spPr>
-          <a:xfrm>
-            <a:off x="443043" y="5075454"/>
-            <a:ext cx="11266357" cy="276999"/>
-          </a:xfrm>
-          <a:prstGeom prst="rect">
-            <a:avLst/>
-          </a:prstGeom>
-          <a:noFill/>
-          <a:ln>
-            <a:solidFill>
-              <a:schemeClr val="accent2"/>
-            </a:solidFill>
-          </a:ln>
-        </p:spPr>
-        <p:txBody>
-          <a:bodyPr wrap="square" rtlCol="0">
-            <a:spAutoFit/>
-          </a:bodyPr>
-          <a:lstStyle/>
-          <a:p>
-            <a:r>
-              <a:rPr lang="en-US" altLang="ko-KR" sz="1200" dirty="0">
-                <a:latin typeface="Arial" panose="020B0604020202020204" pitchFamily="34" charset="0"/>
-              </a:rPr>
-              <a:t>.</a:t>
-            </a:r>
-            <a:r>
-              <a:rPr lang="en-US" altLang="ko-KR" sz="1200" dirty="0" err="1">
-                <a:latin typeface="Arial" panose="020B0604020202020204" pitchFamily="34" charset="0"/>
-              </a:rPr>
-              <a:t>andRoute</a:t>
-            </a:r>
-            <a:r>
-              <a:rPr lang="en-US" altLang="ko-KR" sz="1200" dirty="0">
-                <a:latin typeface="Arial" panose="020B0604020202020204" pitchFamily="34" charset="0"/>
-              </a:rPr>
-              <a:t>(</a:t>
-            </a:r>
-            <a:r>
-              <a:rPr lang="en-US" altLang="ko-KR" sz="1200" dirty="0" err="1">
-                <a:latin typeface="Arial" panose="020B0604020202020204" pitchFamily="34" charset="0"/>
-              </a:rPr>
-              <a:t>RequestPredicates.PATCH</a:t>
-            </a:r>
-            <a:r>
-              <a:rPr lang="en-US" altLang="ko-KR" sz="1200" dirty="0">
-                <a:latin typeface="Arial" panose="020B0604020202020204" pitchFamily="34" charset="0"/>
-              </a:rPr>
-              <a:t>("/</a:t>
-            </a:r>
-            <a:r>
-              <a:rPr lang="en-US" altLang="ko-KR" sz="1200" dirty="0" err="1">
-                <a:latin typeface="Arial" panose="020B0604020202020204" pitchFamily="34" charset="0"/>
-              </a:rPr>
-              <a:t>api</a:t>
-            </a:r>
-            <a:r>
-              <a:rPr lang="en-US" altLang="ko-KR" sz="1200" dirty="0">
-                <a:latin typeface="Arial" panose="020B0604020202020204" pitchFamily="34" charset="0"/>
-              </a:rPr>
-              <a:t>/order/{</a:t>
-            </a:r>
-            <a:r>
-              <a:rPr lang="en-US" altLang="ko-KR" sz="1200" dirty="0" err="1">
-                <a:latin typeface="Arial" panose="020B0604020202020204" pitchFamily="34" charset="0"/>
-              </a:rPr>
-              <a:t>orderId</a:t>
-            </a:r>
-            <a:r>
-              <a:rPr lang="en-US" altLang="ko-KR" sz="1200" dirty="0">
-                <a:latin typeface="Arial" panose="020B0604020202020204" pitchFamily="34" charset="0"/>
-              </a:rPr>
-              <a:t>}").and(</a:t>
-            </a:r>
-            <a:r>
-              <a:rPr lang="en-US" altLang="ko-KR" sz="1200" dirty="0" err="1">
-                <a:latin typeface="Arial" panose="020B0604020202020204" pitchFamily="34" charset="0"/>
-              </a:rPr>
-              <a:t>RequestPredicates.contentType</a:t>
-            </a:r>
-            <a:r>
-              <a:rPr lang="en-US" altLang="ko-KR" sz="1200" dirty="0">
-                <a:latin typeface="Arial" panose="020B0604020202020204" pitchFamily="34" charset="0"/>
-              </a:rPr>
-              <a:t>(</a:t>
-            </a:r>
-            <a:r>
-              <a:rPr lang="en-US" altLang="ko-KR" sz="1200" dirty="0" err="1">
-                <a:latin typeface="Arial" panose="020B0604020202020204" pitchFamily="34" charset="0"/>
-              </a:rPr>
-              <a:t>MediaType.APPLICATION_JSON</a:t>
-            </a:r>
-            <a:r>
-              <a:rPr lang="en-US" altLang="ko-KR" sz="1200" dirty="0">
-                <a:latin typeface="Arial" panose="020B0604020202020204" pitchFamily="34" charset="0"/>
-              </a:rPr>
-              <a:t>)), </a:t>
-            </a:r>
-            <a:r>
-              <a:rPr lang="en-US" altLang="ko-KR" sz="1200" dirty="0" err="1">
-                <a:latin typeface="Arial" panose="020B0604020202020204" pitchFamily="34" charset="0"/>
-              </a:rPr>
-              <a:t>apiHandler</a:t>
-            </a:r>
-            <a:r>
-              <a:rPr lang="en-US" altLang="ko-KR" sz="1200" dirty="0">
-                <a:latin typeface="Arial" panose="020B0604020202020204" pitchFamily="34" charset="0"/>
-              </a:rPr>
-              <a:t> :: </a:t>
-            </a:r>
-            <a:r>
-              <a:rPr lang="en-US" altLang="ko-KR" sz="1200" dirty="0" err="1">
-                <a:latin typeface="Arial" panose="020B0604020202020204" pitchFamily="34" charset="0"/>
-              </a:rPr>
-              <a:t>updateOrder</a:t>
-            </a:r>
-            <a:r>
-              <a:rPr lang="en-US" altLang="ko-KR" sz="1200" dirty="0">
-                <a:latin typeface="Arial" panose="020B0604020202020204" pitchFamily="34" charset="0"/>
-              </a:rPr>
-              <a:t>)</a:t>
-            </a:r>
-          </a:p>
-        </p:txBody>
-      </p:sp>
-    </p:spTree>
-    <p:extLst>
-      <p:ext uri="{BB962C8B-B14F-4D97-AF65-F5344CB8AC3E}">
-        <p14:creationId xmlns:p14="http://schemas.microsoft.com/office/powerpoint/2010/main" val="520639449"/>
-      </p:ext>
-    </p:extLst>
-  </p:cSld>
-  <p:clrMapOvr>
-    <a:masterClrMapping/>
-  </p:clrMapOvr>
-</p:sld>
-</file>
-
-<file path=ppt/slides/slide64.xml><?xml version="1.0" encoding="utf-8"?>
+<file path=ppt/slides/slide62.xml><?xml version="1.0" encoding="utf-8"?>
 <p:sld xmlns:a="http://schemas.openxmlformats.org/drawingml/2006/main" xmlns:r="http://schemas.openxmlformats.org/officeDocument/2006/relationships" xmlns:p="http://schemas.openxmlformats.org/presentationml/2006/main">
   <p:cSld>
     <p:spTree>
@@ -40006,7 +38781,7 @@
           <a:p>
             <a:fld id="{0FADAAEE-09CE-42F0-A36D-F63F45285918}" type="slidenum">
               <a:rPr lang="ko-KR" altLang="en-US" smtClean="0"/>
-              <a:t>64</a:t>
+              <a:t>62</a:t>
             </a:fld>
             <a:endParaRPr lang="ko-KR" altLang="en-US"/>
           </a:p>
@@ -40218,8 +38993,8 @@
         </p:nvSpPr>
         <p:spPr>
           <a:xfrm>
-            <a:off x="690693" y="1320881"/>
-            <a:ext cx="10428157" cy="2492990"/>
+            <a:off x="38793" y="1320881"/>
+            <a:ext cx="12153207" cy="2492990"/>
           </a:xfrm>
           <a:prstGeom prst="rect">
             <a:avLst/>
@@ -40539,13 +39314,25 @@
               <a:rPr lang="en-US" altLang="ko-KR" sz="1200" dirty="0" err="1">
                 <a:latin typeface="Arial" panose="020B0604020202020204" pitchFamily="34" charset="0"/>
               </a:rPr>
-              <a:t>ServerResponse.badRequest</a:t>
+              <a:t>ServerResponse.status</a:t>
             </a:r>
             <a:r>
               <a:rPr lang="en-US" altLang="ko-KR" sz="1200" dirty="0">
                 <a:latin typeface="Arial" panose="020B0604020202020204" pitchFamily="34" charset="0"/>
               </a:rPr>
-              <a:t>().</a:t>
+              <a:t>(</a:t>
+            </a:r>
+            <a:r>
+              <a:rPr lang="en-US" altLang="ko-KR" sz="1200" dirty="0" err="1">
+                <a:latin typeface="Arial" panose="020B0604020202020204" pitchFamily="34" charset="0"/>
+              </a:rPr>
+              <a:t>HttpStatus.INTERNAL_SERVER_ERROR</a:t>
+            </a:r>
+            <a:r>
+              <a:rPr lang="en-US" altLang="ko-KR" sz="1200" dirty="0">
+                <a:latin typeface="Arial" panose="020B0604020202020204" pitchFamily="34" charset="0"/>
+              </a:rPr>
+              <a:t>).</a:t>
             </a:r>
             <a:r>
               <a:rPr lang="en-US" altLang="ko-KR" sz="1200" dirty="0" err="1">
@@ -40841,7 +39628,7 @@
 </p:sld>
 </file>
 
-<file path=ppt/slides/slide65.xml><?xml version="1.0" encoding="utf-8"?>
+<file path=ppt/slides/slide63.xml><?xml version="1.0" encoding="utf-8"?>
 <p:sld xmlns:a="http://schemas.openxmlformats.org/drawingml/2006/main" xmlns:r="http://schemas.openxmlformats.org/officeDocument/2006/relationships" xmlns:p="http://schemas.openxmlformats.org/presentationml/2006/main">
   <p:cSld>
     <p:spTree>
@@ -40958,9 +39745,9 @@
           <a:p>
             <a:fld id="{0FADAAEE-09CE-42F0-A36D-F63F45285918}" type="slidenum">
               <a:rPr lang="ko-KR" altLang="en-US" smtClean="0"/>
-              <a:t>65</a:t>
+              <a:t>63</a:t>
             </a:fld>
-            <a:endParaRPr lang="ko-KR" altLang="en-US"/>
+            <a:endParaRPr lang="ko-KR" altLang="en-US" dirty="0"/>
           </a:p>
         </p:txBody>
       </p:sp>
@@ -40978,7 +39765,7 @@
         </p:nvSpPr>
         <p:spPr>
           <a:xfrm>
-            <a:off x="188464" y="620167"/>
+            <a:off x="188464" y="636792"/>
             <a:ext cx="12003536" cy="5447645"/>
           </a:xfrm>
           <a:prstGeom prst="rect">
@@ -41009,9 +39796,12 @@
               </a:rPr>
               <a:t>테스트</a:t>
             </a:r>
-            <a:endParaRPr lang="en-US" altLang="ko-KR" dirty="0">
-              <a:latin typeface="Arial" panose="020B0604020202020204" pitchFamily="34" charset="0"/>
-            </a:endParaRPr>
+            <a:r>
+              <a:rPr lang="en-US" altLang="ko-KR" dirty="0">
+                <a:latin typeface="Arial" panose="020B0604020202020204" pitchFamily="34" charset="0"/>
+              </a:rPr>
+              <a:t>(CMD)</a:t>
+            </a:r>
           </a:p>
           <a:p>
             <a:endParaRPr lang="en-US" altLang="ko-KR" sz="1400" dirty="0">
@@ -41247,7 +40037,10 @@
             <a:endParaRPr lang="en-US" altLang="ko-KR" dirty="0"/>
           </a:p>
           <a:p>
-            <a:endParaRPr lang="en-US" altLang="ko-KR" dirty="0"/>
+            <a:r>
+              <a:rPr lang="en-US" altLang="ko-KR" dirty="0"/>
+              <a:t> </a:t>
+            </a:r>
           </a:p>
         </p:txBody>
       </p:sp>
@@ -41294,7 +40087,1363 @@
 </p:sld>
 </file>
 
+<file path=ppt/slides/slide64.xml><?xml version="1.0" encoding="utf-8"?>
+<p:sld xmlns:a="http://schemas.openxmlformats.org/drawingml/2006/main" xmlns:r="http://schemas.openxmlformats.org/officeDocument/2006/relationships" xmlns:p="http://schemas.openxmlformats.org/presentationml/2006/main">
+  <p:cSld>
+    <p:spTree>
+      <p:nvGrpSpPr>
+        <p:cNvPr id="1" name="">
+          <a:extLst>
+            <a:ext uri="{FF2B5EF4-FFF2-40B4-BE49-F238E27FC236}">
+              <a16:creationId xmlns:a16="http://schemas.microsoft.com/office/drawing/2014/main" id="{1F4D0500-5466-D394-2191-CEA34D59B3CC}"/>
+            </a:ext>
+          </a:extLst>
+        </p:cNvPr>
+        <p:cNvGrpSpPr/>
+        <p:nvPr/>
+      </p:nvGrpSpPr>
+      <p:grpSpPr>
+        <a:xfrm>
+          <a:off x="0" y="0"/>
+          <a:ext cx="0" cy="0"/>
+          <a:chOff x="0" y="0"/>
+          <a:chExt cx="0" cy="0"/>
+        </a:xfrm>
+      </p:grpSpPr>
+      <p:sp>
+        <p:nvSpPr>
+          <p:cNvPr id="2" name="제목 1">
+            <a:extLst>
+              <a:ext uri="{FF2B5EF4-FFF2-40B4-BE49-F238E27FC236}">
+                <a16:creationId xmlns:a16="http://schemas.microsoft.com/office/drawing/2014/main" id="{45A28373-9A2C-DC5A-2BD7-D81699E90780}"/>
+              </a:ext>
+            </a:extLst>
+          </p:cNvPr>
+          <p:cNvSpPr>
+            <a:spLocks noGrp="1"/>
+          </p:cNvSpPr>
+          <p:nvPr>
+            <p:ph type="title"/>
+          </p:nvPr>
+        </p:nvSpPr>
+        <p:spPr>
+          <a:xfrm>
+            <a:off x="309693" y="-319630"/>
+            <a:ext cx="10515600" cy="1325563"/>
+          </a:xfrm>
+        </p:spPr>
+        <p:txBody>
+          <a:bodyPr/>
+          <a:lstStyle/>
+          <a:p>
+            <a:pPr marL="0" marR="0" lvl="0" indent="0" algn="l" defTabSz="914400" rtl="0" eaLnBrk="1" fontAlgn="auto" latinLnBrk="1" hangingPunct="1">
+              <a:lnSpc>
+                <a:spcPct val="90000"/>
+              </a:lnSpc>
+              <a:spcBef>
+                <a:spcPct val="0"/>
+              </a:spcBef>
+              <a:spcAft>
+                <a:spcPts val="0"/>
+              </a:spcAft>
+              <a:buClrTx/>
+              <a:buSzTx/>
+              <a:buFontTx/>
+              <a:buNone/>
+              <a:tabLst/>
+              <a:defRPr/>
+            </a:pPr>
+            <a:r>
+              <a:rPr lang="en-US" altLang="ko-KR" sz="1800" kern="1200" dirty="0">
+                <a:solidFill>
+                  <a:schemeClr val="tx1"/>
+                </a:solidFill>
+                <a:effectLst/>
+                <a:latin typeface="+mj-lt"/>
+                <a:ea typeface="+mj-ea"/>
+                <a:cs typeface="+mj-cs"/>
+              </a:rPr>
+              <a:t>5. </a:t>
+            </a:r>
+            <a:r>
+              <a:rPr lang="ko-KR" altLang="en-US" sz="1800" kern="1200" dirty="0">
+                <a:solidFill>
+                  <a:schemeClr val="tx1"/>
+                </a:solidFill>
+                <a:effectLst/>
+                <a:latin typeface="+mj-lt"/>
+                <a:ea typeface="+mj-ea"/>
+                <a:cs typeface="+mj-cs"/>
+              </a:rPr>
+              <a:t>실 습</a:t>
+            </a:r>
+            <a:endParaRPr lang="ko-KR" altLang="en-US" dirty="0"/>
+          </a:p>
+        </p:txBody>
+      </p:sp>
+      <p:sp>
+        <p:nvSpPr>
+          <p:cNvPr id="4" name="슬라이드 번호 개체 틀 3">
+            <a:extLst>
+              <a:ext uri="{FF2B5EF4-FFF2-40B4-BE49-F238E27FC236}">
+                <a16:creationId xmlns:a16="http://schemas.microsoft.com/office/drawing/2014/main" id="{1DC6637A-57CD-268E-4F8D-7864B3EDFDED}"/>
+              </a:ext>
+            </a:extLst>
+          </p:cNvPr>
+          <p:cNvSpPr>
+            <a:spLocks noGrp="1"/>
+          </p:cNvSpPr>
+          <p:nvPr>
+            <p:ph type="sldNum" sz="quarter" idx="12"/>
+          </p:nvPr>
+        </p:nvSpPr>
+        <p:spPr/>
+        <p:txBody>
+          <a:bodyPr/>
+          <a:lstStyle/>
+          <a:p>
+            <a:fld id="{0FADAAEE-09CE-42F0-A36D-F63F45285918}" type="slidenum">
+              <a:rPr lang="ko-KR" altLang="en-US" smtClean="0"/>
+              <a:t>64</a:t>
+            </a:fld>
+            <a:endParaRPr lang="ko-KR" altLang="en-US" dirty="0"/>
+          </a:p>
+        </p:txBody>
+      </p:sp>
+      <p:sp>
+        <p:nvSpPr>
+          <p:cNvPr id="3" name="TextBox 2">
+            <a:extLst>
+              <a:ext uri="{FF2B5EF4-FFF2-40B4-BE49-F238E27FC236}">
+                <a16:creationId xmlns:a16="http://schemas.microsoft.com/office/drawing/2014/main" id="{60195B10-CB73-D712-F36E-236AF0E4F441}"/>
+              </a:ext>
+            </a:extLst>
+          </p:cNvPr>
+          <p:cNvSpPr txBox="1"/>
+          <p:nvPr/>
+        </p:nvSpPr>
+        <p:spPr>
+          <a:xfrm>
+            <a:off x="188464" y="636792"/>
+            <a:ext cx="12003536" cy="5170646"/>
+          </a:xfrm>
+          <a:prstGeom prst="rect">
+            <a:avLst/>
+          </a:prstGeom>
+          <a:noFill/>
+        </p:spPr>
+        <p:txBody>
+          <a:bodyPr wrap="square" rtlCol="0">
+            <a:spAutoFit/>
+          </a:bodyPr>
+          <a:lstStyle/>
+          <a:p>
+            <a:endParaRPr lang="en-US" altLang="ko-KR" sz="1400" dirty="0">
+              <a:latin typeface="Arial" panose="020B0604020202020204" pitchFamily="34" charset="0"/>
+            </a:endParaRPr>
+          </a:p>
+          <a:p>
+            <a:r>
+              <a:rPr lang="en-US" altLang="ko-KR" dirty="0">
+                <a:latin typeface="Arial" panose="020B0604020202020204" pitchFamily="34" charset="0"/>
+              </a:rPr>
+              <a:t>※ </a:t>
+            </a:r>
+            <a:r>
+              <a:rPr lang="ko-KR" altLang="en-US" dirty="0">
+                <a:latin typeface="Arial" panose="020B0604020202020204" pitchFamily="34" charset="0"/>
+              </a:rPr>
+              <a:t>테스트</a:t>
+            </a:r>
+            <a:r>
+              <a:rPr lang="en-US" altLang="ko-KR" dirty="0">
+                <a:latin typeface="Arial" panose="020B0604020202020204" pitchFamily="34" charset="0"/>
+              </a:rPr>
+              <a:t>(UI)</a:t>
+            </a:r>
+          </a:p>
+          <a:p>
+            <a:endParaRPr lang="en-US" altLang="ko-KR" sz="1400" dirty="0">
+              <a:latin typeface="Arial" panose="020B0604020202020204" pitchFamily="34" charset="0"/>
+            </a:endParaRPr>
+          </a:p>
+          <a:p>
+            <a:endParaRPr lang="en-US" altLang="ko-KR" sz="1400" dirty="0">
+              <a:latin typeface="Arial" panose="020B0604020202020204" pitchFamily="34" charset="0"/>
+            </a:endParaRPr>
+          </a:p>
+          <a:p>
+            <a:pPr marL="342900" indent="-342900">
+              <a:buAutoNum type="arabicPeriod"/>
+            </a:pPr>
+            <a:r>
+              <a:rPr lang="en-US" altLang="ko-KR" sz="1400" dirty="0">
+                <a:latin typeface="Arial" panose="020B0604020202020204" pitchFamily="34" charset="0"/>
+              </a:rPr>
+              <a:t>ROUTER </a:t>
+            </a:r>
+            <a:r>
+              <a:rPr lang="ko-KR" altLang="en-US" sz="1400" dirty="0">
+                <a:latin typeface="Arial" panose="020B0604020202020204" pitchFamily="34" charset="0"/>
+              </a:rPr>
+              <a:t>추가</a:t>
+            </a:r>
+            <a:endParaRPr lang="en-US" altLang="ko-KR" sz="1400" dirty="0">
+              <a:latin typeface="Arial" panose="020B0604020202020204" pitchFamily="34" charset="0"/>
+            </a:endParaRPr>
+          </a:p>
+          <a:p>
+            <a:pPr marL="342900" indent="-342900">
+              <a:buAutoNum type="arabicPeriod"/>
+            </a:pPr>
+            <a:endParaRPr lang="en-US" altLang="ko-KR" sz="1400" dirty="0">
+              <a:latin typeface="Arial" panose="020B0604020202020204" pitchFamily="34" charset="0"/>
+            </a:endParaRPr>
+          </a:p>
+          <a:p>
+            <a:pPr marL="342900" indent="-342900">
+              <a:buAutoNum type="arabicPeriod"/>
+            </a:pPr>
+            <a:endParaRPr lang="en-US" altLang="ko-KR" sz="1400" dirty="0">
+              <a:latin typeface="Arial" panose="020B0604020202020204" pitchFamily="34" charset="0"/>
+            </a:endParaRPr>
+          </a:p>
+          <a:p>
+            <a:pPr marL="342900" indent="-342900">
+              <a:buAutoNum type="arabicPeriod"/>
+            </a:pPr>
+            <a:endParaRPr lang="en-US" altLang="ko-KR" sz="1400" dirty="0">
+              <a:latin typeface="Arial" panose="020B0604020202020204" pitchFamily="34" charset="0"/>
+            </a:endParaRPr>
+          </a:p>
+          <a:p>
+            <a:pPr marL="342900" indent="-342900">
+              <a:buAutoNum type="arabicPeriod"/>
+            </a:pPr>
+            <a:endParaRPr lang="en-US" altLang="ko-KR" sz="1400" dirty="0">
+              <a:latin typeface="Arial" panose="020B0604020202020204" pitchFamily="34" charset="0"/>
+            </a:endParaRPr>
+          </a:p>
+          <a:p>
+            <a:pPr marL="342900" indent="-342900">
+              <a:buAutoNum type="arabicPeriod"/>
+            </a:pPr>
+            <a:endParaRPr lang="en-US" altLang="ko-KR" sz="1400" dirty="0">
+              <a:latin typeface="Arial" panose="020B0604020202020204" pitchFamily="34" charset="0"/>
+            </a:endParaRPr>
+          </a:p>
+          <a:p>
+            <a:pPr marL="342900" indent="-342900">
+              <a:buAutoNum type="arabicPeriod"/>
+            </a:pPr>
+            <a:endParaRPr lang="en-US" altLang="ko-KR" sz="1400" dirty="0">
+              <a:latin typeface="Arial" panose="020B0604020202020204" pitchFamily="34" charset="0"/>
+            </a:endParaRPr>
+          </a:p>
+          <a:p>
+            <a:pPr marL="342900" indent="-342900">
+              <a:buAutoNum type="arabicPeriod"/>
+            </a:pPr>
+            <a:endParaRPr lang="en-US" altLang="ko-KR" sz="1400" dirty="0">
+              <a:latin typeface="Arial" panose="020B0604020202020204" pitchFamily="34" charset="0"/>
+            </a:endParaRPr>
+          </a:p>
+          <a:p>
+            <a:pPr marL="342900" indent="-342900">
+              <a:buAutoNum type="arabicPeriod"/>
+            </a:pPr>
+            <a:endParaRPr lang="en-US" altLang="ko-KR" sz="1400" dirty="0">
+              <a:latin typeface="Arial" panose="020B0604020202020204" pitchFamily="34" charset="0"/>
+            </a:endParaRPr>
+          </a:p>
+          <a:p>
+            <a:pPr marL="342900" indent="-342900">
+              <a:buAutoNum type="arabicPeriod"/>
+            </a:pPr>
+            <a:endParaRPr lang="en-US" altLang="ko-KR" sz="1400" dirty="0">
+              <a:latin typeface="Arial" panose="020B0604020202020204" pitchFamily="34" charset="0"/>
+            </a:endParaRPr>
+          </a:p>
+          <a:p>
+            <a:pPr marL="342900" indent="-342900">
+              <a:buAutoNum type="arabicPeriod"/>
+            </a:pPr>
+            <a:endParaRPr lang="en-US" altLang="ko-KR" sz="1400" dirty="0">
+              <a:latin typeface="Arial" panose="020B0604020202020204" pitchFamily="34" charset="0"/>
+            </a:endParaRPr>
+          </a:p>
+          <a:p>
+            <a:pPr marL="342900" indent="-342900">
+              <a:buAutoNum type="arabicPeriod"/>
+            </a:pPr>
+            <a:endParaRPr lang="en-US" altLang="ko-KR" sz="1400" dirty="0">
+              <a:latin typeface="Arial" panose="020B0604020202020204" pitchFamily="34" charset="0"/>
+            </a:endParaRPr>
+          </a:p>
+          <a:p>
+            <a:pPr marL="342900" indent="-342900">
+              <a:buAutoNum type="arabicPeriod"/>
+            </a:pPr>
+            <a:endParaRPr lang="en-US" altLang="ko-KR" sz="1400" dirty="0">
+              <a:latin typeface="Arial" panose="020B0604020202020204" pitchFamily="34" charset="0"/>
+            </a:endParaRPr>
+          </a:p>
+          <a:p>
+            <a:endParaRPr lang="en-US" altLang="ko-KR" sz="1400" dirty="0">
+              <a:latin typeface="Arial" panose="020B0604020202020204" pitchFamily="34" charset="0"/>
+            </a:endParaRPr>
+          </a:p>
+          <a:p>
+            <a:endParaRPr lang="en-US" altLang="ko-KR" sz="1400" dirty="0">
+              <a:latin typeface="Arial" panose="020B0604020202020204" pitchFamily="34" charset="0"/>
+            </a:endParaRPr>
+          </a:p>
+          <a:p>
+            <a:endParaRPr lang="en-US" altLang="ko-KR" sz="1400" dirty="0">
+              <a:latin typeface="Arial" panose="020B0604020202020204" pitchFamily="34" charset="0"/>
+            </a:endParaRPr>
+          </a:p>
+          <a:p>
+            <a:endParaRPr lang="en-US" altLang="ko-KR" sz="1400" dirty="0">
+              <a:latin typeface="Arial" panose="020B0604020202020204" pitchFamily="34" charset="0"/>
+            </a:endParaRPr>
+          </a:p>
+          <a:p>
+            <a:endParaRPr lang="en-US" altLang="ko-KR" sz="1400" dirty="0">
+              <a:latin typeface="Arial" panose="020B0604020202020204" pitchFamily="34" charset="0"/>
+            </a:endParaRPr>
+          </a:p>
+          <a:p>
+            <a:endParaRPr lang="en-US" altLang="ko-KR" dirty="0"/>
+          </a:p>
+        </p:txBody>
+      </p:sp>
+      <p:sp>
+        <p:nvSpPr>
+          <p:cNvPr id="6" name="TextBox 5">
+            <a:extLst>
+              <a:ext uri="{FF2B5EF4-FFF2-40B4-BE49-F238E27FC236}">
+                <a16:creationId xmlns:a16="http://schemas.microsoft.com/office/drawing/2014/main" id="{5C4FE883-631E-D02F-FA0A-7706CDF571CC}"/>
+              </a:ext>
+            </a:extLst>
+          </p:cNvPr>
+          <p:cNvSpPr txBox="1"/>
+          <p:nvPr/>
+        </p:nvSpPr>
+        <p:spPr>
+          <a:xfrm>
+            <a:off x="149650" y="1962355"/>
+            <a:ext cx="12003536" cy="2123658"/>
+          </a:xfrm>
+          <a:prstGeom prst="rect">
+            <a:avLst/>
+          </a:prstGeom>
+          <a:noFill/>
+          <a:ln>
+            <a:solidFill>
+              <a:schemeClr val="accent2"/>
+            </a:solidFill>
+          </a:ln>
+        </p:spPr>
+        <p:txBody>
+          <a:bodyPr wrap="square" rtlCol="0">
+            <a:spAutoFit/>
+          </a:bodyPr>
+          <a:lstStyle/>
+          <a:p>
+            <a:r>
+              <a:rPr lang="en-US" altLang="ko-KR" sz="1200" dirty="0">
+                <a:latin typeface="Arial" panose="020B0604020202020204" pitchFamily="34" charset="0"/>
+              </a:rPr>
+              <a:t>@Bean</a:t>
+            </a:r>
+            <a:br>
+              <a:rPr lang="en-US" altLang="ko-KR" sz="1200" dirty="0">
+                <a:latin typeface="Arial" panose="020B0604020202020204" pitchFamily="34" charset="0"/>
+              </a:rPr>
+            </a:br>
+            <a:r>
+              <a:rPr lang="en-US" altLang="ko-KR" sz="1200" dirty="0">
+                <a:latin typeface="Arial" panose="020B0604020202020204" pitchFamily="34" charset="0"/>
+              </a:rPr>
+              <a:t>public </a:t>
+            </a:r>
+            <a:r>
+              <a:rPr lang="en-US" altLang="ko-KR" sz="1200" dirty="0" err="1">
+                <a:latin typeface="Arial" panose="020B0604020202020204" pitchFamily="34" charset="0"/>
+              </a:rPr>
+              <a:t>RouterFunction</a:t>
+            </a:r>
+            <a:r>
+              <a:rPr lang="en-US" altLang="ko-KR" sz="1200" dirty="0">
+                <a:latin typeface="Arial" panose="020B0604020202020204" pitchFamily="34" charset="0"/>
+              </a:rPr>
+              <a:t>&lt;</a:t>
+            </a:r>
+            <a:r>
+              <a:rPr lang="en-US" altLang="ko-KR" sz="1200" dirty="0" err="1">
+                <a:latin typeface="Arial" panose="020B0604020202020204" pitchFamily="34" charset="0"/>
+              </a:rPr>
+              <a:t>ServerResponse</a:t>
+            </a:r>
+            <a:r>
+              <a:rPr lang="en-US" altLang="ko-KR" sz="1200" dirty="0">
+                <a:latin typeface="Arial" panose="020B0604020202020204" pitchFamily="34" charset="0"/>
+              </a:rPr>
+              <a:t>&gt; </a:t>
+            </a:r>
+            <a:r>
+              <a:rPr lang="en-US" altLang="ko-KR" sz="1200" dirty="0" err="1">
+                <a:latin typeface="Arial" panose="020B0604020202020204" pitchFamily="34" charset="0"/>
+              </a:rPr>
+              <a:t>staticRoutes</a:t>
+            </a:r>
+            <a:r>
+              <a:rPr lang="en-US" altLang="ko-KR" sz="1200" dirty="0">
+                <a:latin typeface="Arial" panose="020B0604020202020204" pitchFamily="34" charset="0"/>
+              </a:rPr>
+              <a:t>() {</a:t>
+            </a:r>
+            <a:br>
+              <a:rPr lang="en-US" altLang="ko-KR" sz="1200" dirty="0">
+                <a:latin typeface="Arial" panose="020B0604020202020204" pitchFamily="34" charset="0"/>
+              </a:rPr>
+            </a:br>
+            <a:r>
+              <a:rPr lang="en-US" altLang="ko-KR" sz="1200" dirty="0">
+                <a:latin typeface="Arial" panose="020B0604020202020204" pitchFamily="34" charset="0"/>
+              </a:rPr>
+              <a:t>    return </a:t>
+            </a:r>
+            <a:r>
+              <a:rPr lang="en-US" altLang="ko-KR" sz="1200" dirty="0" err="1">
+                <a:latin typeface="Arial" panose="020B0604020202020204" pitchFamily="34" charset="0"/>
+              </a:rPr>
+              <a:t>RouterFunctions.resources</a:t>
+            </a:r>
+            <a:r>
+              <a:rPr lang="en-US" altLang="ko-KR" sz="1200" dirty="0">
+                <a:latin typeface="Arial" panose="020B0604020202020204" pitchFamily="34" charset="0"/>
+              </a:rPr>
+              <a:t>("/static/**", new </a:t>
+            </a:r>
+            <a:r>
+              <a:rPr lang="en-US" altLang="ko-KR" sz="1200" dirty="0" err="1">
+                <a:latin typeface="Arial" panose="020B0604020202020204" pitchFamily="34" charset="0"/>
+              </a:rPr>
+              <a:t>ClassPathResource</a:t>
+            </a:r>
+            <a:r>
+              <a:rPr lang="en-US" altLang="ko-KR" sz="1200" dirty="0">
+                <a:latin typeface="Arial" panose="020B0604020202020204" pitchFamily="34" charset="0"/>
+              </a:rPr>
+              <a:t>("static/"))  // CSS, JS, </a:t>
+            </a:r>
+            <a:r>
+              <a:rPr lang="ko-KR" altLang="en-US" sz="1200" dirty="0">
+                <a:latin typeface="Arial" panose="020B0604020202020204" pitchFamily="34" charset="0"/>
+              </a:rPr>
+              <a:t>이미지 등 정적 파일 처리 </a:t>
+            </a:r>
+            <a:r>
+              <a:rPr lang="en-US" altLang="ko-KR" sz="1200" dirty="0">
+                <a:latin typeface="Arial" panose="020B0604020202020204" pitchFamily="34" charset="0"/>
+              </a:rPr>
+              <a:t>(</a:t>
+            </a:r>
+            <a:r>
+              <a:rPr lang="ko-KR" altLang="en-US" sz="1200" dirty="0">
+                <a:latin typeface="Arial" panose="020B0604020202020204" pitchFamily="34" charset="0"/>
+              </a:rPr>
+              <a:t>예</a:t>
+            </a:r>
+            <a:r>
+              <a:rPr lang="en-US" altLang="ko-KR" sz="1200" dirty="0">
+                <a:latin typeface="Arial" panose="020B0604020202020204" pitchFamily="34" charset="0"/>
+              </a:rPr>
+              <a:t>: /static/</a:t>
+            </a:r>
+            <a:r>
+              <a:rPr lang="en-US" altLang="ko-KR" sz="1200" dirty="0" err="1">
+                <a:latin typeface="Arial" panose="020B0604020202020204" pitchFamily="34" charset="0"/>
+              </a:rPr>
+              <a:t>css</a:t>
+            </a:r>
+            <a:r>
+              <a:rPr lang="en-US" altLang="ko-KR" sz="1200" dirty="0">
+                <a:latin typeface="Arial" panose="020B0604020202020204" pitchFamily="34" charset="0"/>
+              </a:rPr>
+              <a:t>/style.css → </a:t>
+            </a:r>
+            <a:r>
+              <a:rPr lang="en-US" altLang="ko-KR" sz="1200" dirty="0" err="1">
+                <a:latin typeface="Arial" panose="020B0604020202020204" pitchFamily="34" charset="0"/>
+              </a:rPr>
+              <a:t>classpath:static</a:t>
+            </a:r>
+            <a:r>
+              <a:rPr lang="en-US" altLang="ko-KR" sz="1200" dirty="0">
+                <a:latin typeface="Arial" panose="020B0604020202020204" pitchFamily="34" charset="0"/>
+              </a:rPr>
+              <a:t>/</a:t>
+            </a:r>
+            <a:r>
+              <a:rPr lang="en-US" altLang="ko-KR" sz="1200" dirty="0" err="1">
+                <a:latin typeface="Arial" panose="020B0604020202020204" pitchFamily="34" charset="0"/>
+              </a:rPr>
+              <a:t>css</a:t>
+            </a:r>
+            <a:r>
+              <a:rPr lang="en-US" altLang="ko-KR" sz="1200" dirty="0">
+                <a:latin typeface="Arial" panose="020B0604020202020204" pitchFamily="34" charset="0"/>
+              </a:rPr>
+              <a:t>/style.css)</a:t>
+            </a:r>
+            <a:br>
+              <a:rPr lang="en-US" altLang="ko-KR" sz="1200" dirty="0">
+                <a:latin typeface="Arial" panose="020B0604020202020204" pitchFamily="34" charset="0"/>
+              </a:rPr>
+            </a:br>
+            <a:r>
+              <a:rPr lang="en-US" altLang="ko-KR" sz="1200" dirty="0">
+                <a:latin typeface="Arial" panose="020B0604020202020204" pitchFamily="34" charset="0"/>
+              </a:rPr>
+              <a:t>            .</a:t>
+            </a:r>
+            <a:r>
+              <a:rPr lang="en-US" altLang="ko-KR" sz="1200" dirty="0" err="1">
+                <a:latin typeface="Arial" panose="020B0604020202020204" pitchFamily="34" charset="0"/>
+              </a:rPr>
+              <a:t>andRoute</a:t>
+            </a:r>
+            <a:r>
+              <a:rPr lang="en-US" altLang="ko-KR" sz="1200" dirty="0">
+                <a:latin typeface="Arial" panose="020B0604020202020204" pitchFamily="34" charset="0"/>
+              </a:rPr>
+              <a:t>(</a:t>
+            </a:r>
+            <a:r>
+              <a:rPr lang="en-US" altLang="ko-KR" sz="1200" dirty="0" err="1">
+                <a:latin typeface="Arial" panose="020B0604020202020204" pitchFamily="34" charset="0"/>
+              </a:rPr>
+              <a:t>RequestPredicates.GET</a:t>
+            </a:r>
+            <a:r>
+              <a:rPr lang="en-US" altLang="ko-KR" sz="1200" dirty="0">
+                <a:latin typeface="Arial" panose="020B0604020202020204" pitchFamily="34" charset="0"/>
+              </a:rPr>
+              <a:t>("/sse-test.html"), request -&gt;              // </a:t>
+            </a:r>
+            <a:r>
+              <a:rPr lang="ko-KR" altLang="en-US" sz="1200" dirty="0">
+                <a:latin typeface="Arial" panose="020B0604020202020204" pitchFamily="34" charset="0"/>
+              </a:rPr>
+              <a:t>루트 경로에서 직접 접근 가능하도록 처리 </a:t>
+            </a:r>
+            <a:r>
+              <a:rPr lang="en-US" altLang="ko-KR" sz="1200" dirty="0">
+                <a:latin typeface="Arial" panose="020B0604020202020204" pitchFamily="34" charset="0"/>
+              </a:rPr>
+              <a:t>(</a:t>
+            </a:r>
+            <a:r>
+              <a:rPr lang="ko-KR" altLang="en-US" sz="1200" dirty="0">
+                <a:latin typeface="Arial" panose="020B0604020202020204" pitchFamily="34" charset="0"/>
+              </a:rPr>
+              <a:t>예</a:t>
+            </a:r>
+            <a:r>
+              <a:rPr lang="en-US" altLang="ko-KR" sz="1200" dirty="0">
+                <a:latin typeface="Arial" panose="020B0604020202020204" pitchFamily="34" charset="0"/>
+              </a:rPr>
+              <a:t>: /sse-test.html → </a:t>
+            </a:r>
+            <a:r>
+              <a:rPr lang="en-US" altLang="ko-KR" sz="1200" dirty="0" err="1">
+                <a:latin typeface="Arial" panose="020B0604020202020204" pitchFamily="34" charset="0"/>
+              </a:rPr>
+              <a:t>classpath:static</a:t>
+            </a:r>
+            <a:r>
+              <a:rPr lang="en-US" altLang="ko-KR" sz="1200" dirty="0">
+                <a:latin typeface="Arial" panose="020B0604020202020204" pitchFamily="34" charset="0"/>
+              </a:rPr>
+              <a:t>/sse-test.html)</a:t>
+            </a:r>
+            <a:br>
+              <a:rPr lang="en-US" altLang="ko-KR" sz="1200" dirty="0">
+                <a:latin typeface="Arial" panose="020B0604020202020204" pitchFamily="34" charset="0"/>
+              </a:rPr>
+            </a:br>
+            <a:r>
+              <a:rPr lang="en-US" altLang="ko-KR" sz="1200" dirty="0">
+                <a:latin typeface="Arial" panose="020B0604020202020204" pitchFamily="34" charset="0"/>
+              </a:rPr>
+              <a:t>                    </a:t>
+            </a:r>
+            <a:r>
+              <a:rPr lang="en-US" altLang="ko-KR" sz="1200" dirty="0" err="1">
+                <a:latin typeface="Arial" panose="020B0604020202020204" pitchFamily="34" charset="0"/>
+              </a:rPr>
+              <a:t>ServerResponse.ok</a:t>
+            </a:r>
+            <a:r>
+              <a:rPr lang="en-US" altLang="ko-KR" sz="1200" dirty="0">
+                <a:latin typeface="Arial" panose="020B0604020202020204" pitchFamily="34" charset="0"/>
+              </a:rPr>
+              <a:t>()</a:t>
+            </a:r>
+            <a:br>
+              <a:rPr lang="en-US" altLang="ko-KR" sz="1200" dirty="0">
+                <a:latin typeface="Arial" panose="020B0604020202020204" pitchFamily="34" charset="0"/>
+              </a:rPr>
+            </a:br>
+            <a:r>
+              <a:rPr lang="en-US" altLang="ko-KR" sz="1200" dirty="0">
+                <a:latin typeface="Arial" panose="020B0604020202020204" pitchFamily="34" charset="0"/>
+              </a:rPr>
+              <a:t>                            .</a:t>
+            </a:r>
+            <a:r>
+              <a:rPr lang="en-US" altLang="ko-KR" sz="1200" dirty="0" err="1">
+                <a:latin typeface="Arial" panose="020B0604020202020204" pitchFamily="34" charset="0"/>
+              </a:rPr>
+              <a:t>contentType</a:t>
+            </a:r>
+            <a:r>
+              <a:rPr lang="en-US" altLang="ko-KR" sz="1200" dirty="0">
+                <a:latin typeface="Arial" panose="020B0604020202020204" pitchFamily="34" charset="0"/>
+              </a:rPr>
+              <a:t>(</a:t>
+            </a:r>
+            <a:r>
+              <a:rPr lang="en-US" altLang="ko-KR" sz="1200" dirty="0" err="1">
+                <a:latin typeface="Arial" panose="020B0604020202020204" pitchFamily="34" charset="0"/>
+              </a:rPr>
+              <a:t>MediaType.TEXT_HTML</a:t>
+            </a:r>
+            <a:r>
+              <a:rPr lang="en-US" altLang="ko-KR" sz="1200" dirty="0">
+                <a:latin typeface="Arial" panose="020B0604020202020204" pitchFamily="34" charset="0"/>
+              </a:rPr>
+              <a:t>)</a:t>
+            </a:r>
+            <a:br>
+              <a:rPr lang="en-US" altLang="ko-KR" sz="1200" dirty="0">
+                <a:latin typeface="Arial" panose="020B0604020202020204" pitchFamily="34" charset="0"/>
+              </a:rPr>
+            </a:br>
+            <a:r>
+              <a:rPr lang="en-US" altLang="ko-KR" sz="1200" dirty="0">
+                <a:latin typeface="Arial" panose="020B0604020202020204" pitchFamily="34" charset="0"/>
+              </a:rPr>
+              <a:t>                            .</a:t>
+            </a:r>
+            <a:r>
+              <a:rPr lang="en-US" altLang="ko-KR" sz="1200" dirty="0" err="1">
+                <a:latin typeface="Arial" panose="020B0604020202020204" pitchFamily="34" charset="0"/>
+              </a:rPr>
+              <a:t>bodyValue</a:t>
+            </a:r>
+            <a:r>
+              <a:rPr lang="en-US" altLang="ko-KR" sz="1200" dirty="0">
+                <a:latin typeface="Arial" panose="020B0604020202020204" pitchFamily="34" charset="0"/>
+              </a:rPr>
+              <a:t>(new </a:t>
+            </a:r>
+            <a:r>
+              <a:rPr lang="en-US" altLang="ko-KR" sz="1200" dirty="0" err="1">
+                <a:latin typeface="Arial" panose="020B0604020202020204" pitchFamily="34" charset="0"/>
+              </a:rPr>
+              <a:t>ClassPathResource</a:t>
+            </a:r>
+            <a:r>
+              <a:rPr lang="en-US" altLang="ko-KR" sz="1200" dirty="0">
+                <a:latin typeface="Arial" panose="020B0604020202020204" pitchFamily="34" charset="0"/>
+              </a:rPr>
+              <a:t>("static/sse-test.html"))</a:t>
+            </a:r>
+            <a:br>
+              <a:rPr lang="en-US" altLang="ko-KR" sz="1200" dirty="0">
+                <a:latin typeface="Arial" panose="020B0604020202020204" pitchFamily="34" charset="0"/>
+              </a:rPr>
+            </a:br>
+            <a:r>
+              <a:rPr lang="en-US" altLang="ko-KR" sz="1200" dirty="0">
+                <a:latin typeface="Arial" panose="020B0604020202020204" pitchFamily="34" charset="0"/>
+              </a:rPr>
+              <a:t>            );</a:t>
+            </a:r>
+            <a:br>
+              <a:rPr lang="en-US" altLang="ko-KR" sz="1200" dirty="0">
+                <a:latin typeface="Arial" panose="020B0604020202020204" pitchFamily="34" charset="0"/>
+              </a:rPr>
+            </a:br>
+            <a:r>
+              <a:rPr lang="en-US" altLang="ko-KR" sz="1200" dirty="0">
+                <a:latin typeface="Arial" panose="020B0604020202020204" pitchFamily="34" charset="0"/>
+              </a:rPr>
+              <a:t>}</a:t>
+            </a:r>
+          </a:p>
+          <a:p>
+            <a:endParaRPr lang="en-US" altLang="ko-KR" sz="1200" dirty="0">
+              <a:latin typeface="Arial" panose="020B0604020202020204" pitchFamily="34" charset="0"/>
+            </a:endParaRPr>
+          </a:p>
+        </p:txBody>
+      </p:sp>
+    </p:spTree>
+    <p:extLst>
+      <p:ext uri="{BB962C8B-B14F-4D97-AF65-F5344CB8AC3E}">
+        <p14:creationId xmlns:p14="http://schemas.microsoft.com/office/powerpoint/2010/main" val="3796344435"/>
+      </p:ext>
+    </p:extLst>
+  </p:cSld>
+  <p:clrMapOvr>
+    <a:masterClrMapping/>
+  </p:clrMapOvr>
+</p:sld>
+</file>
+
+<file path=ppt/slides/slide65.xml><?xml version="1.0" encoding="utf-8"?>
+<p:sld xmlns:a="http://schemas.openxmlformats.org/drawingml/2006/main" xmlns:r="http://schemas.openxmlformats.org/officeDocument/2006/relationships" xmlns:p="http://schemas.openxmlformats.org/presentationml/2006/main">
+  <p:cSld>
+    <p:spTree>
+      <p:nvGrpSpPr>
+        <p:cNvPr id="1" name="">
+          <a:extLst>
+            <a:ext uri="{FF2B5EF4-FFF2-40B4-BE49-F238E27FC236}">
+              <a16:creationId xmlns:a16="http://schemas.microsoft.com/office/drawing/2014/main" id="{8C3D468D-B473-524C-5C8F-F67670BF1A5B}"/>
+            </a:ext>
+          </a:extLst>
+        </p:cNvPr>
+        <p:cNvGrpSpPr/>
+        <p:nvPr/>
+      </p:nvGrpSpPr>
+      <p:grpSpPr>
+        <a:xfrm>
+          <a:off x="0" y="0"/>
+          <a:ext cx="0" cy="0"/>
+          <a:chOff x="0" y="0"/>
+          <a:chExt cx="0" cy="0"/>
+        </a:xfrm>
+      </p:grpSpPr>
+      <p:sp>
+        <p:nvSpPr>
+          <p:cNvPr id="2" name="제목 1">
+            <a:extLst>
+              <a:ext uri="{FF2B5EF4-FFF2-40B4-BE49-F238E27FC236}">
+                <a16:creationId xmlns:a16="http://schemas.microsoft.com/office/drawing/2014/main" id="{E2F1FEB5-E623-3590-6DE3-20E21D1CE86F}"/>
+              </a:ext>
+            </a:extLst>
+          </p:cNvPr>
+          <p:cNvSpPr>
+            <a:spLocks noGrp="1"/>
+          </p:cNvSpPr>
+          <p:nvPr>
+            <p:ph type="title"/>
+          </p:nvPr>
+        </p:nvSpPr>
+        <p:spPr>
+          <a:xfrm>
+            <a:off x="309693" y="-319630"/>
+            <a:ext cx="10515600" cy="1325563"/>
+          </a:xfrm>
+        </p:spPr>
+        <p:txBody>
+          <a:bodyPr/>
+          <a:lstStyle/>
+          <a:p>
+            <a:pPr marL="0" marR="0" lvl="0" indent="0" algn="l" defTabSz="914400" rtl="0" eaLnBrk="1" fontAlgn="auto" latinLnBrk="1" hangingPunct="1">
+              <a:lnSpc>
+                <a:spcPct val="90000"/>
+              </a:lnSpc>
+              <a:spcBef>
+                <a:spcPct val="0"/>
+              </a:spcBef>
+              <a:spcAft>
+                <a:spcPts val="0"/>
+              </a:spcAft>
+              <a:buClrTx/>
+              <a:buSzTx/>
+              <a:buFontTx/>
+              <a:buNone/>
+              <a:tabLst/>
+              <a:defRPr/>
+            </a:pPr>
+            <a:r>
+              <a:rPr lang="en-US" altLang="ko-KR" sz="1800" kern="1200" dirty="0">
+                <a:solidFill>
+                  <a:schemeClr val="tx1"/>
+                </a:solidFill>
+                <a:effectLst/>
+                <a:latin typeface="+mj-lt"/>
+                <a:ea typeface="+mj-ea"/>
+                <a:cs typeface="+mj-cs"/>
+              </a:rPr>
+              <a:t>5. </a:t>
+            </a:r>
+            <a:r>
+              <a:rPr lang="ko-KR" altLang="en-US" sz="1800" kern="1200" dirty="0">
+                <a:solidFill>
+                  <a:schemeClr val="tx1"/>
+                </a:solidFill>
+                <a:effectLst/>
+                <a:latin typeface="+mj-lt"/>
+                <a:ea typeface="+mj-ea"/>
+                <a:cs typeface="+mj-cs"/>
+              </a:rPr>
+              <a:t>실 습</a:t>
+            </a:r>
+            <a:endParaRPr lang="ko-KR" altLang="en-US" dirty="0"/>
+          </a:p>
+        </p:txBody>
+      </p:sp>
+      <p:sp>
+        <p:nvSpPr>
+          <p:cNvPr id="4" name="슬라이드 번호 개체 틀 3">
+            <a:extLst>
+              <a:ext uri="{FF2B5EF4-FFF2-40B4-BE49-F238E27FC236}">
+                <a16:creationId xmlns:a16="http://schemas.microsoft.com/office/drawing/2014/main" id="{77A0F33E-ADCC-8181-C9B2-0B5DC7A3E6A6}"/>
+              </a:ext>
+            </a:extLst>
+          </p:cNvPr>
+          <p:cNvSpPr>
+            <a:spLocks noGrp="1"/>
+          </p:cNvSpPr>
+          <p:nvPr>
+            <p:ph type="sldNum" sz="quarter" idx="12"/>
+          </p:nvPr>
+        </p:nvSpPr>
+        <p:spPr/>
+        <p:txBody>
+          <a:bodyPr/>
+          <a:lstStyle/>
+          <a:p>
+            <a:fld id="{0FADAAEE-09CE-42F0-A36D-F63F45285918}" type="slidenum">
+              <a:rPr lang="ko-KR" altLang="en-US" smtClean="0"/>
+              <a:t>65</a:t>
+            </a:fld>
+            <a:endParaRPr lang="ko-KR" altLang="en-US" dirty="0"/>
+          </a:p>
+        </p:txBody>
+      </p:sp>
+      <p:sp>
+        <p:nvSpPr>
+          <p:cNvPr id="3" name="TextBox 2">
+            <a:extLst>
+              <a:ext uri="{FF2B5EF4-FFF2-40B4-BE49-F238E27FC236}">
+                <a16:creationId xmlns:a16="http://schemas.microsoft.com/office/drawing/2014/main" id="{15ECDEE1-3742-B3E8-811E-BB0B11E08440}"/>
+              </a:ext>
+            </a:extLst>
+          </p:cNvPr>
+          <p:cNvSpPr txBox="1"/>
+          <p:nvPr/>
+        </p:nvSpPr>
+        <p:spPr>
+          <a:xfrm>
+            <a:off x="188464" y="642334"/>
+            <a:ext cx="12003536" cy="5386090"/>
+          </a:xfrm>
+          <a:prstGeom prst="rect">
+            <a:avLst/>
+          </a:prstGeom>
+          <a:noFill/>
+        </p:spPr>
+        <p:txBody>
+          <a:bodyPr wrap="square" rtlCol="0">
+            <a:spAutoFit/>
+          </a:bodyPr>
+          <a:lstStyle/>
+          <a:p>
+            <a:endParaRPr lang="en-US" altLang="ko-KR" sz="1400" dirty="0">
+              <a:latin typeface="Arial" panose="020B0604020202020204" pitchFamily="34" charset="0"/>
+            </a:endParaRPr>
+          </a:p>
+          <a:p>
+            <a:r>
+              <a:rPr lang="en-US" altLang="ko-KR" dirty="0">
+                <a:latin typeface="Arial" panose="020B0604020202020204" pitchFamily="34" charset="0"/>
+              </a:rPr>
+              <a:t>※ </a:t>
+            </a:r>
+            <a:r>
+              <a:rPr lang="ko-KR" altLang="en-US" dirty="0">
+                <a:latin typeface="Arial" panose="020B0604020202020204" pitchFamily="34" charset="0"/>
+              </a:rPr>
+              <a:t>테스트</a:t>
+            </a:r>
+            <a:r>
+              <a:rPr lang="en-US" altLang="ko-KR" dirty="0">
+                <a:latin typeface="Arial" panose="020B0604020202020204" pitchFamily="34" charset="0"/>
+              </a:rPr>
+              <a:t>(UI)</a:t>
+            </a:r>
+          </a:p>
+          <a:p>
+            <a:endParaRPr lang="en-US" altLang="ko-KR" sz="1400" dirty="0">
+              <a:latin typeface="Arial" panose="020B0604020202020204" pitchFamily="34" charset="0"/>
+            </a:endParaRPr>
+          </a:p>
+          <a:p>
+            <a:endParaRPr lang="en-US" altLang="ko-KR" sz="1400" dirty="0">
+              <a:latin typeface="Arial" panose="020B0604020202020204" pitchFamily="34" charset="0"/>
+            </a:endParaRPr>
+          </a:p>
+          <a:p>
+            <a:r>
+              <a:rPr lang="en-US" altLang="ko-KR" sz="1400" dirty="0">
+                <a:hlinkClick r:id="rId2"/>
+              </a:rPr>
+              <a:t>2. http://localhost:8080/sse-test.html</a:t>
+            </a:r>
+            <a:r>
+              <a:rPr lang="en-US" altLang="ko-KR" sz="1400" dirty="0"/>
+              <a:t> </a:t>
+            </a:r>
+            <a:r>
+              <a:rPr lang="ko-KR" altLang="ko-KR" sz="1400" dirty="0"/>
+              <a:t>접속</a:t>
+            </a:r>
+            <a:endParaRPr lang="en-US" altLang="ko-KR" sz="1400" dirty="0">
+              <a:latin typeface="Arial" panose="020B0604020202020204" pitchFamily="34" charset="0"/>
+            </a:endParaRPr>
+          </a:p>
+          <a:p>
+            <a:endParaRPr lang="en-US" altLang="ko-KR" sz="1400" dirty="0">
+              <a:latin typeface="Arial" panose="020B0604020202020204" pitchFamily="34" charset="0"/>
+            </a:endParaRPr>
+          </a:p>
+          <a:p>
+            <a:pPr marL="342900" indent="-342900">
+              <a:buAutoNum type="arabicPeriod"/>
+            </a:pPr>
+            <a:endParaRPr lang="en-US" altLang="ko-KR" sz="1400" dirty="0">
+              <a:latin typeface="Arial" panose="020B0604020202020204" pitchFamily="34" charset="0"/>
+            </a:endParaRPr>
+          </a:p>
+          <a:p>
+            <a:pPr marL="342900" indent="-342900">
+              <a:buAutoNum type="arabicPeriod"/>
+            </a:pPr>
+            <a:endParaRPr lang="en-US" altLang="ko-KR" sz="1400" dirty="0">
+              <a:latin typeface="Arial" panose="020B0604020202020204" pitchFamily="34" charset="0"/>
+            </a:endParaRPr>
+          </a:p>
+          <a:p>
+            <a:pPr marL="342900" indent="-342900">
+              <a:buAutoNum type="arabicPeriod"/>
+            </a:pPr>
+            <a:endParaRPr lang="en-US" altLang="ko-KR" sz="1400" dirty="0">
+              <a:latin typeface="Arial" panose="020B0604020202020204" pitchFamily="34" charset="0"/>
+            </a:endParaRPr>
+          </a:p>
+          <a:p>
+            <a:pPr marL="342900" indent="-342900">
+              <a:buAutoNum type="arabicPeriod"/>
+            </a:pPr>
+            <a:endParaRPr lang="en-US" altLang="ko-KR" sz="1400" dirty="0">
+              <a:latin typeface="Arial" panose="020B0604020202020204" pitchFamily="34" charset="0"/>
+            </a:endParaRPr>
+          </a:p>
+          <a:p>
+            <a:pPr marL="342900" indent="-342900">
+              <a:buAutoNum type="arabicPeriod"/>
+            </a:pPr>
+            <a:endParaRPr lang="en-US" altLang="ko-KR" sz="1400" dirty="0">
+              <a:latin typeface="Arial" panose="020B0604020202020204" pitchFamily="34" charset="0"/>
+            </a:endParaRPr>
+          </a:p>
+          <a:p>
+            <a:pPr marL="342900" indent="-342900">
+              <a:buAutoNum type="arabicPeriod"/>
+            </a:pPr>
+            <a:endParaRPr lang="en-US" altLang="ko-KR" sz="1400" dirty="0">
+              <a:latin typeface="Arial" panose="020B0604020202020204" pitchFamily="34" charset="0"/>
+            </a:endParaRPr>
+          </a:p>
+          <a:p>
+            <a:pPr marL="342900" indent="-342900">
+              <a:buAutoNum type="arabicPeriod"/>
+            </a:pPr>
+            <a:endParaRPr lang="en-US" altLang="ko-KR" sz="1400" dirty="0">
+              <a:latin typeface="Arial" panose="020B0604020202020204" pitchFamily="34" charset="0"/>
+            </a:endParaRPr>
+          </a:p>
+          <a:p>
+            <a:pPr marL="342900" indent="-342900">
+              <a:buAutoNum type="arabicPeriod"/>
+            </a:pPr>
+            <a:endParaRPr lang="en-US" altLang="ko-KR" sz="1400" dirty="0">
+              <a:latin typeface="Arial" panose="020B0604020202020204" pitchFamily="34" charset="0"/>
+            </a:endParaRPr>
+          </a:p>
+          <a:p>
+            <a:pPr marL="342900" indent="-342900">
+              <a:buAutoNum type="arabicPeriod"/>
+            </a:pPr>
+            <a:endParaRPr lang="en-US" altLang="ko-KR" sz="1400" dirty="0">
+              <a:latin typeface="Arial" panose="020B0604020202020204" pitchFamily="34" charset="0"/>
+            </a:endParaRPr>
+          </a:p>
+          <a:p>
+            <a:pPr marL="342900" indent="-342900">
+              <a:buAutoNum type="arabicPeriod"/>
+            </a:pPr>
+            <a:endParaRPr lang="en-US" altLang="ko-KR" sz="1400" dirty="0">
+              <a:latin typeface="Arial" panose="020B0604020202020204" pitchFamily="34" charset="0"/>
+            </a:endParaRPr>
+          </a:p>
+          <a:p>
+            <a:pPr marL="342900" indent="-342900">
+              <a:buAutoNum type="arabicPeriod"/>
+            </a:pPr>
+            <a:endParaRPr lang="en-US" altLang="ko-KR" sz="1400" dirty="0">
+              <a:latin typeface="Arial" panose="020B0604020202020204" pitchFamily="34" charset="0"/>
+            </a:endParaRPr>
+          </a:p>
+          <a:p>
+            <a:endParaRPr lang="en-US" altLang="ko-KR" sz="1400" dirty="0">
+              <a:latin typeface="Arial" panose="020B0604020202020204" pitchFamily="34" charset="0"/>
+            </a:endParaRPr>
+          </a:p>
+          <a:p>
+            <a:endParaRPr lang="en-US" altLang="ko-KR" sz="1400" dirty="0">
+              <a:latin typeface="Arial" panose="020B0604020202020204" pitchFamily="34" charset="0"/>
+            </a:endParaRPr>
+          </a:p>
+          <a:p>
+            <a:endParaRPr lang="en-US" altLang="ko-KR" sz="1400" dirty="0">
+              <a:latin typeface="Arial" panose="020B0604020202020204" pitchFamily="34" charset="0"/>
+            </a:endParaRPr>
+          </a:p>
+          <a:p>
+            <a:endParaRPr lang="en-US" altLang="ko-KR" sz="1400" dirty="0">
+              <a:latin typeface="Arial" panose="020B0604020202020204" pitchFamily="34" charset="0"/>
+            </a:endParaRPr>
+          </a:p>
+          <a:p>
+            <a:endParaRPr lang="en-US" altLang="ko-KR" sz="1400" dirty="0"/>
+          </a:p>
+          <a:p>
+            <a:endParaRPr lang="en-US" altLang="ko-KR" sz="1400" dirty="0"/>
+          </a:p>
+          <a:p>
+            <a:endParaRPr lang="en-US" altLang="ko-KR" dirty="0"/>
+          </a:p>
+        </p:txBody>
+      </p:sp>
+      <p:pic>
+        <p:nvPicPr>
+          <p:cNvPr id="7" name="그림 6">
+            <a:extLst>
+              <a:ext uri="{FF2B5EF4-FFF2-40B4-BE49-F238E27FC236}">
+                <a16:creationId xmlns:a16="http://schemas.microsoft.com/office/drawing/2014/main" id="{85C39872-ACA7-97B1-85D0-2ABCD5220717}"/>
+              </a:ext>
+            </a:extLst>
+          </p:cNvPr>
+          <p:cNvPicPr>
+            <a:picLocks noChangeAspect="1"/>
+          </p:cNvPicPr>
+          <p:nvPr/>
+        </p:nvPicPr>
+        <p:blipFill>
+          <a:blip r:embed="rId3"/>
+          <a:stretch>
+            <a:fillRect/>
+          </a:stretch>
+        </p:blipFill>
+        <p:spPr>
+          <a:xfrm>
+            <a:off x="665020" y="1911215"/>
+            <a:ext cx="4654813" cy="3863360"/>
+          </a:xfrm>
+          <a:prstGeom prst="rect">
+            <a:avLst/>
+          </a:prstGeom>
+        </p:spPr>
+      </p:pic>
+    </p:spTree>
+    <p:extLst>
+      <p:ext uri="{BB962C8B-B14F-4D97-AF65-F5344CB8AC3E}">
+        <p14:creationId xmlns:p14="http://schemas.microsoft.com/office/powerpoint/2010/main" val="3156154165"/>
+      </p:ext>
+    </p:extLst>
+  </p:cSld>
+  <p:clrMapOvr>
+    <a:masterClrMapping/>
+  </p:clrMapOvr>
+</p:sld>
+</file>
+
 <file path=ppt/slides/slide66.xml><?xml version="1.0" encoding="utf-8"?>
+<p:sld xmlns:a="http://schemas.openxmlformats.org/drawingml/2006/main" xmlns:r="http://schemas.openxmlformats.org/officeDocument/2006/relationships" xmlns:p="http://schemas.openxmlformats.org/presentationml/2006/main">
+  <p:cSld>
+    <p:spTree>
+      <p:nvGrpSpPr>
+        <p:cNvPr id="1" name="">
+          <a:extLst>
+            <a:ext uri="{FF2B5EF4-FFF2-40B4-BE49-F238E27FC236}">
+              <a16:creationId xmlns:a16="http://schemas.microsoft.com/office/drawing/2014/main" id="{E61E4A90-C516-079A-FA93-547A8AB27221}"/>
+            </a:ext>
+          </a:extLst>
+        </p:cNvPr>
+        <p:cNvGrpSpPr/>
+        <p:nvPr/>
+      </p:nvGrpSpPr>
+      <p:grpSpPr>
+        <a:xfrm>
+          <a:off x="0" y="0"/>
+          <a:ext cx="0" cy="0"/>
+          <a:chOff x="0" y="0"/>
+          <a:chExt cx="0" cy="0"/>
+        </a:xfrm>
+      </p:grpSpPr>
+      <p:sp>
+        <p:nvSpPr>
+          <p:cNvPr id="2" name="제목 1">
+            <a:extLst>
+              <a:ext uri="{FF2B5EF4-FFF2-40B4-BE49-F238E27FC236}">
+                <a16:creationId xmlns:a16="http://schemas.microsoft.com/office/drawing/2014/main" id="{217BD34A-752C-D1D7-6C10-B2EF6F0EAB07}"/>
+              </a:ext>
+            </a:extLst>
+          </p:cNvPr>
+          <p:cNvSpPr>
+            <a:spLocks noGrp="1"/>
+          </p:cNvSpPr>
+          <p:nvPr>
+            <p:ph type="title"/>
+          </p:nvPr>
+        </p:nvSpPr>
+        <p:spPr>
+          <a:xfrm>
+            <a:off x="309693" y="-319630"/>
+            <a:ext cx="10515600" cy="1325563"/>
+          </a:xfrm>
+        </p:spPr>
+        <p:txBody>
+          <a:bodyPr/>
+          <a:lstStyle/>
+          <a:p>
+            <a:pPr marL="0" marR="0" lvl="0" indent="0" algn="l" defTabSz="914400" rtl="0" eaLnBrk="1" fontAlgn="auto" latinLnBrk="1" hangingPunct="1">
+              <a:lnSpc>
+                <a:spcPct val="90000"/>
+              </a:lnSpc>
+              <a:spcBef>
+                <a:spcPct val="0"/>
+              </a:spcBef>
+              <a:spcAft>
+                <a:spcPts val="0"/>
+              </a:spcAft>
+              <a:buClrTx/>
+              <a:buSzTx/>
+              <a:buFontTx/>
+              <a:buNone/>
+              <a:tabLst/>
+              <a:defRPr/>
+            </a:pPr>
+            <a:r>
+              <a:rPr lang="en-US" altLang="ko-KR" sz="1800" kern="1200" dirty="0">
+                <a:solidFill>
+                  <a:schemeClr val="tx1"/>
+                </a:solidFill>
+                <a:effectLst/>
+                <a:latin typeface="+mj-lt"/>
+                <a:ea typeface="+mj-ea"/>
+                <a:cs typeface="+mj-cs"/>
+              </a:rPr>
+              <a:t>5. </a:t>
+            </a:r>
+            <a:r>
+              <a:rPr lang="ko-KR" altLang="en-US" sz="1800" kern="1200" dirty="0">
+                <a:solidFill>
+                  <a:schemeClr val="tx1"/>
+                </a:solidFill>
+                <a:effectLst/>
+                <a:latin typeface="+mj-lt"/>
+                <a:ea typeface="+mj-ea"/>
+                <a:cs typeface="+mj-cs"/>
+              </a:rPr>
+              <a:t>실 습</a:t>
+            </a:r>
+            <a:endParaRPr lang="ko-KR" altLang="en-US" dirty="0"/>
+          </a:p>
+        </p:txBody>
+      </p:sp>
+      <p:sp>
+        <p:nvSpPr>
+          <p:cNvPr id="4" name="슬라이드 번호 개체 틀 3">
+            <a:extLst>
+              <a:ext uri="{FF2B5EF4-FFF2-40B4-BE49-F238E27FC236}">
+                <a16:creationId xmlns:a16="http://schemas.microsoft.com/office/drawing/2014/main" id="{F779514D-36DF-86BF-126B-3D859FC30180}"/>
+              </a:ext>
+            </a:extLst>
+          </p:cNvPr>
+          <p:cNvSpPr>
+            <a:spLocks noGrp="1"/>
+          </p:cNvSpPr>
+          <p:nvPr>
+            <p:ph type="sldNum" sz="quarter" idx="12"/>
+          </p:nvPr>
+        </p:nvSpPr>
+        <p:spPr/>
+        <p:txBody>
+          <a:bodyPr/>
+          <a:lstStyle/>
+          <a:p>
+            <a:fld id="{0FADAAEE-09CE-42F0-A36D-F63F45285918}" type="slidenum">
+              <a:rPr lang="ko-KR" altLang="en-US" smtClean="0"/>
+              <a:t>66</a:t>
+            </a:fld>
+            <a:endParaRPr lang="ko-KR" altLang="en-US" dirty="0"/>
+          </a:p>
+        </p:txBody>
+      </p:sp>
+      <p:sp>
+        <p:nvSpPr>
+          <p:cNvPr id="3" name="TextBox 2">
+            <a:extLst>
+              <a:ext uri="{FF2B5EF4-FFF2-40B4-BE49-F238E27FC236}">
+                <a16:creationId xmlns:a16="http://schemas.microsoft.com/office/drawing/2014/main" id="{B1D5F2DC-BC77-BFBC-8D20-FBEF7764F263}"/>
+              </a:ext>
+            </a:extLst>
+          </p:cNvPr>
+          <p:cNvSpPr txBox="1"/>
+          <p:nvPr/>
+        </p:nvSpPr>
+        <p:spPr>
+          <a:xfrm>
+            <a:off x="188464" y="642334"/>
+            <a:ext cx="12003536" cy="1508105"/>
+          </a:xfrm>
+          <a:prstGeom prst="rect">
+            <a:avLst/>
+          </a:prstGeom>
+          <a:noFill/>
+        </p:spPr>
+        <p:txBody>
+          <a:bodyPr wrap="square" rtlCol="0">
+            <a:spAutoFit/>
+          </a:bodyPr>
+          <a:lstStyle/>
+          <a:p>
+            <a:endParaRPr lang="en-US" altLang="ko-KR" sz="1400" dirty="0">
+              <a:latin typeface="Arial" panose="020B0604020202020204" pitchFamily="34" charset="0"/>
+            </a:endParaRPr>
+          </a:p>
+          <a:p>
+            <a:r>
+              <a:rPr lang="en-US" altLang="ko-KR" dirty="0">
+                <a:latin typeface="Arial" panose="020B0604020202020204" pitchFamily="34" charset="0"/>
+              </a:rPr>
+              <a:t>※ </a:t>
+            </a:r>
+            <a:r>
+              <a:rPr lang="ko-KR" altLang="en-US" dirty="0">
+                <a:latin typeface="Arial" panose="020B0604020202020204" pitchFamily="34" charset="0"/>
+              </a:rPr>
+              <a:t>테스트</a:t>
+            </a:r>
+            <a:r>
+              <a:rPr lang="en-US" altLang="ko-KR" dirty="0">
+                <a:latin typeface="Arial" panose="020B0604020202020204" pitchFamily="34" charset="0"/>
+              </a:rPr>
+              <a:t>(UI)</a:t>
+            </a:r>
+          </a:p>
+          <a:p>
+            <a:endParaRPr lang="en-US" altLang="ko-KR" sz="1400" dirty="0">
+              <a:latin typeface="Arial" panose="020B0604020202020204" pitchFamily="34" charset="0"/>
+            </a:endParaRPr>
+          </a:p>
+          <a:p>
+            <a:endParaRPr lang="en-US" altLang="ko-KR" sz="1400" dirty="0">
+              <a:latin typeface="Arial" panose="020B0604020202020204" pitchFamily="34" charset="0"/>
+            </a:endParaRPr>
+          </a:p>
+          <a:p>
+            <a:r>
+              <a:rPr lang="en-US" altLang="ko-KR" sz="1400" dirty="0"/>
+              <a:t>3. </a:t>
+            </a:r>
+            <a:r>
+              <a:rPr lang="ko-KR" altLang="en-US" sz="1400" dirty="0"/>
+              <a:t>테스트 </a:t>
+            </a:r>
+            <a:r>
+              <a:rPr lang="en-US" altLang="ko-KR" sz="1400" dirty="0"/>
+              <a:t>(</a:t>
+            </a:r>
+            <a:r>
+              <a:rPr lang="ko-KR" altLang="en-US" sz="1400" dirty="0"/>
+              <a:t>연결 후 주문 수정 </a:t>
+            </a:r>
+            <a:r>
+              <a:rPr lang="en-US" altLang="ko-KR" sz="1400" dirty="0"/>
+              <a:t>API </a:t>
+            </a:r>
+            <a:r>
+              <a:rPr lang="ko-KR" altLang="en-US" sz="1400" dirty="0"/>
+              <a:t>호출 후 결과 확인</a:t>
+            </a:r>
+            <a:r>
+              <a:rPr lang="en-US" altLang="ko-KR" sz="1400" dirty="0"/>
+              <a:t>)</a:t>
+            </a:r>
+            <a:endParaRPr lang="en-US" altLang="ko-KR" sz="1400" dirty="0">
+              <a:latin typeface="Arial" panose="020B0604020202020204" pitchFamily="34" charset="0"/>
+            </a:endParaRPr>
+          </a:p>
+          <a:p>
+            <a:endParaRPr lang="en-US" altLang="ko-KR" dirty="0"/>
+          </a:p>
+        </p:txBody>
+      </p:sp>
+      <p:pic>
+        <p:nvPicPr>
+          <p:cNvPr id="6" name="그림 5">
+            <a:extLst>
+              <a:ext uri="{FF2B5EF4-FFF2-40B4-BE49-F238E27FC236}">
+                <a16:creationId xmlns:a16="http://schemas.microsoft.com/office/drawing/2014/main" id="{0E70AE4B-F018-47DF-0851-5420C6DA798D}"/>
+              </a:ext>
+            </a:extLst>
+          </p:cNvPr>
+          <p:cNvPicPr>
+            <a:picLocks noChangeAspect="1"/>
+          </p:cNvPicPr>
+          <p:nvPr/>
+        </p:nvPicPr>
+        <p:blipFill>
+          <a:blip r:embed="rId2"/>
+          <a:stretch>
+            <a:fillRect/>
+          </a:stretch>
+        </p:blipFill>
+        <p:spPr>
+          <a:xfrm>
+            <a:off x="947649" y="2096783"/>
+            <a:ext cx="4466708" cy="3662840"/>
+          </a:xfrm>
+          <a:prstGeom prst="rect">
+            <a:avLst/>
+          </a:prstGeom>
+        </p:spPr>
+      </p:pic>
+    </p:spTree>
+    <p:extLst>
+      <p:ext uri="{BB962C8B-B14F-4D97-AF65-F5344CB8AC3E}">
+        <p14:creationId xmlns:p14="http://schemas.microsoft.com/office/powerpoint/2010/main" val="349555067"/>
+      </p:ext>
+    </p:extLst>
+  </p:cSld>
+  <p:clrMapOvr>
+    <a:masterClrMapping/>
+  </p:clrMapOvr>
+</p:sld>
+</file>
+
+<file path=ppt/slides/slide67.xml><?xml version="1.0" encoding="utf-8"?>
 <p:sld xmlns:a="http://schemas.openxmlformats.org/drawingml/2006/main" xmlns:r="http://schemas.openxmlformats.org/officeDocument/2006/relationships" xmlns:p="http://schemas.openxmlformats.org/presentationml/2006/main">
   <p:cSld>
     <p:spTree>
@@ -41411,7 +41560,7 @@
           <a:p>
             <a:fld id="{0FADAAEE-09CE-42F0-A36D-F63F45285918}" type="slidenum">
               <a:rPr lang="ko-KR" altLang="en-US" smtClean="0"/>
-              <a:t>66</a:t>
+              <a:t>67</a:t>
             </a:fld>
             <a:endParaRPr lang="ko-KR" altLang="en-US"/>
           </a:p>
